--- a/IPVC-EI-TEMPLATE-PPT-IS-TRABALHO1.pptx
+++ b/IPVC-EI-TEMPLATE-PPT-IS-TRABALHO1.pptx
@@ -5,16 +5,18 @@
     <p:sldMasterId id="2147483648" r:id="rId1"/>
   </p:sldMasterIdLst>
   <p:notesMasterIdLst>
-    <p:notesMasterId r:id="rId6"/>
+    <p:notesMasterId r:id="rId8"/>
   </p:notesMasterIdLst>
   <p:handoutMasterIdLst>
-    <p:handoutMasterId r:id="rId7"/>
+    <p:handoutMasterId r:id="rId9"/>
   </p:handoutMasterIdLst>
   <p:sldIdLst>
     <p:sldId id="309" r:id="rId2"/>
     <p:sldId id="258" r:id="rId3"/>
-    <p:sldId id="278" r:id="rId4"/>
-    <p:sldId id="260" r:id="rId5"/>
+    <p:sldId id="310" r:id="rId4"/>
+    <p:sldId id="311" r:id="rId5"/>
+    <p:sldId id="278" r:id="rId6"/>
+    <p:sldId id="260" r:id="rId7"/>
   </p:sldIdLst>
   <p:sldSz cx="9144000" cy="6858000" type="screen4x3"/>
   <p:notesSz cx="7099300" cy="10234613"/>
@@ -215,7 +217,7 @@
             <a:fld id="{ADB6FF1F-555E-4388-A8B0-D1E524B355D1}" type="datetimeFigureOut">
               <a:rPr lang="pt-PT" smtClean="0"/>
               <a:pPr/>
-              <a:t>28/09/2023</a:t>
+              <a:t>29/09/2023</a:t>
             </a:fld>
             <a:endParaRPr lang="pt-PT"/>
           </a:p>
@@ -382,7 +384,7 @@
             <a:fld id="{E77E319B-B046-487F-8D03-B96E4F1A43D0}" type="datetimeFigureOut">
               <a:rPr lang="pt-PT" smtClean="0"/>
               <a:pPr/>
-              <a:t>28/09/2023</a:t>
+              <a:t>29/09/2023</a:t>
             </a:fld>
             <a:endParaRPr lang="pt-PT"/>
           </a:p>
@@ -831,6 +833,204 @@
           <a:lstStyle/>
           <a:p>
             <a:pPr eaLnBrk="1" hangingPunct="1"/>
+            <a:endParaRPr lang="pt-PT">
+              <a:latin typeface="Arial" pitchFamily="34" charset="0"/>
+            </a:endParaRPr>
+          </a:p>
+        </p:txBody>
+      </p:sp>
+    </p:spTree>
+    <p:extLst>
+      <p:ext uri="{BB962C8B-B14F-4D97-AF65-F5344CB8AC3E}">
+        <p14:creationId xmlns:p14="http://schemas.microsoft.com/office/powerpoint/2010/main" val="2638938487"/>
+      </p:ext>
+    </p:extLst>
+  </p:cSld>
+  <p:clrMapOvr>
+    <a:masterClrMapping/>
+  </p:clrMapOvr>
+</p:notes>
+</file>
+
+<file path=ppt/notesSlides/notesSlide3.xml><?xml version="1.0" encoding="utf-8"?>
+<p:notes xmlns:a="http://schemas.openxmlformats.org/drawingml/2006/main" xmlns:r="http://schemas.openxmlformats.org/officeDocument/2006/relationships" xmlns:p="http://schemas.openxmlformats.org/presentationml/2006/main">
+  <p:cSld>
+    <p:spTree>
+      <p:nvGrpSpPr>
+        <p:cNvPr id="1" name=""/>
+        <p:cNvGrpSpPr/>
+        <p:nvPr/>
+      </p:nvGrpSpPr>
+      <p:grpSpPr>
+        <a:xfrm>
+          <a:off x="0" y="0"/>
+          <a:ext cx="0" cy="0"/>
+          <a:chOff x="0" y="0"/>
+          <a:chExt cx="0" cy="0"/>
+        </a:xfrm>
+      </p:grpSpPr>
+      <p:sp>
+        <p:nvSpPr>
+          <p:cNvPr id="93186" name="Rectangle 7"/>
+          <p:cNvSpPr>
+            <a:spLocks noGrp="1" noChangeArrowheads="1"/>
+          </p:cNvSpPr>
+          <p:nvPr>
+            <p:ph type="sldNum" sz="quarter" idx="5"/>
+          </p:nvPr>
+        </p:nvSpPr>
+        <p:spPr>
+          <a:noFill/>
+        </p:spPr>
+        <p:txBody>
+          <a:bodyPr/>
+          <a:lstStyle/>
+          <a:p>
+            <a:fld id="{497D1F5F-AB60-452E-AA79-64E25350F70B}" type="slidenum">
+              <a:rPr lang="pt-PT" smtClean="0">
+                <a:latin typeface="Arial" pitchFamily="34" charset="0"/>
+              </a:rPr>
+              <a:pPr/>
+              <a:t>4</a:t>
+            </a:fld>
+            <a:endParaRPr lang="pt-PT">
+              <a:latin typeface="Arial" pitchFamily="34" charset="0"/>
+            </a:endParaRPr>
+          </a:p>
+        </p:txBody>
+      </p:sp>
+      <p:sp>
+        <p:nvSpPr>
+          <p:cNvPr id="93187" name="Rectangle 2"/>
+          <p:cNvSpPr>
+            <a:spLocks noGrp="1" noRot="1" noChangeAspect="1" noChangeArrowheads="1" noTextEdit="1"/>
+          </p:cNvSpPr>
+          <p:nvPr>
+            <p:ph type="sldImg"/>
+          </p:nvPr>
+        </p:nvSpPr>
+        <p:spPr>
+          <a:ln/>
+        </p:spPr>
+      </p:sp>
+      <p:sp>
+        <p:nvSpPr>
+          <p:cNvPr id="93188" name="Rectangle 3"/>
+          <p:cNvSpPr>
+            <a:spLocks noGrp="1" noChangeArrowheads="1"/>
+          </p:cNvSpPr>
+          <p:nvPr>
+            <p:ph type="body" idx="1"/>
+          </p:nvPr>
+        </p:nvSpPr>
+        <p:spPr>
+          <a:noFill/>
+          <a:ln/>
+        </p:spPr>
+        <p:txBody>
+          <a:bodyPr/>
+          <a:lstStyle/>
+          <a:p>
+            <a:pPr eaLnBrk="1" hangingPunct="1"/>
+            <a:endParaRPr lang="pt-PT">
+              <a:latin typeface="Arial" pitchFamily="34" charset="0"/>
+            </a:endParaRPr>
+          </a:p>
+        </p:txBody>
+      </p:sp>
+    </p:spTree>
+    <p:extLst>
+      <p:ext uri="{BB962C8B-B14F-4D97-AF65-F5344CB8AC3E}">
+        <p14:creationId xmlns:p14="http://schemas.microsoft.com/office/powerpoint/2010/main" val="2998368142"/>
+      </p:ext>
+    </p:extLst>
+  </p:cSld>
+  <p:clrMapOvr>
+    <a:masterClrMapping/>
+  </p:clrMapOvr>
+</p:notes>
+</file>
+
+<file path=ppt/notesSlides/notesSlide4.xml><?xml version="1.0" encoding="utf-8"?>
+<p:notes xmlns:a="http://schemas.openxmlformats.org/drawingml/2006/main" xmlns:r="http://schemas.openxmlformats.org/officeDocument/2006/relationships" xmlns:p="http://schemas.openxmlformats.org/presentationml/2006/main">
+  <p:cSld>
+    <p:spTree>
+      <p:nvGrpSpPr>
+        <p:cNvPr id="1" name=""/>
+        <p:cNvGrpSpPr/>
+        <p:nvPr/>
+      </p:nvGrpSpPr>
+      <p:grpSpPr>
+        <a:xfrm>
+          <a:off x="0" y="0"/>
+          <a:ext cx="0" cy="0"/>
+          <a:chOff x="0" y="0"/>
+          <a:chExt cx="0" cy="0"/>
+        </a:xfrm>
+      </p:grpSpPr>
+      <p:sp>
+        <p:nvSpPr>
+          <p:cNvPr id="93186" name="Rectangle 7"/>
+          <p:cNvSpPr>
+            <a:spLocks noGrp="1" noChangeArrowheads="1"/>
+          </p:cNvSpPr>
+          <p:nvPr>
+            <p:ph type="sldNum" sz="quarter" idx="5"/>
+          </p:nvPr>
+        </p:nvSpPr>
+        <p:spPr>
+          <a:noFill/>
+        </p:spPr>
+        <p:txBody>
+          <a:bodyPr/>
+          <a:lstStyle/>
+          <a:p>
+            <a:fld id="{497D1F5F-AB60-452E-AA79-64E25350F70B}" type="slidenum">
+              <a:rPr lang="pt-PT" smtClean="0">
+                <a:latin typeface="Arial" pitchFamily="34" charset="0"/>
+              </a:rPr>
+              <a:pPr/>
+              <a:t>5</a:t>
+            </a:fld>
+            <a:endParaRPr lang="pt-PT">
+              <a:latin typeface="Arial" pitchFamily="34" charset="0"/>
+            </a:endParaRPr>
+          </a:p>
+        </p:txBody>
+      </p:sp>
+      <p:sp>
+        <p:nvSpPr>
+          <p:cNvPr id="93187" name="Rectangle 2"/>
+          <p:cNvSpPr>
+            <a:spLocks noGrp="1" noRot="1" noChangeAspect="1" noChangeArrowheads="1" noTextEdit="1"/>
+          </p:cNvSpPr>
+          <p:nvPr>
+            <p:ph type="sldImg"/>
+          </p:nvPr>
+        </p:nvSpPr>
+        <p:spPr>
+          <a:ln/>
+        </p:spPr>
+      </p:sp>
+      <p:sp>
+        <p:nvSpPr>
+          <p:cNvPr id="93188" name="Rectangle 3"/>
+          <p:cNvSpPr>
+            <a:spLocks noGrp="1" noChangeArrowheads="1"/>
+          </p:cNvSpPr>
+          <p:nvPr>
+            <p:ph type="body" idx="1"/>
+          </p:nvPr>
+        </p:nvSpPr>
+        <p:spPr>
+          <a:noFill/>
+          <a:ln/>
+        </p:spPr>
+        <p:txBody>
+          <a:bodyPr/>
+          <a:lstStyle/>
+          <a:p>
+            <a:pPr eaLnBrk="1" hangingPunct="1"/>
             <a:r>
               <a:rPr lang="pt-PT" dirty="0">
                 <a:latin typeface="Arial" pitchFamily="34" charset="0"/>
@@ -1035,7 +1235,7 @@
             <a:fld id="{A4A3E61B-3AB3-490F-90D4-269C8A444AE7}" type="datetimeFigureOut">
               <a:rPr lang="en-US" smtClean="0"/>
               <a:pPr/>
-              <a:t>9/28/2023</a:t>
+              <a:t>9/29/2023</a:t>
             </a:fld>
             <a:endParaRPr lang="en-US"/>
           </a:p>
@@ -1202,7 +1402,7 @@
             <a:fld id="{A4A3E61B-3AB3-490F-90D4-269C8A444AE7}" type="datetimeFigureOut">
               <a:rPr lang="en-US" smtClean="0"/>
               <a:pPr/>
-              <a:t>9/28/2023</a:t>
+              <a:t>9/29/2023</a:t>
             </a:fld>
             <a:endParaRPr lang="en-US"/>
           </a:p>
@@ -1379,7 +1579,7 @@
             <a:fld id="{A4A3E61B-3AB3-490F-90D4-269C8A444AE7}" type="datetimeFigureOut">
               <a:rPr lang="en-US" smtClean="0"/>
               <a:pPr/>
-              <a:t>9/28/2023</a:t>
+              <a:t>9/29/2023</a:t>
             </a:fld>
             <a:endParaRPr lang="en-US"/>
           </a:p>
@@ -1546,7 +1746,7 @@
             <a:fld id="{A4A3E61B-3AB3-490F-90D4-269C8A444AE7}" type="datetimeFigureOut">
               <a:rPr lang="en-US" smtClean="0"/>
               <a:pPr/>
-              <a:t>9/28/2023</a:t>
+              <a:t>9/29/2023</a:t>
             </a:fld>
             <a:endParaRPr lang="en-US"/>
           </a:p>
@@ -1789,7 +1989,7 @@
             <a:fld id="{A4A3E61B-3AB3-490F-90D4-269C8A444AE7}" type="datetimeFigureOut">
               <a:rPr lang="en-US" smtClean="0"/>
               <a:pPr/>
-              <a:t>9/28/2023</a:t>
+              <a:t>9/29/2023</a:t>
             </a:fld>
             <a:endParaRPr lang="en-US"/>
           </a:p>
@@ -2074,7 +2274,7 @@
             <a:fld id="{A4A3E61B-3AB3-490F-90D4-269C8A444AE7}" type="datetimeFigureOut">
               <a:rPr lang="en-US" smtClean="0"/>
               <a:pPr/>
-              <a:t>9/28/2023</a:t>
+              <a:t>9/29/2023</a:t>
             </a:fld>
             <a:endParaRPr lang="en-US"/>
           </a:p>
@@ -2493,7 +2693,7 @@
             <a:fld id="{A4A3E61B-3AB3-490F-90D4-269C8A444AE7}" type="datetimeFigureOut">
               <a:rPr lang="en-US" smtClean="0"/>
               <a:pPr/>
-              <a:t>9/28/2023</a:t>
+              <a:t>9/29/2023</a:t>
             </a:fld>
             <a:endParaRPr lang="en-US"/>
           </a:p>
@@ -2608,7 +2808,7 @@
             <a:fld id="{A4A3E61B-3AB3-490F-90D4-269C8A444AE7}" type="datetimeFigureOut">
               <a:rPr lang="en-US" smtClean="0"/>
               <a:pPr/>
-              <a:t>9/28/2023</a:t>
+              <a:t>9/29/2023</a:t>
             </a:fld>
             <a:endParaRPr lang="en-US"/>
           </a:p>
@@ -2700,7 +2900,7 @@
             <a:fld id="{A4A3E61B-3AB3-490F-90D4-269C8A444AE7}" type="datetimeFigureOut">
               <a:rPr lang="en-US" smtClean="0"/>
               <a:pPr/>
-              <a:t>9/28/2023</a:t>
+              <a:t>9/29/2023</a:t>
             </a:fld>
             <a:endParaRPr lang="en-US"/>
           </a:p>
@@ -2974,7 +3174,7 @@
             <a:fld id="{A4A3E61B-3AB3-490F-90D4-269C8A444AE7}" type="datetimeFigureOut">
               <a:rPr lang="en-US" smtClean="0"/>
               <a:pPr/>
-              <a:t>9/28/2023</a:t>
+              <a:t>9/29/2023</a:t>
             </a:fld>
             <a:endParaRPr lang="en-US"/>
           </a:p>
@@ -3224,7 +3424,7 @@
             <a:fld id="{A4A3E61B-3AB3-490F-90D4-269C8A444AE7}" type="datetimeFigureOut">
               <a:rPr lang="en-US" smtClean="0"/>
               <a:pPr/>
-              <a:t>9/28/2023</a:t>
+              <a:t>9/29/2023</a:t>
             </a:fld>
             <a:endParaRPr lang="en-US"/>
           </a:p>
@@ -3434,7 +3634,7 @@
             <a:fld id="{A4A3E61B-3AB3-490F-90D4-269C8A444AE7}" type="datetimeFigureOut">
               <a:rPr lang="en-US" smtClean="0"/>
               <a:pPr/>
-              <a:t>9/28/2023</a:t>
+              <a:t>9/29/2023</a:t>
             </a:fld>
             <a:endParaRPr lang="en-US"/>
           </a:p>
@@ -5141,7 +5341,7 @@
         </p:spPr>
         <p:txBody>
           <a:bodyPr vert="horz" lIns="91440" tIns="45720" rIns="91440" bIns="45720" rtlCol="0">
-            <a:normAutofit lnSpcReduction="10000"/>
+            <a:normAutofit fontScale="92500"/>
           </a:bodyPr>
           <a:lstStyle/>
           <a:p>
@@ -5229,6 +5429,20 @@
                 <a:cs typeface="Arial" pitchFamily="34" charset="0"/>
               </a:rPr>
               <a:t>sockets</a:t>
+            </a:r>
+            <a:r>
+              <a:rPr lang="pt-PT" sz="2000" dirty="0">
+                <a:latin typeface="Arial" pitchFamily="34" charset="0"/>
+                <a:cs typeface="Arial" pitchFamily="34" charset="0"/>
+              </a:rPr>
+              <a:t>, em </a:t>
+            </a:r>
+            <a:r>
+              <a:rPr lang="pt-PT" sz="2000" b="1" i="1" dirty="0" err="1">
+                <a:latin typeface="Arial" pitchFamily="34" charset="0"/>
+                <a:cs typeface="Arial" pitchFamily="34" charset="0"/>
+              </a:rPr>
+              <a:t>python</a:t>
             </a:r>
             <a:r>
               <a:rPr lang="pt-PT" sz="2000" dirty="0">
@@ -5892,6 +6106,2036 @@
       </p:grpSpPr>
       <p:sp>
         <p:nvSpPr>
+          <p:cNvPr id="10243" name="Text Box 10"/>
+          <p:cNvSpPr txBox="1">
+            <a:spLocks noChangeArrowheads="1"/>
+          </p:cNvSpPr>
+          <p:nvPr/>
+        </p:nvSpPr>
+        <p:spPr bwMode="auto">
+          <a:xfrm>
+            <a:off x="8288338" y="6296025"/>
+            <a:ext cx="827087" cy="366713"/>
+          </a:xfrm>
+          <a:prstGeom prst="rect">
+            <a:avLst/>
+          </a:prstGeom>
+          <a:noFill/>
+          <a:ln w="9525">
+            <a:noFill/>
+            <a:miter lim="800000"/>
+            <a:headEnd/>
+            <a:tailEnd/>
+          </a:ln>
+        </p:spPr>
+        <p:txBody>
+          <a:bodyPr>
+            <a:spAutoFit/>
+          </a:bodyPr>
+          <a:lstStyle/>
+          <a:p>
+            <a:pPr>
+              <a:spcBef>
+                <a:spcPct val="50000"/>
+              </a:spcBef>
+            </a:pPr>
+            <a:endParaRPr lang="pt-PT"/>
+          </a:p>
+        </p:txBody>
+      </p:sp>
+      <p:sp>
+        <p:nvSpPr>
+          <p:cNvPr id="10244" name="Rectangle 11"/>
+          <p:cNvSpPr>
+            <a:spLocks noChangeArrowheads="1"/>
+          </p:cNvSpPr>
+          <p:nvPr/>
+        </p:nvSpPr>
+        <p:spPr bwMode="auto">
+          <a:xfrm>
+            <a:off x="8327571" y="6496091"/>
+            <a:ext cx="936625" cy="260350"/>
+          </a:xfrm>
+          <a:prstGeom prst="rect">
+            <a:avLst/>
+          </a:prstGeom>
+          <a:noFill/>
+          <a:ln w="9525">
+            <a:noFill/>
+            <a:miter lim="800000"/>
+            <a:headEnd/>
+            <a:tailEnd/>
+          </a:ln>
+        </p:spPr>
+        <p:txBody>
+          <a:bodyPr anchor="ctr"/>
+          <a:lstStyle/>
+          <a:p>
+            <a:pPr algn="ctr"/>
+            <a:r>
+              <a:rPr lang="pt-PT" sz="1000" dirty="0"/>
+              <a:t>- </a:t>
+            </a:r>
+            <a:fld id="{1234D2FF-8FB9-47A1-B8C9-42A5F500BA2F}" type="slidenum">
+              <a:rPr lang="pt-PT" sz="1000"/>
+              <a:pPr algn="ctr"/>
+              <a:t>3</a:t>
+            </a:fld>
+            <a:r>
+              <a:rPr lang="pt-PT" sz="1000" dirty="0"/>
+              <a:t> -</a:t>
+            </a:r>
+          </a:p>
+        </p:txBody>
+      </p:sp>
+      <p:sp>
+        <p:nvSpPr>
+          <p:cNvPr id="9229" name="Text Box 13"/>
+          <p:cNvSpPr txBox="1">
+            <a:spLocks noChangeArrowheads="1"/>
+          </p:cNvSpPr>
+          <p:nvPr/>
+        </p:nvSpPr>
+        <p:spPr bwMode="auto">
+          <a:xfrm>
+            <a:off x="250825" y="546149"/>
+            <a:ext cx="6981825" cy="400050"/>
+          </a:xfrm>
+          <a:prstGeom prst="rect">
+            <a:avLst/>
+          </a:prstGeom>
+          <a:noFill/>
+          <a:ln w="9525">
+            <a:noFill/>
+            <a:miter lim="800000"/>
+            <a:headEnd/>
+            <a:tailEnd/>
+          </a:ln>
+          <a:effectLst/>
+        </p:spPr>
+        <p:txBody>
+          <a:bodyPr>
+            <a:spAutoFit/>
+          </a:bodyPr>
+          <a:lstStyle/>
+          <a:p>
+            <a:pPr>
+              <a:spcBef>
+                <a:spcPct val="50000"/>
+              </a:spcBef>
+              <a:defRPr/>
+            </a:pPr>
+            <a:r>
+              <a:rPr lang="pt-PT" sz="2000" b="1" dirty="0">
+                <a:solidFill>
+                  <a:srgbClr val="C00000"/>
+                </a:solidFill>
+                <a:effectLst>
+                  <a:outerShdw blurRad="38100" dist="38100" dir="2700000" algn="tl">
+                    <a:srgbClr val="C0C0C0"/>
+                  </a:outerShdw>
+                </a:effectLst>
+                <a:latin typeface="Arial"/>
+                <a:cs typeface="Arial"/>
+              </a:rPr>
+              <a:t>■</a:t>
+            </a:r>
+            <a:r>
+              <a:rPr lang="pt-PT" sz="2000" b="1" dirty="0">
+                <a:effectLst>
+                  <a:outerShdw blurRad="38100" dist="38100" dir="2700000" algn="tl">
+                    <a:srgbClr val="C0C0C0"/>
+                  </a:outerShdw>
+                </a:effectLst>
+                <a:latin typeface="Arial"/>
+                <a:cs typeface="Arial"/>
+              </a:rPr>
+              <a:t> Desenvolvimento</a:t>
+            </a:r>
+            <a:endParaRPr lang="pt-PT" sz="2000" b="1" dirty="0">
+              <a:effectLst>
+                <a:outerShdw blurRad="38100" dist="38100" dir="2700000" algn="tl">
+                  <a:srgbClr val="C0C0C0"/>
+                </a:outerShdw>
+              </a:effectLst>
+              <a:latin typeface="Arial" charset="0"/>
+            </a:endParaRPr>
+          </a:p>
+        </p:txBody>
+      </p:sp>
+      <p:sp>
+        <p:nvSpPr>
+          <p:cNvPr id="10247" name="Line 15"/>
+          <p:cNvSpPr>
+            <a:spLocks noChangeShapeType="1"/>
+          </p:cNvSpPr>
+          <p:nvPr/>
+        </p:nvSpPr>
+        <p:spPr bwMode="auto">
+          <a:xfrm>
+            <a:off x="250825" y="0"/>
+            <a:ext cx="0" cy="765175"/>
+          </a:xfrm>
+          <a:prstGeom prst="line">
+            <a:avLst/>
+          </a:prstGeom>
+          <a:noFill/>
+          <a:ln w="25400">
+            <a:solidFill>
+              <a:schemeClr val="tx1"/>
+            </a:solidFill>
+            <a:round/>
+            <a:headEnd/>
+            <a:tailEnd/>
+          </a:ln>
+        </p:spPr>
+        <p:txBody>
+          <a:bodyPr/>
+          <a:lstStyle/>
+          <a:p>
+            <a:endParaRPr lang="pt-PT"/>
+          </a:p>
+        </p:txBody>
+      </p:sp>
+      <p:sp>
+        <p:nvSpPr>
+          <p:cNvPr id="9237" name="Text Box 21"/>
+          <p:cNvSpPr txBox="1">
+            <a:spLocks noChangeArrowheads="1"/>
+          </p:cNvSpPr>
+          <p:nvPr/>
+        </p:nvSpPr>
+        <p:spPr bwMode="auto">
+          <a:xfrm>
+            <a:off x="381001" y="44450"/>
+            <a:ext cx="6138752" cy="276999"/>
+          </a:xfrm>
+          <a:prstGeom prst="rect">
+            <a:avLst/>
+          </a:prstGeom>
+          <a:noFill/>
+          <a:ln w="9525">
+            <a:noFill/>
+            <a:miter lim="800000"/>
+            <a:headEnd/>
+            <a:tailEnd/>
+          </a:ln>
+          <a:effectLst/>
+        </p:spPr>
+        <p:txBody>
+          <a:bodyPr wrap="square">
+            <a:spAutoFit/>
+          </a:bodyPr>
+          <a:lstStyle/>
+          <a:p>
+            <a:pPr>
+              <a:spcBef>
+                <a:spcPct val="50000"/>
+              </a:spcBef>
+              <a:defRPr/>
+            </a:pPr>
+            <a:r>
+              <a:rPr lang="pt-PT" sz="1200" b="1" dirty="0">
+                <a:solidFill>
+                  <a:srgbClr val="FF3300"/>
+                </a:solidFill>
+                <a:effectLst>
+                  <a:outerShdw blurRad="38100" dist="38100" dir="2700000" algn="tl">
+                    <a:srgbClr val="C0C0C0"/>
+                  </a:outerShdw>
+                </a:effectLst>
+                <a:latin typeface="Arial" charset="0"/>
+              </a:rPr>
+              <a:t>INTEGRAÇÃO DE SISTEMAS – TRABALHO PRÁTICO Nº1</a:t>
+            </a:r>
+          </a:p>
+        </p:txBody>
+      </p:sp>
+      <p:sp>
+        <p:nvSpPr>
+          <p:cNvPr id="19" name="Marcador de Posição de Conteúdo 2"/>
+          <p:cNvSpPr txBox="1">
+            <a:spLocks/>
+          </p:cNvSpPr>
+          <p:nvPr/>
+        </p:nvSpPr>
+        <p:spPr>
+          <a:xfrm>
+            <a:off x="457200" y="1156956"/>
+            <a:ext cx="8229600" cy="4937760"/>
+          </a:xfrm>
+          <a:prstGeom prst="rect">
+            <a:avLst/>
+          </a:prstGeom>
+        </p:spPr>
+        <p:txBody>
+          <a:bodyPr vert="horz" lIns="91440" tIns="45720" rIns="91440" bIns="45720" rtlCol="0">
+            <a:normAutofit/>
+          </a:bodyPr>
+          <a:lstStyle/>
+          <a:p>
+            <a:pPr marL="342900" lvl="0" indent="-342900">
+              <a:lnSpc>
+                <a:spcPct val="200000"/>
+              </a:lnSpc>
+              <a:spcBef>
+                <a:spcPct val="20000"/>
+              </a:spcBef>
+              <a:buFont typeface="Arial" panose="020B0604020202020204" pitchFamily="34" charset="0"/>
+              <a:buChar char="•"/>
+            </a:pPr>
+            <a:r>
+              <a:rPr kumimoji="0" lang="pt-PT" sz="2000" b="0" i="0" u="none" strike="noStrike" kern="1200" cap="none" spc="0" normalizeH="0" baseline="0" noProof="0" dirty="0">
+                <a:ln>
+                  <a:noFill/>
+                </a:ln>
+                <a:effectLst/>
+                <a:uLnTx/>
+                <a:uFillTx/>
+                <a:latin typeface="Arial" pitchFamily="34" charset="0"/>
+                <a:cs typeface="Arial" pitchFamily="34" charset="0"/>
+              </a:rPr>
+              <a:t>Para começar, vamos perceber o que é um </a:t>
+            </a:r>
+            <a:r>
+              <a:rPr kumimoji="0" lang="pt-PT" sz="2000" b="1" i="0" u="none" strike="noStrike" kern="1200" cap="none" spc="0" normalizeH="0" baseline="0" noProof="0" dirty="0" err="1">
+                <a:ln>
+                  <a:noFill/>
+                </a:ln>
+                <a:effectLst/>
+                <a:uLnTx/>
+                <a:uFillTx/>
+                <a:latin typeface="Arial" pitchFamily="34" charset="0"/>
+                <a:cs typeface="Arial" pitchFamily="34" charset="0"/>
+              </a:rPr>
+              <a:t>socket</a:t>
+            </a:r>
+            <a:r>
+              <a:rPr lang="pt-PT" sz="2000" dirty="0">
+                <a:latin typeface="Arial" pitchFamily="34" charset="0"/>
+                <a:cs typeface="Arial" pitchFamily="34" charset="0"/>
+              </a:rPr>
+              <a:t>;</a:t>
+            </a:r>
+            <a:endParaRPr kumimoji="0" lang="pt-PT" sz="2000" b="0" i="0" u="none" strike="noStrike" kern="1200" cap="none" spc="0" normalizeH="0" baseline="0" noProof="0" dirty="0">
+              <a:ln>
+                <a:noFill/>
+              </a:ln>
+              <a:effectLst/>
+              <a:uLnTx/>
+              <a:uFillTx/>
+              <a:latin typeface="Arial" pitchFamily="34" charset="0"/>
+              <a:cs typeface="Arial" pitchFamily="34" charset="0"/>
+            </a:endParaRPr>
+          </a:p>
+          <a:p>
+            <a:pPr marL="342900" lvl="0" indent="-342900">
+              <a:lnSpc>
+                <a:spcPct val="200000"/>
+              </a:lnSpc>
+              <a:spcBef>
+                <a:spcPct val="20000"/>
+              </a:spcBef>
+              <a:buFont typeface="Arial" panose="020B0604020202020204" pitchFamily="34" charset="0"/>
+              <a:buChar char="•"/>
+            </a:pPr>
+            <a:r>
+              <a:rPr kumimoji="0" lang="pt-PT" sz="2000" b="0" i="0" u="none" strike="noStrike" kern="1200" cap="none" spc="0" normalizeH="0" baseline="0" noProof="0" dirty="0">
+                <a:ln>
+                  <a:noFill/>
+                </a:ln>
+                <a:effectLst/>
+                <a:uLnTx/>
+                <a:uFillTx/>
+                <a:latin typeface="Arial" pitchFamily="34" charset="0"/>
+                <a:cs typeface="Arial" pitchFamily="34" charset="0"/>
+              </a:rPr>
+              <a:t>Um </a:t>
+            </a:r>
+            <a:r>
+              <a:rPr lang="pt-PT" sz="2000" b="1" dirty="0">
+                <a:latin typeface="Arial" pitchFamily="34" charset="0"/>
+                <a:cs typeface="Arial" pitchFamily="34" charset="0"/>
+              </a:rPr>
+              <a:t>s</a:t>
+            </a:r>
+            <a:r>
+              <a:rPr kumimoji="0" lang="pt-PT" sz="2000" b="1" i="0" u="none" strike="noStrike" kern="1200" cap="none" spc="0" normalizeH="0" baseline="0" noProof="0" dirty="0" err="1">
+                <a:ln>
+                  <a:noFill/>
+                </a:ln>
+                <a:effectLst/>
+                <a:uLnTx/>
+                <a:uFillTx/>
+                <a:latin typeface="Arial" pitchFamily="34" charset="0"/>
+                <a:cs typeface="Arial" pitchFamily="34" charset="0"/>
+              </a:rPr>
+              <a:t>ocket</a:t>
+            </a:r>
+            <a:r>
+              <a:rPr kumimoji="0" lang="pt-PT" sz="2000" b="0" i="0" u="none" strike="noStrike" kern="1200" cap="none" spc="0" normalizeH="0" baseline="0" noProof="0" dirty="0">
+                <a:ln>
+                  <a:noFill/>
+                </a:ln>
+                <a:effectLst/>
+                <a:uLnTx/>
+                <a:uFillTx/>
+                <a:latin typeface="Arial" pitchFamily="34" charset="0"/>
+                <a:cs typeface="Arial" pitchFamily="34" charset="0"/>
+              </a:rPr>
+              <a:t> faz a comunicação entre duas pontas (fonte e destino) - também conhecido como </a:t>
+            </a:r>
+            <a:r>
+              <a:rPr kumimoji="0" lang="pt-PT" sz="2000" b="0" i="0" u="none" strike="noStrike" kern="1200" cap="none" spc="0" normalizeH="0" baseline="0" noProof="0" dirty="0" err="1">
+                <a:ln>
+                  <a:noFill/>
+                </a:ln>
+                <a:effectLst/>
+                <a:uLnTx/>
+                <a:uFillTx/>
+                <a:latin typeface="Arial" pitchFamily="34" charset="0"/>
+                <a:cs typeface="Arial" pitchFamily="34" charset="0"/>
+              </a:rPr>
+              <a:t>two-way</a:t>
+            </a:r>
+            <a:r>
+              <a:rPr kumimoji="0" lang="pt-PT" sz="2000" b="0" i="0" u="none" strike="noStrike" kern="1200" cap="none" spc="0" normalizeH="0" baseline="0" noProof="0" dirty="0">
+                <a:ln>
+                  <a:noFill/>
+                </a:ln>
+                <a:effectLst/>
+                <a:uLnTx/>
+                <a:uFillTx/>
+                <a:latin typeface="Arial" pitchFamily="34" charset="0"/>
+                <a:cs typeface="Arial" pitchFamily="34" charset="0"/>
+              </a:rPr>
+              <a:t> </a:t>
+            </a:r>
+            <a:r>
+              <a:rPr kumimoji="0" lang="pt-PT" sz="2000" b="0" i="0" u="none" strike="noStrike" kern="1200" cap="none" spc="0" normalizeH="0" baseline="0" noProof="0" dirty="0" err="1">
+                <a:ln>
+                  <a:noFill/>
+                </a:ln>
+                <a:effectLst/>
+                <a:uLnTx/>
+                <a:uFillTx/>
+                <a:latin typeface="Arial" pitchFamily="34" charset="0"/>
+                <a:cs typeface="Arial" pitchFamily="34" charset="0"/>
+              </a:rPr>
+              <a:t>communication</a:t>
+            </a:r>
+            <a:r>
+              <a:rPr kumimoji="0" lang="pt-PT" sz="2000" b="0" i="0" u="none" strike="noStrike" kern="1200" cap="none" spc="0" normalizeH="0" baseline="0" noProof="0" dirty="0">
+                <a:ln>
+                  <a:noFill/>
+                </a:ln>
+                <a:effectLst/>
+                <a:uLnTx/>
+                <a:uFillTx/>
+                <a:latin typeface="Arial" pitchFamily="34" charset="0"/>
+                <a:cs typeface="Arial" pitchFamily="34" charset="0"/>
+              </a:rPr>
+              <a:t> - entre dois processos que estejam na mesma máquina.</a:t>
+            </a:r>
+          </a:p>
+          <a:p>
+            <a:pPr marL="457200" marR="0" lvl="1" indent="0" defTabSz="914400" rtl="0" eaLnBrk="1" fontAlgn="auto" latinLnBrk="0" hangingPunct="1">
+              <a:lnSpc>
+                <a:spcPct val="200000"/>
+              </a:lnSpc>
+              <a:spcBef>
+                <a:spcPct val="20000"/>
+              </a:spcBef>
+              <a:spcAft>
+                <a:spcPts val="0"/>
+              </a:spcAft>
+              <a:buClrTx/>
+              <a:buSzTx/>
+              <a:buFont typeface="Arial" pitchFamily="34" charset="0"/>
+              <a:buNone/>
+              <a:tabLst/>
+              <a:defRPr/>
+            </a:pPr>
+            <a:endParaRPr kumimoji="0" lang="pt-PT" sz="2000" b="0" i="0" u="none" strike="noStrike" kern="1200" cap="none" spc="0" normalizeH="0" baseline="0" noProof="0" dirty="0">
+              <a:ln>
+                <a:noFill/>
+              </a:ln>
+              <a:effectLst/>
+              <a:uLnTx/>
+              <a:uFillTx/>
+              <a:latin typeface="Arial" pitchFamily="34" charset="0"/>
+              <a:cs typeface="Arial" pitchFamily="34" charset="0"/>
+            </a:endParaRPr>
+          </a:p>
+          <a:p>
+            <a:pPr marL="457200" marR="0" lvl="1" indent="0" defTabSz="914400" rtl="0" eaLnBrk="1" fontAlgn="auto" latinLnBrk="0" hangingPunct="1">
+              <a:lnSpc>
+                <a:spcPct val="200000"/>
+              </a:lnSpc>
+              <a:spcBef>
+                <a:spcPct val="20000"/>
+              </a:spcBef>
+              <a:spcAft>
+                <a:spcPts val="0"/>
+              </a:spcAft>
+              <a:buClrTx/>
+              <a:buSzTx/>
+              <a:buFont typeface="Arial" pitchFamily="34" charset="0"/>
+              <a:buNone/>
+              <a:tabLst/>
+              <a:defRPr/>
+            </a:pPr>
+            <a:endParaRPr kumimoji="0" lang="pt-PT" sz="2000" b="0" i="0" u="none" strike="noStrike" kern="1200" cap="none" spc="0" normalizeH="0" baseline="0" noProof="0" dirty="0">
+              <a:ln>
+                <a:noFill/>
+              </a:ln>
+              <a:effectLst/>
+              <a:uLnTx/>
+              <a:uFillTx/>
+              <a:latin typeface="Arial" pitchFamily="34" charset="0"/>
+              <a:cs typeface="Arial" pitchFamily="34" charset="0"/>
+            </a:endParaRPr>
+          </a:p>
+          <a:p>
+            <a:pPr marL="0" marR="0" lvl="0" indent="0" defTabSz="914400" rtl="0" eaLnBrk="1" fontAlgn="auto" latinLnBrk="0" hangingPunct="1">
+              <a:lnSpc>
+                <a:spcPct val="200000"/>
+              </a:lnSpc>
+              <a:spcBef>
+                <a:spcPct val="20000"/>
+              </a:spcBef>
+              <a:spcAft>
+                <a:spcPts val="0"/>
+              </a:spcAft>
+              <a:buClrTx/>
+              <a:buSzTx/>
+              <a:buFont typeface="Arial" pitchFamily="34" charset="0"/>
+              <a:buNone/>
+              <a:tabLst/>
+              <a:defRPr/>
+            </a:pPr>
+            <a:endParaRPr kumimoji="0" lang="pt-PT" sz="2000" b="0" i="0" u="none" strike="noStrike" kern="1200" cap="none" spc="0" normalizeH="0" baseline="0" noProof="0" dirty="0">
+              <a:ln>
+                <a:noFill/>
+              </a:ln>
+              <a:effectLst/>
+              <a:uLnTx/>
+              <a:uFillTx/>
+              <a:latin typeface="Arial" pitchFamily="34" charset="0"/>
+              <a:cs typeface="Arial" pitchFamily="34" charset="0"/>
+            </a:endParaRPr>
+          </a:p>
+          <a:p>
+            <a:pPr marL="0" marR="0" lvl="0" indent="0" defTabSz="914400" rtl="0" eaLnBrk="1" fontAlgn="auto" latinLnBrk="0" hangingPunct="1">
+              <a:lnSpc>
+                <a:spcPct val="200000"/>
+              </a:lnSpc>
+              <a:spcBef>
+                <a:spcPct val="20000"/>
+              </a:spcBef>
+              <a:spcAft>
+                <a:spcPts val="0"/>
+              </a:spcAft>
+              <a:buClrTx/>
+              <a:buSzTx/>
+              <a:buFont typeface="Arial" pitchFamily="34" charset="0"/>
+              <a:buNone/>
+              <a:tabLst/>
+              <a:defRPr/>
+            </a:pPr>
+            <a:endParaRPr kumimoji="0" lang="pt-PT" sz="2000" b="0" i="0" u="none" strike="noStrike" kern="1200" cap="none" spc="0" normalizeH="0" baseline="0" noProof="0" dirty="0">
+              <a:ln>
+                <a:noFill/>
+              </a:ln>
+              <a:effectLst/>
+              <a:uLnTx/>
+              <a:uFillTx/>
+              <a:latin typeface="Arial" pitchFamily="34" charset="0"/>
+              <a:cs typeface="Arial" pitchFamily="34" charset="0"/>
+            </a:endParaRPr>
+          </a:p>
+          <a:p>
+            <a:pPr marL="0" marR="0" lvl="0" indent="0" defTabSz="914400" rtl="0" eaLnBrk="1" fontAlgn="auto" latinLnBrk="0" hangingPunct="1">
+              <a:lnSpc>
+                <a:spcPct val="200000"/>
+              </a:lnSpc>
+              <a:spcBef>
+                <a:spcPct val="20000"/>
+              </a:spcBef>
+              <a:spcAft>
+                <a:spcPts val="0"/>
+              </a:spcAft>
+              <a:buClrTx/>
+              <a:buSzTx/>
+              <a:buFont typeface="Arial" pitchFamily="34" charset="0"/>
+              <a:buNone/>
+              <a:tabLst/>
+              <a:defRPr/>
+            </a:pPr>
+            <a:endParaRPr kumimoji="0" lang="pt-PT" sz="2000" b="0" i="0" u="none" strike="noStrike" kern="1200" cap="none" spc="0" normalizeH="0" baseline="0" noProof="0" dirty="0">
+              <a:ln>
+                <a:noFill/>
+              </a:ln>
+              <a:effectLst/>
+              <a:uLnTx/>
+              <a:uFillTx/>
+              <a:latin typeface="Arial" pitchFamily="34" charset="0"/>
+              <a:cs typeface="Arial" pitchFamily="34" charset="0"/>
+            </a:endParaRPr>
+          </a:p>
+        </p:txBody>
+      </p:sp>
+      <p:pic>
+        <p:nvPicPr>
+          <p:cNvPr id="7" name="Imagem 6">
+            <a:extLst>
+              <a:ext uri="{FF2B5EF4-FFF2-40B4-BE49-F238E27FC236}">
+                <a16:creationId xmlns:a16="http://schemas.microsoft.com/office/drawing/2014/main" id="{54D42837-E70D-4C64-A8A7-E7F751502B92}"/>
+              </a:ext>
+            </a:extLst>
+          </p:cNvPr>
+          <p:cNvPicPr>
+            <a:picLocks noChangeAspect="1"/>
+          </p:cNvPicPr>
+          <p:nvPr/>
+        </p:nvPicPr>
+        <p:blipFill>
+          <a:blip r:embed="rId3"/>
+          <a:stretch>
+            <a:fillRect/>
+          </a:stretch>
+        </p:blipFill>
+        <p:spPr>
+          <a:xfrm>
+            <a:off x="101225" y="904241"/>
+            <a:ext cx="9014192" cy="266482"/>
+          </a:xfrm>
+          <a:prstGeom prst="rect">
+            <a:avLst/>
+          </a:prstGeom>
+        </p:spPr>
+      </p:pic>
+      <p:pic>
+        <p:nvPicPr>
+          <p:cNvPr id="9" name="Imagem 8">
+            <a:extLst>
+              <a:ext uri="{FF2B5EF4-FFF2-40B4-BE49-F238E27FC236}">
+                <a16:creationId xmlns:a16="http://schemas.microsoft.com/office/drawing/2014/main" id="{81982921-1900-46B5-BE82-07BECCD63918}"/>
+              </a:ext>
+            </a:extLst>
+          </p:cNvPr>
+          <p:cNvPicPr>
+            <a:picLocks noChangeAspect="1"/>
+          </p:cNvPicPr>
+          <p:nvPr/>
+        </p:nvPicPr>
+        <p:blipFill>
+          <a:blip r:embed="rId4"/>
+          <a:stretch>
+            <a:fillRect/>
+          </a:stretch>
+        </p:blipFill>
+        <p:spPr>
+          <a:xfrm>
+            <a:off x="0" y="6320212"/>
+            <a:ext cx="9144000" cy="253252"/>
+          </a:xfrm>
+          <a:prstGeom prst="rect">
+            <a:avLst/>
+          </a:prstGeom>
+        </p:spPr>
+      </p:pic>
+      <p:pic>
+        <p:nvPicPr>
+          <p:cNvPr id="13" name="Imagem 12">
+            <a:extLst>
+              <a:ext uri="{FF2B5EF4-FFF2-40B4-BE49-F238E27FC236}">
+                <a16:creationId xmlns:a16="http://schemas.microsoft.com/office/drawing/2014/main" id="{BE263CB9-5E3B-4385-9450-974CDF0F6C7D}"/>
+              </a:ext>
+            </a:extLst>
+          </p:cNvPr>
+          <p:cNvPicPr>
+            <a:picLocks noChangeAspect="1"/>
+          </p:cNvPicPr>
+          <p:nvPr/>
+        </p:nvPicPr>
+        <p:blipFill>
+          <a:blip r:embed="rId5" cstate="print">
+            <a:extLst>
+              <a:ext uri="{28A0092B-C50C-407E-A947-70E740481C1C}">
+                <a14:useLocalDpi xmlns:a14="http://schemas.microsoft.com/office/drawing/2010/main" val="0"/>
+              </a:ext>
+            </a:extLst>
+          </a:blip>
+          <a:stretch>
+            <a:fillRect/>
+          </a:stretch>
+        </p:blipFill>
+        <p:spPr>
+          <a:xfrm>
+            <a:off x="238125" y="6488336"/>
+            <a:ext cx="545959" cy="199802"/>
+          </a:xfrm>
+          <a:prstGeom prst="rect">
+            <a:avLst/>
+          </a:prstGeom>
+        </p:spPr>
+      </p:pic>
+      <p:sp>
+        <p:nvSpPr>
+          <p:cNvPr id="3" name="Rectângulo 19">
+            <a:extLst>
+              <a:ext uri="{FF2B5EF4-FFF2-40B4-BE49-F238E27FC236}">
+                <a16:creationId xmlns:a16="http://schemas.microsoft.com/office/drawing/2014/main" id="{850208AF-C5A5-C009-177D-8C27BB5DCC8B}"/>
+              </a:ext>
+            </a:extLst>
+          </p:cNvPr>
+          <p:cNvSpPr/>
+          <p:nvPr/>
+        </p:nvSpPr>
+        <p:spPr>
+          <a:xfrm>
+            <a:off x="5535613" y="553019"/>
+            <a:ext cx="3505200" cy="261610"/>
+          </a:xfrm>
+          <a:prstGeom prst="rect">
+            <a:avLst/>
+          </a:prstGeom>
+        </p:spPr>
+        <p:txBody>
+          <a:bodyPr wrap="square">
+            <a:spAutoFit/>
+          </a:bodyPr>
+          <a:lstStyle/>
+          <a:p>
+            <a:pPr algn="r"/>
+            <a:r>
+              <a:rPr lang="pt-PT" sz="1100" b="1" cap="all" dirty="0" err="1">
+                <a:highlight>
+                  <a:srgbClr val="FFFF00"/>
+                </a:highlight>
+              </a:rPr>
+              <a:t>Degree</a:t>
+            </a:r>
+            <a:r>
+              <a:rPr lang="pt-PT" sz="1100" b="1" cap="all" dirty="0">
+                <a:highlight>
+                  <a:srgbClr val="FFFF00"/>
+                </a:highlight>
+              </a:rPr>
+              <a:t> IN </a:t>
+            </a:r>
+            <a:r>
+              <a:rPr lang="pt-PT" sz="1100" b="1" cap="all" dirty="0" err="1">
+                <a:highlight>
+                  <a:srgbClr val="FFFF00"/>
+                </a:highlight>
+              </a:rPr>
+              <a:t>Informatics</a:t>
+            </a:r>
+            <a:r>
+              <a:rPr lang="pt-PT" sz="1100" b="1" cap="all" dirty="0">
+                <a:highlight>
+                  <a:srgbClr val="FFFF00"/>
+                </a:highlight>
+              </a:rPr>
+              <a:t> </a:t>
+            </a:r>
+            <a:r>
+              <a:rPr lang="pt-PT" sz="1100" b="1" cap="all" dirty="0" err="1">
+                <a:highlight>
+                  <a:srgbClr val="FFFF00"/>
+                </a:highlight>
+              </a:rPr>
+              <a:t>engineering</a:t>
+            </a:r>
+            <a:endParaRPr lang="pt-PT" sz="1100" dirty="0">
+              <a:highlight>
+                <a:srgbClr val="FFFF00"/>
+              </a:highlight>
+            </a:endParaRPr>
+          </a:p>
+        </p:txBody>
+      </p:sp>
+      <p:pic>
+        <p:nvPicPr>
+          <p:cNvPr id="5" name="Imagem 4">
+            <a:extLst>
+              <a:ext uri="{FF2B5EF4-FFF2-40B4-BE49-F238E27FC236}">
+                <a16:creationId xmlns:a16="http://schemas.microsoft.com/office/drawing/2014/main" id="{4B69841B-4743-42E9-837A-73B87FC5C8CF}"/>
+              </a:ext>
+            </a:extLst>
+          </p:cNvPr>
+          <p:cNvPicPr>
+            <a:picLocks noChangeAspect="1"/>
+          </p:cNvPicPr>
+          <p:nvPr/>
+        </p:nvPicPr>
+        <p:blipFill>
+          <a:blip r:embed="rId6" cstate="print">
+            <a:extLst>
+              <a:ext uri="{28A0092B-C50C-407E-A947-70E740481C1C}">
+                <a14:useLocalDpi xmlns:a14="http://schemas.microsoft.com/office/drawing/2010/main" val="0"/>
+              </a:ext>
+            </a:extLst>
+          </a:blip>
+          <a:stretch>
+            <a:fillRect/>
+          </a:stretch>
+        </p:blipFill>
+        <p:spPr>
+          <a:xfrm>
+            <a:off x="6575316" y="9186"/>
+            <a:ext cx="2575034" cy="639880"/>
+          </a:xfrm>
+          <a:prstGeom prst="rect">
+            <a:avLst/>
+          </a:prstGeom>
+        </p:spPr>
+      </p:pic>
+      <p:sp>
+        <p:nvSpPr>
+          <p:cNvPr id="2" name="Subtítulo 2">
+            <a:extLst>
+              <a:ext uri="{FF2B5EF4-FFF2-40B4-BE49-F238E27FC236}">
+                <a16:creationId xmlns:a16="http://schemas.microsoft.com/office/drawing/2014/main" id="{50369DE4-0D6E-7A10-AF37-333F300DD770}"/>
+              </a:ext>
+            </a:extLst>
+          </p:cNvPr>
+          <p:cNvSpPr txBox="1">
+            <a:spLocks/>
+          </p:cNvSpPr>
+          <p:nvPr/>
+        </p:nvSpPr>
+        <p:spPr>
+          <a:xfrm>
+            <a:off x="836017" y="6524516"/>
+            <a:ext cx="7698382" cy="162409"/>
+          </a:xfrm>
+          <a:prstGeom prst="rect">
+            <a:avLst/>
+          </a:prstGeom>
+        </p:spPr>
+        <p:txBody>
+          <a:bodyPr vert="horz" lIns="68580" tIns="34290" rIns="68580" bIns="34290" rtlCol="0">
+            <a:normAutofit fontScale="92500" lnSpcReduction="20000"/>
+          </a:bodyPr>
+          <a:lstStyle>
+            <a:lvl1pPr marL="0" indent="0" algn="ctr" defTabSz="914400" rtl="0" eaLnBrk="1" latinLnBrk="0" hangingPunct="1">
+              <a:lnSpc>
+                <a:spcPct val="90000"/>
+              </a:lnSpc>
+              <a:spcBef>
+                <a:spcPts val="1000"/>
+              </a:spcBef>
+              <a:buFont typeface="Arial" panose="020B0604020202020204" pitchFamily="34" charset="0"/>
+              <a:buNone/>
+              <a:defRPr sz="2400" kern="1200">
+                <a:solidFill>
+                  <a:schemeClr val="tx1"/>
+                </a:solidFill>
+                <a:latin typeface="+mn-lt"/>
+                <a:ea typeface="+mn-ea"/>
+                <a:cs typeface="+mn-cs"/>
+              </a:defRPr>
+            </a:lvl1pPr>
+            <a:lvl2pPr marL="457200" indent="0" algn="ctr" defTabSz="914400" rtl="0" eaLnBrk="1" latinLnBrk="0" hangingPunct="1">
+              <a:lnSpc>
+                <a:spcPct val="90000"/>
+              </a:lnSpc>
+              <a:spcBef>
+                <a:spcPts val="500"/>
+              </a:spcBef>
+              <a:buFont typeface="Arial" panose="020B0604020202020204" pitchFamily="34" charset="0"/>
+              <a:buNone/>
+              <a:defRPr sz="2000" kern="1200">
+                <a:solidFill>
+                  <a:schemeClr val="tx1"/>
+                </a:solidFill>
+                <a:latin typeface="+mn-lt"/>
+                <a:ea typeface="+mn-ea"/>
+                <a:cs typeface="+mn-cs"/>
+              </a:defRPr>
+            </a:lvl2pPr>
+            <a:lvl3pPr marL="914400" indent="0" algn="ctr" defTabSz="914400" rtl="0" eaLnBrk="1" latinLnBrk="0" hangingPunct="1">
+              <a:lnSpc>
+                <a:spcPct val="90000"/>
+              </a:lnSpc>
+              <a:spcBef>
+                <a:spcPts val="500"/>
+              </a:spcBef>
+              <a:buFont typeface="Arial" panose="020B0604020202020204" pitchFamily="34" charset="0"/>
+              <a:buNone/>
+              <a:defRPr sz="1800" kern="1200">
+                <a:solidFill>
+                  <a:schemeClr val="tx1"/>
+                </a:solidFill>
+                <a:latin typeface="+mn-lt"/>
+                <a:ea typeface="+mn-ea"/>
+                <a:cs typeface="+mn-cs"/>
+              </a:defRPr>
+            </a:lvl3pPr>
+            <a:lvl4pPr marL="1371600" indent="0" algn="ctr" defTabSz="914400" rtl="0" eaLnBrk="1" latinLnBrk="0" hangingPunct="1">
+              <a:lnSpc>
+                <a:spcPct val="90000"/>
+              </a:lnSpc>
+              <a:spcBef>
+                <a:spcPts val="500"/>
+              </a:spcBef>
+              <a:buFont typeface="Arial" panose="020B0604020202020204" pitchFamily="34" charset="0"/>
+              <a:buNone/>
+              <a:defRPr sz="1600" kern="1200">
+                <a:solidFill>
+                  <a:schemeClr val="tx1"/>
+                </a:solidFill>
+                <a:latin typeface="+mn-lt"/>
+                <a:ea typeface="+mn-ea"/>
+                <a:cs typeface="+mn-cs"/>
+              </a:defRPr>
+            </a:lvl4pPr>
+            <a:lvl5pPr marL="1828800" indent="0" algn="ctr" defTabSz="914400" rtl="0" eaLnBrk="1" latinLnBrk="0" hangingPunct="1">
+              <a:lnSpc>
+                <a:spcPct val="90000"/>
+              </a:lnSpc>
+              <a:spcBef>
+                <a:spcPts val="500"/>
+              </a:spcBef>
+              <a:buFont typeface="Arial" panose="020B0604020202020204" pitchFamily="34" charset="0"/>
+              <a:buNone/>
+              <a:defRPr sz="1600" kern="1200">
+                <a:solidFill>
+                  <a:schemeClr val="tx1"/>
+                </a:solidFill>
+                <a:latin typeface="+mn-lt"/>
+                <a:ea typeface="+mn-ea"/>
+                <a:cs typeface="+mn-cs"/>
+              </a:defRPr>
+            </a:lvl5pPr>
+            <a:lvl6pPr marL="2286000" indent="0" algn="ctr" defTabSz="914400" rtl="0" eaLnBrk="1" latinLnBrk="0" hangingPunct="1">
+              <a:lnSpc>
+                <a:spcPct val="90000"/>
+              </a:lnSpc>
+              <a:spcBef>
+                <a:spcPts val="500"/>
+              </a:spcBef>
+              <a:buFont typeface="Arial" panose="020B0604020202020204" pitchFamily="34" charset="0"/>
+              <a:buNone/>
+              <a:defRPr sz="1600" kern="1200">
+                <a:solidFill>
+                  <a:schemeClr val="tx1"/>
+                </a:solidFill>
+                <a:latin typeface="+mn-lt"/>
+                <a:ea typeface="+mn-ea"/>
+                <a:cs typeface="+mn-cs"/>
+              </a:defRPr>
+            </a:lvl6pPr>
+            <a:lvl7pPr marL="2743200" indent="0" algn="ctr" defTabSz="914400" rtl="0" eaLnBrk="1" latinLnBrk="0" hangingPunct="1">
+              <a:lnSpc>
+                <a:spcPct val="90000"/>
+              </a:lnSpc>
+              <a:spcBef>
+                <a:spcPts val="500"/>
+              </a:spcBef>
+              <a:buFont typeface="Arial" panose="020B0604020202020204" pitchFamily="34" charset="0"/>
+              <a:buNone/>
+              <a:defRPr sz="1600" kern="1200">
+                <a:solidFill>
+                  <a:schemeClr val="tx1"/>
+                </a:solidFill>
+                <a:latin typeface="+mn-lt"/>
+                <a:ea typeface="+mn-ea"/>
+                <a:cs typeface="+mn-cs"/>
+              </a:defRPr>
+            </a:lvl7pPr>
+            <a:lvl8pPr marL="3200400" indent="0" algn="ctr" defTabSz="914400" rtl="0" eaLnBrk="1" latinLnBrk="0" hangingPunct="1">
+              <a:lnSpc>
+                <a:spcPct val="90000"/>
+              </a:lnSpc>
+              <a:spcBef>
+                <a:spcPts val="500"/>
+              </a:spcBef>
+              <a:buFont typeface="Arial" panose="020B0604020202020204" pitchFamily="34" charset="0"/>
+              <a:buNone/>
+              <a:defRPr sz="1600" kern="1200">
+                <a:solidFill>
+                  <a:schemeClr val="tx1"/>
+                </a:solidFill>
+                <a:latin typeface="+mn-lt"/>
+                <a:ea typeface="+mn-ea"/>
+                <a:cs typeface="+mn-cs"/>
+              </a:defRPr>
+            </a:lvl8pPr>
+            <a:lvl9pPr marL="3657600" indent="0" algn="ctr" defTabSz="914400" rtl="0" eaLnBrk="1" latinLnBrk="0" hangingPunct="1">
+              <a:lnSpc>
+                <a:spcPct val="90000"/>
+              </a:lnSpc>
+              <a:spcBef>
+                <a:spcPts val="500"/>
+              </a:spcBef>
+              <a:buFont typeface="Arial" panose="020B0604020202020204" pitchFamily="34" charset="0"/>
+              <a:buNone/>
+              <a:defRPr sz="1600" kern="1200">
+                <a:solidFill>
+                  <a:schemeClr val="tx1"/>
+                </a:solidFill>
+                <a:latin typeface="+mn-lt"/>
+                <a:ea typeface="+mn-ea"/>
+                <a:cs typeface="+mn-cs"/>
+              </a:defRPr>
+            </a:lvl9pPr>
+          </a:lstStyle>
+          <a:p>
+            <a:pPr algn="l"/>
+            <a:r>
+              <a:rPr lang="pt-PT" sz="900" dirty="0">
+                <a:latin typeface="Arial" charset="0"/>
+                <a:ea typeface="Arial" charset="0"/>
+                <a:cs typeface="Arial" charset="0"/>
+              </a:rPr>
+              <a:t>@Rafael André | </a:t>
+            </a:r>
+            <a:r>
+              <a:rPr lang="pt-PT" sz="900" b="1" dirty="0">
+                <a:solidFill>
+                  <a:srgbClr val="C00000"/>
+                </a:solidFill>
+                <a:latin typeface="Arial" charset="0"/>
+                <a:ea typeface="Arial" charset="0"/>
+                <a:cs typeface="Arial" charset="0"/>
+              </a:rPr>
+              <a:t>Unidade Curricular: INTEGRAÇÃO DE SISTEMAS </a:t>
+            </a:r>
+            <a:r>
+              <a:rPr lang="pt-PT" sz="900" dirty="0">
+                <a:latin typeface="Arial" charset="0"/>
+                <a:ea typeface="Arial" charset="0"/>
+                <a:cs typeface="Arial" charset="0"/>
+              </a:rPr>
+              <a:t>– Ano Letivo 2023/2024 – </a:t>
+            </a:r>
+            <a:r>
+              <a:rPr lang="pt-PT" sz="900" b="1" dirty="0">
+                <a:latin typeface="Arial" charset="0"/>
+                <a:ea typeface="Arial" charset="0"/>
+                <a:cs typeface="Arial" charset="0"/>
+              </a:rPr>
+              <a:t>Trabalho Prático 1</a:t>
+            </a:r>
+          </a:p>
+        </p:txBody>
+      </p:sp>
+      <p:pic>
+        <p:nvPicPr>
+          <p:cNvPr id="1028" name="Picture 4" descr="Uma introdução a TCP, UDP e Sockets | Blog TreinaWeb">
+            <a:extLst>
+              <a:ext uri="{FF2B5EF4-FFF2-40B4-BE49-F238E27FC236}">
+                <a16:creationId xmlns:a16="http://schemas.microsoft.com/office/drawing/2014/main" id="{2F9B10A2-EBAB-765C-7D83-E27B10DF6A0F}"/>
+              </a:ext>
+            </a:extLst>
+          </p:cNvPr>
+          <p:cNvPicPr>
+            <a:picLocks noChangeAspect="1" noChangeArrowheads="1"/>
+          </p:cNvPicPr>
+          <p:nvPr/>
+        </p:nvPicPr>
+        <p:blipFill>
+          <a:blip r:embed="rId7">
+            <a:extLst>
+              <a:ext uri="{28A0092B-C50C-407E-A947-70E740481C1C}">
+                <a14:useLocalDpi xmlns:a14="http://schemas.microsoft.com/office/drawing/2010/main" val="0"/>
+              </a:ext>
+            </a:extLst>
+          </a:blip>
+          <a:srcRect/>
+          <a:stretch>
+            <a:fillRect/>
+          </a:stretch>
+        </p:blipFill>
+        <p:spPr bwMode="auto">
+          <a:xfrm>
+            <a:off x="1882490" y="3787552"/>
+            <a:ext cx="5379020" cy="2144871"/>
+          </a:xfrm>
+          <a:prstGeom prst="rect">
+            <a:avLst/>
+          </a:prstGeom>
+          <a:noFill/>
+          <a:extLst>
+            <a:ext uri="{909E8E84-426E-40DD-AFC4-6F175D3DCCD1}">
+              <a14:hiddenFill xmlns:a14="http://schemas.microsoft.com/office/drawing/2010/main">
+                <a:solidFill>
+                  <a:srgbClr val="FFFFFF"/>
+                </a:solidFill>
+              </a14:hiddenFill>
+            </a:ext>
+          </a:extLst>
+        </p:spPr>
+      </p:pic>
+    </p:spTree>
+    <p:extLst>
+      <p:ext uri="{BB962C8B-B14F-4D97-AF65-F5344CB8AC3E}">
+        <p14:creationId xmlns:p14="http://schemas.microsoft.com/office/powerpoint/2010/main" val="3219219317"/>
+      </p:ext>
+    </p:extLst>
+  </p:cSld>
+  <p:clrMapOvr>
+    <a:masterClrMapping/>
+  </p:clrMapOvr>
+</p:sld>
+</file>
+
+<file path=ppt/slides/slide4.xml><?xml version="1.0" encoding="utf-8"?>
+<p:sld xmlns:a="http://schemas.openxmlformats.org/drawingml/2006/main" xmlns:r="http://schemas.openxmlformats.org/officeDocument/2006/relationships" xmlns:p="http://schemas.openxmlformats.org/presentationml/2006/main">
+  <p:cSld>
+    <p:spTree>
+      <p:nvGrpSpPr>
+        <p:cNvPr id="1" name=""/>
+        <p:cNvGrpSpPr/>
+        <p:nvPr/>
+      </p:nvGrpSpPr>
+      <p:grpSpPr>
+        <a:xfrm>
+          <a:off x="0" y="0"/>
+          <a:ext cx="0" cy="0"/>
+          <a:chOff x="0" y="0"/>
+          <a:chExt cx="0" cy="0"/>
+        </a:xfrm>
+      </p:grpSpPr>
+      <p:sp>
+        <p:nvSpPr>
+          <p:cNvPr id="10243" name="Text Box 10"/>
+          <p:cNvSpPr txBox="1">
+            <a:spLocks noChangeArrowheads="1"/>
+          </p:cNvSpPr>
+          <p:nvPr/>
+        </p:nvSpPr>
+        <p:spPr bwMode="auto">
+          <a:xfrm>
+            <a:off x="8288338" y="6296025"/>
+            <a:ext cx="827087" cy="366713"/>
+          </a:xfrm>
+          <a:prstGeom prst="rect">
+            <a:avLst/>
+          </a:prstGeom>
+          <a:noFill/>
+          <a:ln w="9525">
+            <a:noFill/>
+            <a:miter lim="800000"/>
+            <a:headEnd/>
+            <a:tailEnd/>
+          </a:ln>
+        </p:spPr>
+        <p:txBody>
+          <a:bodyPr>
+            <a:spAutoFit/>
+          </a:bodyPr>
+          <a:lstStyle/>
+          <a:p>
+            <a:pPr>
+              <a:spcBef>
+                <a:spcPct val="50000"/>
+              </a:spcBef>
+            </a:pPr>
+            <a:endParaRPr lang="pt-PT"/>
+          </a:p>
+        </p:txBody>
+      </p:sp>
+      <p:sp>
+        <p:nvSpPr>
+          <p:cNvPr id="10244" name="Rectangle 11"/>
+          <p:cNvSpPr>
+            <a:spLocks noChangeArrowheads="1"/>
+          </p:cNvSpPr>
+          <p:nvPr/>
+        </p:nvSpPr>
+        <p:spPr bwMode="auto">
+          <a:xfrm>
+            <a:off x="8327571" y="6496091"/>
+            <a:ext cx="936625" cy="260350"/>
+          </a:xfrm>
+          <a:prstGeom prst="rect">
+            <a:avLst/>
+          </a:prstGeom>
+          <a:noFill/>
+          <a:ln w="9525">
+            <a:noFill/>
+            <a:miter lim="800000"/>
+            <a:headEnd/>
+            <a:tailEnd/>
+          </a:ln>
+        </p:spPr>
+        <p:txBody>
+          <a:bodyPr anchor="ctr"/>
+          <a:lstStyle/>
+          <a:p>
+            <a:pPr algn="ctr"/>
+            <a:r>
+              <a:rPr lang="pt-PT" sz="1000" dirty="0"/>
+              <a:t>- </a:t>
+            </a:r>
+            <a:fld id="{1234D2FF-8FB9-47A1-B8C9-42A5F500BA2F}" type="slidenum">
+              <a:rPr lang="pt-PT" sz="1000"/>
+              <a:pPr algn="ctr"/>
+              <a:t>4</a:t>
+            </a:fld>
+            <a:r>
+              <a:rPr lang="pt-PT" sz="1000" dirty="0"/>
+              <a:t> -</a:t>
+            </a:r>
+          </a:p>
+        </p:txBody>
+      </p:sp>
+      <p:sp>
+        <p:nvSpPr>
+          <p:cNvPr id="9229" name="Text Box 13"/>
+          <p:cNvSpPr txBox="1">
+            <a:spLocks noChangeArrowheads="1"/>
+          </p:cNvSpPr>
+          <p:nvPr/>
+        </p:nvSpPr>
+        <p:spPr bwMode="auto">
+          <a:xfrm>
+            <a:off x="250825" y="546149"/>
+            <a:ext cx="6981825" cy="400050"/>
+          </a:xfrm>
+          <a:prstGeom prst="rect">
+            <a:avLst/>
+          </a:prstGeom>
+          <a:noFill/>
+          <a:ln w="9525">
+            <a:noFill/>
+            <a:miter lim="800000"/>
+            <a:headEnd/>
+            <a:tailEnd/>
+          </a:ln>
+          <a:effectLst/>
+        </p:spPr>
+        <p:txBody>
+          <a:bodyPr>
+            <a:spAutoFit/>
+          </a:bodyPr>
+          <a:lstStyle/>
+          <a:p>
+            <a:pPr>
+              <a:spcBef>
+                <a:spcPct val="50000"/>
+              </a:spcBef>
+              <a:defRPr/>
+            </a:pPr>
+            <a:r>
+              <a:rPr lang="pt-PT" sz="2000" b="1" dirty="0">
+                <a:solidFill>
+                  <a:srgbClr val="C00000"/>
+                </a:solidFill>
+                <a:effectLst>
+                  <a:outerShdw blurRad="38100" dist="38100" dir="2700000" algn="tl">
+                    <a:srgbClr val="C0C0C0"/>
+                  </a:outerShdw>
+                </a:effectLst>
+                <a:latin typeface="Arial"/>
+                <a:cs typeface="Arial"/>
+              </a:rPr>
+              <a:t>■</a:t>
+            </a:r>
+            <a:r>
+              <a:rPr lang="pt-PT" sz="2000" b="1" dirty="0">
+                <a:effectLst>
+                  <a:outerShdw blurRad="38100" dist="38100" dir="2700000" algn="tl">
+                    <a:srgbClr val="C0C0C0"/>
+                  </a:outerShdw>
+                </a:effectLst>
+                <a:latin typeface="Arial"/>
+                <a:cs typeface="Arial"/>
+              </a:rPr>
+              <a:t> Desenvolvimento</a:t>
+            </a:r>
+            <a:endParaRPr lang="pt-PT" sz="2000" b="1" dirty="0">
+              <a:effectLst>
+                <a:outerShdw blurRad="38100" dist="38100" dir="2700000" algn="tl">
+                  <a:srgbClr val="C0C0C0"/>
+                </a:outerShdw>
+              </a:effectLst>
+              <a:latin typeface="Arial" charset="0"/>
+            </a:endParaRPr>
+          </a:p>
+        </p:txBody>
+      </p:sp>
+      <p:sp>
+        <p:nvSpPr>
+          <p:cNvPr id="10247" name="Line 15"/>
+          <p:cNvSpPr>
+            <a:spLocks noChangeShapeType="1"/>
+          </p:cNvSpPr>
+          <p:nvPr/>
+        </p:nvSpPr>
+        <p:spPr bwMode="auto">
+          <a:xfrm>
+            <a:off x="250825" y="0"/>
+            <a:ext cx="0" cy="765175"/>
+          </a:xfrm>
+          <a:prstGeom prst="line">
+            <a:avLst/>
+          </a:prstGeom>
+          <a:noFill/>
+          <a:ln w="25400">
+            <a:solidFill>
+              <a:schemeClr val="tx1"/>
+            </a:solidFill>
+            <a:round/>
+            <a:headEnd/>
+            <a:tailEnd/>
+          </a:ln>
+        </p:spPr>
+        <p:txBody>
+          <a:bodyPr/>
+          <a:lstStyle/>
+          <a:p>
+            <a:endParaRPr lang="pt-PT"/>
+          </a:p>
+        </p:txBody>
+      </p:sp>
+      <p:sp>
+        <p:nvSpPr>
+          <p:cNvPr id="9237" name="Text Box 21"/>
+          <p:cNvSpPr txBox="1">
+            <a:spLocks noChangeArrowheads="1"/>
+          </p:cNvSpPr>
+          <p:nvPr/>
+        </p:nvSpPr>
+        <p:spPr bwMode="auto">
+          <a:xfrm>
+            <a:off x="381001" y="44450"/>
+            <a:ext cx="6138752" cy="276999"/>
+          </a:xfrm>
+          <a:prstGeom prst="rect">
+            <a:avLst/>
+          </a:prstGeom>
+          <a:noFill/>
+          <a:ln w="9525">
+            <a:noFill/>
+            <a:miter lim="800000"/>
+            <a:headEnd/>
+            <a:tailEnd/>
+          </a:ln>
+          <a:effectLst/>
+        </p:spPr>
+        <p:txBody>
+          <a:bodyPr wrap="square">
+            <a:spAutoFit/>
+          </a:bodyPr>
+          <a:lstStyle/>
+          <a:p>
+            <a:pPr>
+              <a:spcBef>
+                <a:spcPct val="50000"/>
+              </a:spcBef>
+              <a:defRPr/>
+            </a:pPr>
+            <a:r>
+              <a:rPr lang="pt-PT" sz="1200" b="1" dirty="0">
+                <a:solidFill>
+                  <a:srgbClr val="FF3300"/>
+                </a:solidFill>
+                <a:effectLst>
+                  <a:outerShdw blurRad="38100" dist="38100" dir="2700000" algn="tl">
+                    <a:srgbClr val="C0C0C0"/>
+                  </a:outerShdw>
+                </a:effectLst>
+                <a:latin typeface="Arial" charset="0"/>
+              </a:rPr>
+              <a:t>INTEGRAÇÃO DE SISTEMAS – TRABALHO PRÁTICO Nº1</a:t>
+            </a:r>
+          </a:p>
+        </p:txBody>
+      </p:sp>
+      <p:sp>
+        <p:nvSpPr>
+          <p:cNvPr id="19" name="Marcador de Posição de Conteúdo 2"/>
+          <p:cNvSpPr txBox="1">
+            <a:spLocks/>
+          </p:cNvSpPr>
+          <p:nvPr/>
+        </p:nvSpPr>
+        <p:spPr>
+          <a:xfrm>
+            <a:off x="457200" y="1156956"/>
+            <a:ext cx="8229600" cy="4937760"/>
+          </a:xfrm>
+          <a:prstGeom prst="rect">
+            <a:avLst/>
+          </a:prstGeom>
+        </p:spPr>
+        <p:txBody>
+          <a:bodyPr vert="horz" lIns="91440" tIns="45720" rIns="91440" bIns="45720" rtlCol="0">
+            <a:normAutofit/>
+          </a:bodyPr>
+          <a:lstStyle/>
+          <a:p>
+            <a:pPr marL="342900" lvl="0" indent="-342900">
+              <a:lnSpc>
+                <a:spcPct val="200000"/>
+              </a:lnSpc>
+              <a:spcBef>
+                <a:spcPct val="20000"/>
+              </a:spcBef>
+              <a:buFont typeface="Arial" panose="020B0604020202020204" pitchFamily="34" charset="0"/>
+              <a:buChar char="•"/>
+            </a:pPr>
+            <a:r>
+              <a:rPr kumimoji="0" lang="pt-PT" sz="2000" b="0" i="0" u="none" strike="noStrike" kern="1200" cap="none" spc="0" normalizeH="0" baseline="0" noProof="0" dirty="0">
+                <a:ln>
+                  <a:noFill/>
+                </a:ln>
+                <a:effectLst/>
+                <a:uLnTx/>
+                <a:uFillTx/>
+                <a:latin typeface="Arial" pitchFamily="34" charset="0"/>
+                <a:cs typeface="Arial" pitchFamily="34" charset="0"/>
+              </a:rPr>
+              <a:t>Primeiramente, teremos de criar o servidor, para isso teremos de definir um IP e uma porta, isto para </a:t>
+            </a:r>
+            <a:r>
+              <a:rPr kumimoji="0" lang="pt-PT" sz="2000" b="0" i="0" u="none" strike="noStrike" kern="1200" cap="none" spc="0" normalizeH="0" baseline="0" noProof="0">
+                <a:ln>
+                  <a:noFill/>
+                </a:ln>
+                <a:effectLst/>
+                <a:uLnTx/>
+                <a:uFillTx/>
+                <a:latin typeface="Arial" pitchFamily="34" charset="0"/>
+                <a:cs typeface="Arial" pitchFamily="34" charset="0"/>
+              </a:rPr>
+              <a:t>a conexão ao servidor. </a:t>
+            </a:r>
+            <a:endParaRPr kumimoji="0" lang="pt-PT" sz="2000" b="0" i="0" u="none" strike="noStrike" kern="1200" cap="none" spc="0" normalizeH="0" baseline="0" noProof="0" dirty="0">
+              <a:ln>
+                <a:noFill/>
+              </a:ln>
+              <a:effectLst/>
+              <a:uLnTx/>
+              <a:uFillTx/>
+              <a:latin typeface="Arial" pitchFamily="34" charset="0"/>
+              <a:cs typeface="Arial" pitchFamily="34" charset="0"/>
+            </a:endParaRPr>
+          </a:p>
+          <a:p>
+            <a:pPr marL="457200" marR="0" lvl="1" indent="0" defTabSz="914400" rtl="0" eaLnBrk="1" fontAlgn="auto" latinLnBrk="0" hangingPunct="1">
+              <a:lnSpc>
+                <a:spcPct val="200000"/>
+              </a:lnSpc>
+              <a:spcBef>
+                <a:spcPct val="20000"/>
+              </a:spcBef>
+              <a:spcAft>
+                <a:spcPts val="0"/>
+              </a:spcAft>
+              <a:buClrTx/>
+              <a:buSzTx/>
+              <a:buFont typeface="Arial" pitchFamily="34" charset="0"/>
+              <a:buNone/>
+              <a:tabLst/>
+              <a:defRPr/>
+            </a:pPr>
+            <a:endParaRPr kumimoji="0" lang="pt-PT" sz="2000" b="0" i="0" u="none" strike="noStrike" kern="1200" cap="none" spc="0" normalizeH="0" baseline="0" noProof="0" dirty="0">
+              <a:ln>
+                <a:noFill/>
+              </a:ln>
+              <a:effectLst/>
+              <a:uLnTx/>
+              <a:uFillTx/>
+              <a:latin typeface="Arial" pitchFamily="34" charset="0"/>
+              <a:cs typeface="Arial" pitchFamily="34" charset="0"/>
+            </a:endParaRPr>
+          </a:p>
+          <a:p>
+            <a:pPr marL="457200" marR="0" lvl="1" indent="0" defTabSz="914400" rtl="0" eaLnBrk="1" fontAlgn="auto" latinLnBrk="0" hangingPunct="1">
+              <a:lnSpc>
+                <a:spcPct val="200000"/>
+              </a:lnSpc>
+              <a:spcBef>
+                <a:spcPct val="20000"/>
+              </a:spcBef>
+              <a:spcAft>
+                <a:spcPts val="0"/>
+              </a:spcAft>
+              <a:buClrTx/>
+              <a:buSzTx/>
+              <a:buFont typeface="Arial" pitchFamily="34" charset="0"/>
+              <a:buNone/>
+              <a:tabLst/>
+              <a:defRPr/>
+            </a:pPr>
+            <a:endParaRPr kumimoji="0" lang="pt-PT" sz="2000" b="0" i="0" u="none" strike="noStrike" kern="1200" cap="none" spc="0" normalizeH="0" baseline="0" noProof="0" dirty="0">
+              <a:ln>
+                <a:noFill/>
+              </a:ln>
+              <a:effectLst/>
+              <a:uLnTx/>
+              <a:uFillTx/>
+              <a:latin typeface="Arial" pitchFamily="34" charset="0"/>
+              <a:cs typeface="Arial" pitchFamily="34" charset="0"/>
+            </a:endParaRPr>
+          </a:p>
+          <a:p>
+            <a:pPr marL="0" marR="0" lvl="0" indent="0" defTabSz="914400" rtl="0" eaLnBrk="1" fontAlgn="auto" latinLnBrk="0" hangingPunct="1">
+              <a:lnSpc>
+                <a:spcPct val="200000"/>
+              </a:lnSpc>
+              <a:spcBef>
+                <a:spcPct val="20000"/>
+              </a:spcBef>
+              <a:spcAft>
+                <a:spcPts val="0"/>
+              </a:spcAft>
+              <a:buClrTx/>
+              <a:buSzTx/>
+              <a:buFont typeface="Arial" pitchFamily="34" charset="0"/>
+              <a:buNone/>
+              <a:tabLst/>
+              <a:defRPr/>
+            </a:pPr>
+            <a:endParaRPr kumimoji="0" lang="pt-PT" sz="2000" b="0" i="0" u="none" strike="noStrike" kern="1200" cap="none" spc="0" normalizeH="0" baseline="0" noProof="0" dirty="0">
+              <a:ln>
+                <a:noFill/>
+              </a:ln>
+              <a:effectLst/>
+              <a:uLnTx/>
+              <a:uFillTx/>
+              <a:latin typeface="Arial" pitchFamily="34" charset="0"/>
+              <a:cs typeface="Arial" pitchFamily="34" charset="0"/>
+            </a:endParaRPr>
+          </a:p>
+          <a:p>
+            <a:pPr marL="0" marR="0" lvl="0" indent="0" defTabSz="914400" rtl="0" eaLnBrk="1" fontAlgn="auto" latinLnBrk="0" hangingPunct="1">
+              <a:lnSpc>
+                <a:spcPct val="200000"/>
+              </a:lnSpc>
+              <a:spcBef>
+                <a:spcPct val="20000"/>
+              </a:spcBef>
+              <a:spcAft>
+                <a:spcPts val="0"/>
+              </a:spcAft>
+              <a:buClrTx/>
+              <a:buSzTx/>
+              <a:buFont typeface="Arial" pitchFamily="34" charset="0"/>
+              <a:buNone/>
+              <a:tabLst/>
+              <a:defRPr/>
+            </a:pPr>
+            <a:endParaRPr kumimoji="0" lang="pt-PT" sz="2000" b="0" i="0" u="none" strike="noStrike" kern="1200" cap="none" spc="0" normalizeH="0" baseline="0" noProof="0" dirty="0">
+              <a:ln>
+                <a:noFill/>
+              </a:ln>
+              <a:effectLst/>
+              <a:uLnTx/>
+              <a:uFillTx/>
+              <a:latin typeface="Arial" pitchFamily="34" charset="0"/>
+              <a:cs typeface="Arial" pitchFamily="34" charset="0"/>
+            </a:endParaRPr>
+          </a:p>
+          <a:p>
+            <a:pPr marL="0" marR="0" lvl="0" indent="0" defTabSz="914400" rtl="0" eaLnBrk="1" fontAlgn="auto" latinLnBrk="0" hangingPunct="1">
+              <a:lnSpc>
+                <a:spcPct val="200000"/>
+              </a:lnSpc>
+              <a:spcBef>
+                <a:spcPct val="20000"/>
+              </a:spcBef>
+              <a:spcAft>
+                <a:spcPts val="0"/>
+              </a:spcAft>
+              <a:buClrTx/>
+              <a:buSzTx/>
+              <a:buFont typeface="Arial" pitchFamily="34" charset="0"/>
+              <a:buNone/>
+              <a:tabLst/>
+              <a:defRPr/>
+            </a:pPr>
+            <a:endParaRPr kumimoji="0" lang="pt-PT" sz="2000" b="0" i="0" u="none" strike="noStrike" kern="1200" cap="none" spc="0" normalizeH="0" baseline="0" noProof="0" dirty="0">
+              <a:ln>
+                <a:noFill/>
+              </a:ln>
+              <a:effectLst/>
+              <a:uLnTx/>
+              <a:uFillTx/>
+              <a:latin typeface="Arial" pitchFamily="34" charset="0"/>
+              <a:cs typeface="Arial" pitchFamily="34" charset="0"/>
+            </a:endParaRPr>
+          </a:p>
+        </p:txBody>
+      </p:sp>
+      <p:pic>
+        <p:nvPicPr>
+          <p:cNvPr id="7" name="Imagem 6">
+            <a:extLst>
+              <a:ext uri="{FF2B5EF4-FFF2-40B4-BE49-F238E27FC236}">
+                <a16:creationId xmlns:a16="http://schemas.microsoft.com/office/drawing/2014/main" id="{54D42837-E70D-4C64-A8A7-E7F751502B92}"/>
+              </a:ext>
+            </a:extLst>
+          </p:cNvPr>
+          <p:cNvPicPr>
+            <a:picLocks noChangeAspect="1"/>
+          </p:cNvPicPr>
+          <p:nvPr/>
+        </p:nvPicPr>
+        <p:blipFill>
+          <a:blip r:embed="rId3"/>
+          <a:stretch>
+            <a:fillRect/>
+          </a:stretch>
+        </p:blipFill>
+        <p:spPr>
+          <a:xfrm>
+            <a:off x="101225" y="904241"/>
+            <a:ext cx="9014192" cy="266482"/>
+          </a:xfrm>
+          <a:prstGeom prst="rect">
+            <a:avLst/>
+          </a:prstGeom>
+        </p:spPr>
+      </p:pic>
+      <p:pic>
+        <p:nvPicPr>
+          <p:cNvPr id="9" name="Imagem 8">
+            <a:extLst>
+              <a:ext uri="{FF2B5EF4-FFF2-40B4-BE49-F238E27FC236}">
+                <a16:creationId xmlns:a16="http://schemas.microsoft.com/office/drawing/2014/main" id="{81982921-1900-46B5-BE82-07BECCD63918}"/>
+              </a:ext>
+            </a:extLst>
+          </p:cNvPr>
+          <p:cNvPicPr>
+            <a:picLocks noChangeAspect="1"/>
+          </p:cNvPicPr>
+          <p:nvPr/>
+        </p:nvPicPr>
+        <p:blipFill>
+          <a:blip r:embed="rId4"/>
+          <a:stretch>
+            <a:fillRect/>
+          </a:stretch>
+        </p:blipFill>
+        <p:spPr>
+          <a:xfrm>
+            <a:off x="0" y="6320212"/>
+            <a:ext cx="9144000" cy="253252"/>
+          </a:xfrm>
+          <a:prstGeom prst="rect">
+            <a:avLst/>
+          </a:prstGeom>
+        </p:spPr>
+      </p:pic>
+      <p:pic>
+        <p:nvPicPr>
+          <p:cNvPr id="13" name="Imagem 12">
+            <a:extLst>
+              <a:ext uri="{FF2B5EF4-FFF2-40B4-BE49-F238E27FC236}">
+                <a16:creationId xmlns:a16="http://schemas.microsoft.com/office/drawing/2014/main" id="{BE263CB9-5E3B-4385-9450-974CDF0F6C7D}"/>
+              </a:ext>
+            </a:extLst>
+          </p:cNvPr>
+          <p:cNvPicPr>
+            <a:picLocks noChangeAspect="1"/>
+          </p:cNvPicPr>
+          <p:nvPr/>
+        </p:nvPicPr>
+        <p:blipFill>
+          <a:blip r:embed="rId5" cstate="print">
+            <a:extLst>
+              <a:ext uri="{28A0092B-C50C-407E-A947-70E740481C1C}">
+                <a14:useLocalDpi xmlns:a14="http://schemas.microsoft.com/office/drawing/2010/main" val="0"/>
+              </a:ext>
+            </a:extLst>
+          </a:blip>
+          <a:stretch>
+            <a:fillRect/>
+          </a:stretch>
+        </p:blipFill>
+        <p:spPr>
+          <a:xfrm>
+            <a:off x="238125" y="6488336"/>
+            <a:ext cx="545959" cy="199802"/>
+          </a:xfrm>
+          <a:prstGeom prst="rect">
+            <a:avLst/>
+          </a:prstGeom>
+        </p:spPr>
+      </p:pic>
+      <p:sp>
+        <p:nvSpPr>
+          <p:cNvPr id="3" name="Rectângulo 19">
+            <a:extLst>
+              <a:ext uri="{FF2B5EF4-FFF2-40B4-BE49-F238E27FC236}">
+                <a16:creationId xmlns:a16="http://schemas.microsoft.com/office/drawing/2014/main" id="{850208AF-C5A5-C009-177D-8C27BB5DCC8B}"/>
+              </a:ext>
+            </a:extLst>
+          </p:cNvPr>
+          <p:cNvSpPr/>
+          <p:nvPr/>
+        </p:nvSpPr>
+        <p:spPr>
+          <a:xfrm>
+            <a:off x="5535613" y="553019"/>
+            <a:ext cx="3505200" cy="261610"/>
+          </a:xfrm>
+          <a:prstGeom prst="rect">
+            <a:avLst/>
+          </a:prstGeom>
+        </p:spPr>
+        <p:txBody>
+          <a:bodyPr wrap="square">
+            <a:spAutoFit/>
+          </a:bodyPr>
+          <a:lstStyle/>
+          <a:p>
+            <a:pPr algn="r"/>
+            <a:r>
+              <a:rPr lang="pt-PT" sz="1100" b="1" cap="all" dirty="0" err="1">
+                <a:highlight>
+                  <a:srgbClr val="FFFF00"/>
+                </a:highlight>
+              </a:rPr>
+              <a:t>Degree</a:t>
+            </a:r>
+            <a:r>
+              <a:rPr lang="pt-PT" sz="1100" b="1" cap="all" dirty="0">
+                <a:highlight>
+                  <a:srgbClr val="FFFF00"/>
+                </a:highlight>
+              </a:rPr>
+              <a:t> IN </a:t>
+            </a:r>
+            <a:r>
+              <a:rPr lang="pt-PT" sz="1100" b="1" cap="all" dirty="0" err="1">
+                <a:highlight>
+                  <a:srgbClr val="FFFF00"/>
+                </a:highlight>
+              </a:rPr>
+              <a:t>Informatics</a:t>
+            </a:r>
+            <a:r>
+              <a:rPr lang="pt-PT" sz="1100" b="1" cap="all" dirty="0">
+                <a:highlight>
+                  <a:srgbClr val="FFFF00"/>
+                </a:highlight>
+              </a:rPr>
+              <a:t> </a:t>
+            </a:r>
+            <a:r>
+              <a:rPr lang="pt-PT" sz="1100" b="1" cap="all" dirty="0" err="1">
+                <a:highlight>
+                  <a:srgbClr val="FFFF00"/>
+                </a:highlight>
+              </a:rPr>
+              <a:t>engineering</a:t>
+            </a:r>
+            <a:endParaRPr lang="pt-PT" sz="1100" dirty="0">
+              <a:highlight>
+                <a:srgbClr val="FFFF00"/>
+              </a:highlight>
+            </a:endParaRPr>
+          </a:p>
+        </p:txBody>
+      </p:sp>
+      <p:pic>
+        <p:nvPicPr>
+          <p:cNvPr id="5" name="Imagem 4">
+            <a:extLst>
+              <a:ext uri="{FF2B5EF4-FFF2-40B4-BE49-F238E27FC236}">
+                <a16:creationId xmlns:a16="http://schemas.microsoft.com/office/drawing/2014/main" id="{4B69841B-4743-42E9-837A-73B87FC5C8CF}"/>
+              </a:ext>
+            </a:extLst>
+          </p:cNvPr>
+          <p:cNvPicPr>
+            <a:picLocks noChangeAspect="1"/>
+          </p:cNvPicPr>
+          <p:nvPr/>
+        </p:nvPicPr>
+        <p:blipFill>
+          <a:blip r:embed="rId6" cstate="print">
+            <a:extLst>
+              <a:ext uri="{28A0092B-C50C-407E-A947-70E740481C1C}">
+                <a14:useLocalDpi xmlns:a14="http://schemas.microsoft.com/office/drawing/2010/main" val="0"/>
+              </a:ext>
+            </a:extLst>
+          </a:blip>
+          <a:stretch>
+            <a:fillRect/>
+          </a:stretch>
+        </p:blipFill>
+        <p:spPr>
+          <a:xfrm>
+            <a:off x="6575316" y="9186"/>
+            <a:ext cx="2575034" cy="639880"/>
+          </a:xfrm>
+          <a:prstGeom prst="rect">
+            <a:avLst/>
+          </a:prstGeom>
+        </p:spPr>
+      </p:pic>
+      <p:sp>
+        <p:nvSpPr>
+          <p:cNvPr id="2" name="Subtítulo 2">
+            <a:extLst>
+              <a:ext uri="{FF2B5EF4-FFF2-40B4-BE49-F238E27FC236}">
+                <a16:creationId xmlns:a16="http://schemas.microsoft.com/office/drawing/2014/main" id="{50369DE4-0D6E-7A10-AF37-333F300DD770}"/>
+              </a:ext>
+            </a:extLst>
+          </p:cNvPr>
+          <p:cNvSpPr txBox="1">
+            <a:spLocks/>
+          </p:cNvSpPr>
+          <p:nvPr/>
+        </p:nvSpPr>
+        <p:spPr>
+          <a:xfrm>
+            <a:off x="836017" y="6524516"/>
+            <a:ext cx="7698382" cy="162409"/>
+          </a:xfrm>
+          <a:prstGeom prst="rect">
+            <a:avLst/>
+          </a:prstGeom>
+        </p:spPr>
+        <p:txBody>
+          <a:bodyPr vert="horz" lIns="68580" tIns="34290" rIns="68580" bIns="34290" rtlCol="0">
+            <a:normAutofit fontScale="92500" lnSpcReduction="20000"/>
+          </a:bodyPr>
+          <a:lstStyle>
+            <a:lvl1pPr marL="0" indent="0" algn="ctr" defTabSz="914400" rtl="0" eaLnBrk="1" latinLnBrk="0" hangingPunct="1">
+              <a:lnSpc>
+                <a:spcPct val="90000"/>
+              </a:lnSpc>
+              <a:spcBef>
+                <a:spcPts val="1000"/>
+              </a:spcBef>
+              <a:buFont typeface="Arial" panose="020B0604020202020204" pitchFamily="34" charset="0"/>
+              <a:buNone/>
+              <a:defRPr sz="2400" kern="1200">
+                <a:solidFill>
+                  <a:schemeClr val="tx1"/>
+                </a:solidFill>
+                <a:latin typeface="+mn-lt"/>
+                <a:ea typeface="+mn-ea"/>
+                <a:cs typeface="+mn-cs"/>
+              </a:defRPr>
+            </a:lvl1pPr>
+            <a:lvl2pPr marL="457200" indent="0" algn="ctr" defTabSz="914400" rtl="0" eaLnBrk="1" latinLnBrk="0" hangingPunct="1">
+              <a:lnSpc>
+                <a:spcPct val="90000"/>
+              </a:lnSpc>
+              <a:spcBef>
+                <a:spcPts val="500"/>
+              </a:spcBef>
+              <a:buFont typeface="Arial" panose="020B0604020202020204" pitchFamily="34" charset="0"/>
+              <a:buNone/>
+              <a:defRPr sz="2000" kern="1200">
+                <a:solidFill>
+                  <a:schemeClr val="tx1"/>
+                </a:solidFill>
+                <a:latin typeface="+mn-lt"/>
+                <a:ea typeface="+mn-ea"/>
+                <a:cs typeface="+mn-cs"/>
+              </a:defRPr>
+            </a:lvl2pPr>
+            <a:lvl3pPr marL="914400" indent="0" algn="ctr" defTabSz="914400" rtl="0" eaLnBrk="1" latinLnBrk="0" hangingPunct="1">
+              <a:lnSpc>
+                <a:spcPct val="90000"/>
+              </a:lnSpc>
+              <a:spcBef>
+                <a:spcPts val="500"/>
+              </a:spcBef>
+              <a:buFont typeface="Arial" panose="020B0604020202020204" pitchFamily="34" charset="0"/>
+              <a:buNone/>
+              <a:defRPr sz="1800" kern="1200">
+                <a:solidFill>
+                  <a:schemeClr val="tx1"/>
+                </a:solidFill>
+                <a:latin typeface="+mn-lt"/>
+                <a:ea typeface="+mn-ea"/>
+                <a:cs typeface="+mn-cs"/>
+              </a:defRPr>
+            </a:lvl3pPr>
+            <a:lvl4pPr marL="1371600" indent="0" algn="ctr" defTabSz="914400" rtl="0" eaLnBrk="1" latinLnBrk="0" hangingPunct="1">
+              <a:lnSpc>
+                <a:spcPct val="90000"/>
+              </a:lnSpc>
+              <a:spcBef>
+                <a:spcPts val="500"/>
+              </a:spcBef>
+              <a:buFont typeface="Arial" panose="020B0604020202020204" pitchFamily="34" charset="0"/>
+              <a:buNone/>
+              <a:defRPr sz="1600" kern="1200">
+                <a:solidFill>
+                  <a:schemeClr val="tx1"/>
+                </a:solidFill>
+                <a:latin typeface="+mn-lt"/>
+                <a:ea typeface="+mn-ea"/>
+                <a:cs typeface="+mn-cs"/>
+              </a:defRPr>
+            </a:lvl4pPr>
+            <a:lvl5pPr marL="1828800" indent="0" algn="ctr" defTabSz="914400" rtl="0" eaLnBrk="1" latinLnBrk="0" hangingPunct="1">
+              <a:lnSpc>
+                <a:spcPct val="90000"/>
+              </a:lnSpc>
+              <a:spcBef>
+                <a:spcPts val="500"/>
+              </a:spcBef>
+              <a:buFont typeface="Arial" panose="020B0604020202020204" pitchFamily="34" charset="0"/>
+              <a:buNone/>
+              <a:defRPr sz="1600" kern="1200">
+                <a:solidFill>
+                  <a:schemeClr val="tx1"/>
+                </a:solidFill>
+                <a:latin typeface="+mn-lt"/>
+                <a:ea typeface="+mn-ea"/>
+                <a:cs typeface="+mn-cs"/>
+              </a:defRPr>
+            </a:lvl5pPr>
+            <a:lvl6pPr marL="2286000" indent="0" algn="ctr" defTabSz="914400" rtl="0" eaLnBrk="1" latinLnBrk="0" hangingPunct="1">
+              <a:lnSpc>
+                <a:spcPct val="90000"/>
+              </a:lnSpc>
+              <a:spcBef>
+                <a:spcPts val="500"/>
+              </a:spcBef>
+              <a:buFont typeface="Arial" panose="020B0604020202020204" pitchFamily="34" charset="0"/>
+              <a:buNone/>
+              <a:defRPr sz="1600" kern="1200">
+                <a:solidFill>
+                  <a:schemeClr val="tx1"/>
+                </a:solidFill>
+                <a:latin typeface="+mn-lt"/>
+                <a:ea typeface="+mn-ea"/>
+                <a:cs typeface="+mn-cs"/>
+              </a:defRPr>
+            </a:lvl6pPr>
+            <a:lvl7pPr marL="2743200" indent="0" algn="ctr" defTabSz="914400" rtl="0" eaLnBrk="1" latinLnBrk="0" hangingPunct="1">
+              <a:lnSpc>
+                <a:spcPct val="90000"/>
+              </a:lnSpc>
+              <a:spcBef>
+                <a:spcPts val="500"/>
+              </a:spcBef>
+              <a:buFont typeface="Arial" panose="020B0604020202020204" pitchFamily="34" charset="0"/>
+              <a:buNone/>
+              <a:defRPr sz="1600" kern="1200">
+                <a:solidFill>
+                  <a:schemeClr val="tx1"/>
+                </a:solidFill>
+                <a:latin typeface="+mn-lt"/>
+                <a:ea typeface="+mn-ea"/>
+                <a:cs typeface="+mn-cs"/>
+              </a:defRPr>
+            </a:lvl7pPr>
+            <a:lvl8pPr marL="3200400" indent="0" algn="ctr" defTabSz="914400" rtl="0" eaLnBrk="1" latinLnBrk="0" hangingPunct="1">
+              <a:lnSpc>
+                <a:spcPct val="90000"/>
+              </a:lnSpc>
+              <a:spcBef>
+                <a:spcPts val="500"/>
+              </a:spcBef>
+              <a:buFont typeface="Arial" panose="020B0604020202020204" pitchFamily="34" charset="0"/>
+              <a:buNone/>
+              <a:defRPr sz="1600" kern="1200">
+                <a:solidFill>
+                  <a:schemeClr val="tx1"/>
+                </a:solidFill>
+                <a:latin typeface="+mn-lt"/>
+                <a:ea typeface="+mn-ea"/>
+                <a:cs typeface="+mn-cs"/>
+              </a:defRPr>
+            </a:lvl8pPr>
+            <a:lvl9pPr marL="3657600" indent="0" algn="ctr" defTabSz="914400" rtl="0" eaLnBrk="1" latinLnBrk="0" hangingPunct="1">
+              <a:lnSpc>
+                <a:spcPct val="90000"/>
+              </a:lnSpc>
+              <a:spcBef>
+                <a:spcPts val="500"/>
+              </a:spcBef>
+              <a:buFont typeface="Arial" panose="020B0604020202020204" pitchFamily="34" charset="0"/>
+              <a:buNone/>
+              <a:defRPr sz="1600" kern="1200">
+                <a:solidFill>
+                  <a:schemeClr val="tx1"/>
+                </a:solidFill>
+                <a:latin typeface="+mn-lt"/>
+                <a:ea typeface="+mn-ea"/>
+                <a:cs typeface="+mn-cs"/>
+              </a:defRPr>
+            </a:lvl9pPr>
+          </a:lstStyle>
+          <a:p>
+            <a:pPr algn="l"/>
+            <a:r>
+              <a:rPr lang="pt-PT" sz="900" dirty="0">
+                <a:latin typeface="Arial" charset="0"/>
+                <a:ea typeface="Arial" charset="0"/>
+                <a:cs typeface="Arial" charset="0"/>
+              </a:rPr>
+              <a:t>@Rafael André | </a:t>
+            </a:r>
+            <a:r>
+              <a:rPr lang="pt-PT" sz="900" b="1" dirty="0">
+                <a:solidFill>
+                  <a:srgbClr val="C00000"/>
+                </a:solidFill>
+                <a:latin typeface="Arial" charset="0"/>
+                <a:ea typeface="Arial" charset="0"/>
+                <a:cs typeface="Arial" charset="0"/>
+              </a:rPr>
+              <a:t>Unidade Curricular: INTEGRAÇÃO DE SISTEMAS </a:t>
+            </a:r>
+            <a:r>
+              <a:rPr lang="pt-PT" sz="900" dirty="0">
+                <a:latin typeface="Arial" charset="0"/>
+                <a:ea typeface="Arial" charset="0"/>
+                <a:cs typeface="Arial" charset="0"/>
+              </a:rPr>
+              <a:t>– Ano Letivo 2023/2024 – </a:t>
+            </a:r>
+            <a:r>
+              <a:rPr lang="pt-PT" sz="900" b="1" dirty="0">
+                <a:latin typeface="Arial" charset="0"/>
+                <a:ea typeface="Arial" charset="0"/>
+                <a:cs typeface="Arial" charset="0"/>
+              </a:rPr>
+              <a:t>Trabalho Prático 1</a:t>
+            </a:r>
+          </a:p>
+        </p:txBody>
+      </p:sp>
+    </p:spTree>
+    <p:extLst>
+      <p:ext uri="{BB962C8B-B14F-4D97-AF65-F5344CB8AC3E}">
+        <p14:creationId xmlns:p14="http://schemas.microsoft.com/office/powerpoint/2010/main" val="3443380289"/>
+      </p:ext>
+    </p:extLst>
+  </p:cSld>
+  <p:clrMapOvr>
+    <a:masterClrMapping/>
+  </p:clrMapOvr>
+</p:sld>
+</file>
+
+<file path=ppt/slides/slide5.xml><?xml version="1.0" encoding="utf-8"?>
+<p:sld xmlns:a="http://schemas.openxmlformats.org/drawingml/2006/main" xmlns:r="http://schemas.openxmlformats.org/officeDocument/2006/relationships" xmlns:p="http://schemas.openxmlformats.org/presentationml/2006/main">
+  <p:cSld>
+    <p:spTree>
+      <p:nvGrpSpPr>
+        <p:cNvPr id="1" name=""/>
+        <p:cNvGrpSpPr/>
+        <p:nvPr/>
+      </p:nvGrpSpPr>
+      <p:grpSpPr>
+        <a:xfrm>
+          <a:off x="0" y="0"/>
+          <a:ext cx="0" cy="0"/>
+          <a:chOff x="0" y="0"/>
+          <a:chExt cx="0" cy="0"/>
+        </a:xfrm>
+      </p:grpSpPr>
+      <p:sp>
+        <p:nvSpPr>
           <p:cNvPr id="9229" name="Text Box 13"/>
           <p:cNvSpPr txBox="1">
             <a:spLocks noChangeArrowheads="1"/>
@@ -6564,7 +8808,7 @@
             <a:fld id="{1234D2FF-8FB9-47A1-B8C9-42A5F500BA2F}" type="slidenum">
               <a:rPr lang="pt-PT" sz="1000"/>
               <a:pPr algn="ctr"/>
-              <a:t>3</a:t>
+              <a:t>5</a:t>
             </a:fld>
             <a:r>
               <a:rPr lang="pt-PT" sz="1000" dirty="0"/>
@@ -6990,7 +9234,7 @@
 </p:sld>
 </file>
 
-<file path=ppt/slides/slide4.xml><?xml version="1.0" encoding="utf-8"?>
+<file path=ppt/slides/slide6.xml><?xml version="1.0" encoding="utf-8"?>
 <p:sld xmlns:a="http://schemas.openxmlformats.org/drawingml/2006/main" xmlns:r="http://schemas.openxmlformats.org/officeDocument/2006/relationships" xmlns:p="http://schemas.openxmlformats.org/presentationml/2006/main">
   <p:cSld>
     <p:spTree>

--- a/IPVC-EI-TEMPLATE-PPT-IS-TRABALHO1.pptx
+++ b/IPVC-EI-TEMPLATE-PPT-IS-TRABALHO1.pptx
@@ -5,28 +5,31 @@
     <p:sldMasterId id="2147483648" r:id="rId1"/>
   </p:sldMasterIdLst>
   <p:notesMasterIdLst>
-    <p:notesMasterId r:id="rId18"/>
+    <p:notesMasterId r:id="rId21"/>
   </p:notesMasterIdLst>
   <p:handoutMasterIdLst>
-    <p:handoutMasterId r:id="rId19"/>
+    <p:handoutMasterId r:id="rId22"/>
   </p:handoutMasterIdLst>
   <p:sldIdLst>
     <p:sldId id="309" r:id="rId2"/>
     <p:sldId id="258" r:id="rId3"/>
     <p:sldId id="310" r:id="rId4"/>
     <p:sldId id="311" r:id="rId5"/>
-    <p:sldId id="312" r:id="rId6"/>
-    <p:sldId id="313" r:id="rId7"/>
-    <p:sldId id="314" r:id="rId8"/>
-    <p:sldId id="315" r:id="rId9"/>
-    <p:sldId id="316" r:id="rId10"/>
+    <p:sldId id="313" r:id="rId6"/>
+    <p:sldId id="314" r:id="rId7"/>
+    <p:sldId id="315" r:id="rId8"/>
+    <p:sldId id="316" r:id="rId9"/>
+    <p:sldId id="312" r:id="rId10"/>
     <p:sldId id="317" r:id="rId11"/>
     <p:sldId id="318" r:id="rId12"/>
     <p:sldId id="319" r:id="rId13"/>
     <p:sldId id="320" r:id="rId14"/>
     <p:sldId id="321" r:id="rId15"/>
-    <p:sldId id="278" r:id="rId16"/>
-    <p:sldId id="260" r:id="rId17"/>
+    <p:sldId id="322" r:id="rId16"/>
+    <p:sldId id="325" r:id="rId17"/>
+    <p:sldId id="324" r:id="rId18"/>
+    <p:sldId id="278" r:id="rId19"/>
+    <p:sldId id="260" r:id="rId20"/>
   </p:sldIdLst>
   <p:sldSz cx="9144000" cy="6858000" type="screen4x3"/>
   <p:notesSz cx="7099300" cy="10234613"/>
@@ -227,7 +230,7 @@
             <a:fld id="{ADB6FF1F-555E-4388-A8B0-D1E524B355D1}" type="datetimeFigureOut">
               <a:rPr lang="pt-PT" smtClean="0"/>
               <a:pPr/>
-              <a:t>29/09/2023</a:t>
+              <a:t>10/10/2023</a:t>
             </a:fld>
             <a:endParaRPr lang="pt-PT"/>
           </a:p>
@@ -394,7 +397,7 @@
             <a:fld id="{E77E319B-B046-487F-8D03-B96E4F1A43D0}" type="datetimeFigureOut">
               <a:rPr lang="pt-PT" smtClean="0"/>
               <a:pPr/>
-              <a:t>29/09/2023</a:t>
+              <a:t>10/10/2023</a:t>
             </a:fld>
             <a:endParaRPr lang="pt-PT"/>
           </a:p>
@@ -852,7 +855,7 @@
     </p:spTree>
     <p:extLst>
       <p:ext uri="{BB962C8B-B14F-4D97-AF65-F5344CB8AC3E}">
-        <p14:creationId xmlns:p14="http://schemas.microsoft.com/office/powerpoint/2010/main" val="3025526196"/>
+        <p14:creationId xmlns:p14="http://schemas.microsoft.com/office/powerpoint/2010/main" val="277480152"/>
       </p:ext>
     </p:extLst>
   </p:cSld>
@@ -951,7 +954,7 @@
     </p:spTree>
     <p:extLst>
       <p:ext uri="{BB962C8B-B14F-4D97-AF65-F5344CB8AC3E}">
-        <p14:creationId xmlns:p14="http://schemas.microsoft.com/office/powerpoint/2010/main" val="3450294446"/>
+        <p14:creationId xmlns:p14="http://schemas.microsoft.com/office/powerpoint/2010/main" val="453076712"/>
       </p:ext>
     </p:extLst>
   </p:cSld>
@@ -1050,7 +1053,7 @@
     </p:spTree>
     <p:extLst>
       <p:ext uri="{BB962C8B-B14F-4D97-AF65-F5344CB8AC3E}">
-        <p14:creationId xmlns:p14="http://schemas.microsoft.com/office/powerpoint/2010/main" val="2640624180"/>
+        <p14:creationId xmlns:p14="http://schemas.microsoft.com/office/powerpoint/2010/main" val="3951316732"/>
       </p:ext>
     </p:extLst>
   </p:cSld>
@@ -1149,7 +1152,7 @@
     </p:spTree>
     <p:extLst>
       <p:ext uri="{BB962C8B-B14F-4D97-AF65-F5344CB8AC3E}">
-        <p14:creationId xmlns:p14="http://schemas.microsoft.com/office/powerpoint/2010/main" val="1323612160"/>
+        <p14:creationId xmlns:p14="http://schemas.microsoft.com/office/powerpoint/2010/main" val="2313416448"/>
       </p:ext>
     </p:extLst>
   </p:cSld>
@@ -1199,6 +1202,303 @@
               </a:rPr>
               <a:pPr/>
               <a:t>15</a:t>
+            </a:fld>
+            <a:endParaRPr lang="pt-PT">
+              <a:latin typeface="Arial" pitchFamily="34" charset="0"/>
+            </a:endParaRPr>
+          </a:p>
+        </p:txBody>
+      </p:sp>
+      <p:sp>
+        <p:nvSpPr>
+          <p:cNvPr id="93187" name="Rectangle 2"/>
+          <p:cNvSpPr>
+            <a:spLocks noGrp="1" noRot="1" noChangeAspect="1" noChangeArrowheads="1" noTextEdit="1"/>
+          </p:cNvSpPr>
+          <p:nvPr>
+            <p:ph type="sldImg"/>
+          </p:nvPr>
+        </p:nvSpPr>
+        <p:spPr>
+          <a:ln/>
+        </p:spPr>
+      </p:sp>
+      <p:sp>
+        <p:nvSpPr>
+          <p:cNvPr id="93188" name="Rectangle 3"/>
+          <p:cNvSpPr>
+            <a:spLocks noGrp="1" noChangeArrowheads="1"/>
+          </p:cNvSpPr>
+          <p:nvPr>
+            <p:ph type="body" idx="1"/>
+          </p:nvPr>
+        </p:nvSpPr>
+        <p:spPr>
+          <a:noFill/>
+          <a:ln/>
+        </p:spPr>
+        <p:txBody>
+          <a:bodyPr/>
+          <a:lstStyle/>
+          <a:p>
+            <a:pPr eaLnBrk="1" hangingPunct="1"/>
+            <a:endParaRPr lang="pt-PT">
+              <a:latin typeface="Arial" pitchFamily="34" charset="0"/>
+            </a:endParaRPr>
+          </a:p>
+        </p:txBody>
+      </p:sp>
+    </p:spTree>
+    <p:extLst>
+      <p:ext uri="{BB962C8B-B14F-4D97-AF65-F5344CB8AC3E}">
+        <p14:creationId xmlns:p14="http://schemas.microsoft.com/office/powerpoint/2010/main" val="701826209"/>
+      </p:ext>
+    </p:extLst>
+  </p:cSld>
+  <p:clrMapOvr>
+    <a:masterClrMapping/>
+  </p:clrMapOvr>
+</p:notes>
+</file>
+
+<file path=ppt/notesSlides/notesSlide15.xml><?xml version="1.0" encoding="utf-8"?>
+<p:notes xmlns:a="http://schemas.openxmlformats.org/drawingml/2006/main" xmlns:r="http://schemas.openxmlformats.org/officeDocument/2006/relationships" xmlns:p="http://schemas.openxmlformats.org/presentationml/2006/main">
+  <p:cSld>
+    <p:spTree>
+      <p:nvGrpSpPr>
+        <p:cNvPr id="1" name=""/>
+        <p:cNvGrpSpPr/>
+        <p:nvPr/>
+      </p:nvGrpSpPr>
+      <p:grpSpPr>
+        <a:xfrm>
+          <a:off x="0" y="0"/>
+          <a:ext cx="0" cy="0"/>
+          <a:chOff x="0" y="0"/>
+          <a:chExt cx="0" cy="0"/>
+        </a:xfrm>
+      </p:grpSpPr>
+      <p:sp>
+        <p:nvSpPr>
+          <p:cNvPr id="93186" name="Rectangle 7"/>
+          <p:cNvSpPr>
+            <a:spLocks noGrp="1" noChangeArrowheads="1"/>
+          </p:cNvSpPr>
+          <p:nvPr>
+            <p:ph type="sldNum" sz="quarter" idx="5"/>
+          </p:nvPr>
+        </p:nvSpPr>
+        <p:spPr>
+          <a:noFill/>
+        </p:spPr>
+        <p:txBody>
+          <a:bodyPr/>
+          <a:lstStyle/>
+          <a:p>
+            <a:fld id="{497D1F5F-AB60-452E-AA79-64E25350F70B}" type="slidenum">
+              <a:rPr lang="pt-PT" smtClean="0">
+                <a:latin typeface="Arial" pitchFamily="34" charset="0"/>
+              </a:rPr>
+              <a:pPr/>
+              <a:t>16</a:t>
+            </a:fld>
+            <a:endParaRPr lang="pt-PT">
+              <a:latin typeface="Arial" pitchFamily="34" charset="0"/>
+            </a:endParaRPr>
+          </a:p>
+        </p:txBody>
+      </p:sp>
+      <p:sp>
+        <p:nvSpPr>
+          <p:cNvPr id="93187" name="Rectangle 2"/>
+          <p:cNvSpPr>
+            <a:spLocks noGrp="1" noRot="1" noChangeAspect="1" noChangeArrowheads="1" noTextEdit="1"/>
+          </p:cNvSpPr>
+          <p:nvPr>
+            <p:ph type="sldImg"/>
+          </p:nvPr>
+        </p:nvSpPr>
+        <p:spPr>
+          <a:ln/>
+        </p:spPr>
+      </p:sp>
+      <p:sp>
+        <p:nvSpPr>
+          <p:cNvPr id="93188" name="Rectangle 3"/>
+          <p:cNvSpPr>
+            <a:spLocks noGrp="1" noChangeArrowheads="1"/>
+          </p:cNvSpPr>
+          <p:nvPr>
+            <p:ph type="body" idx="1"/>
+          </p:nvPr>
+        </p:nvSpPr>
+        <p:spPr>
+          <a:noFill/>
+          <a:ln/>
+        </p:spPr>
+        <p:txBody>
+          <a:bodyPr/>
+          <a:lstStyle/>
+          <a:p>
+            <a:pPr eaLnBrk="1" hangingPunct="1"/>
+            <a:endParaRPr lang="pt-PT">
+              <a:latin typeface="Arial" pitchFamily="34" charset="0"/>
+            </a:endParaRPr>
+          </a:p>
+        </p:txBody>
+      </p:sp>
+    </p:spTree>
+    <p:extLst>
+      <p:ext uri="{BB962C8B-B14F-4D97-AF65-F5344CB8AC3E}">
+        <p14:creationId xmlns:p14="http://schemas.microsoft.com/office/powerpoint/2010/main" val="368784655"/>
+      </p:ext>
+    </p:extLst>
+  </p:cSld>
+  <p:clrMapOvr>
+    <a:masterClrMapping/>
+  </p:clrMapOvr>
+</p:notes>
+</file>
+
+<file path=ppt/notesSlides/notesSlide16.xml><?xml version="1.0" encoding="utf-8"?>
+<p:notes xmlns:a="http://schemas.openxmlformats.org/drawingml/2006/main" xmlns:r="http://schemas.openxmlformats.org/officeDocument/2006/relationships" xmlns:p="http://schemas.openxmlformats.org/presentationml/2006/main">
+  <p:cSld>
+    <p:spTree>
+      <p:nvGrpSpPr>
+        <p:cNvPr id="1" name=""/>
+        <p:cNvGrpSpPr/>
+        <p:nvPr/>
+      </p:nvGrpSpPr>
+      <p:grpSpPr>
+        <a:xfrm>
+          <a:off x="0" y="0"/>
+          <a:ext cx="0" cy="0"/>
+          <a:chOff x="0" y="0"/>
+          <a:chExt cx="0" cy="0"/>
+        </a:xfrm>
+      </p:grpSpPr>
+      <p:sp>
+        <p:nvSpPr>
+          <p:cNvPr id="93186" name="Rectangle 7"/>
+          <p:cNvSpPr>
+            <a:spLocks noGrp="1" noChangeArrowheads="1"/>
+          </p:cNvSpPr>
+          <p:nvPr>
+            <p:ph type="sldNum" sz="quarter" idx="5"/>
+          </p:nvPr>
+        </p:nvSpPr>
+        <p:spPr>
+          <a:noFill/>
+        </p:spPr>
+        <p:txBody>
+          <a:bodyPr/>
+          <a:lstStyle/>
+          <a:p>
+            <a:fld id="{497D1F5F-AB60-452E-AA79-64E25350F70B}" type="slidenum">
+              <a:rPr lang="pt-PT" smtClean="0">
+                <a:latin typeface="Arial" pitchFamily="34" charset="0"/>
+              </a:rPr>
+              <a:pPr/>
+              <a:t>17</a:t>
+            </a:fld>
+            <a:endParaRPr lang="pt-PT">
+              <a:latin typeface="Arial" pitchFamily="34" charset="0"/>
+            </a:endParaRPr>
+          </a:p>
+        </p:txBody>
+      </p:sp>
+      <p:sp>
+        <p:nvSpPr>
+          <p:cNvPr id="93187" name="Rectangle 2"/>
+          <p:cNvSpPr>
+            <a:spLocks noGrp="1" noRot="1" noChangeAspect="1" noChangeArrowheads="1" noTextEdit="1"/>
+          </p:cNvSpPr>
+          <p:nvPr>
+            <p:ph type="sldImg"/>
+          </p:nvPr>
+        </p:nvSpPr>
+        <p:spPr>
+          <a:ln/>
+        </p:spPr>
+      </p:sp>
+      <p:sp>
+        <p:nvSpPr>
+          <p:cNvPr id="93188" name="Rectangle 3"/>
+          <p:cNvSpPr>
+            <a:spLocks noGrp="1" noChangeArrowheads="1"/>
+          </p:cNvSpPr>
+          <p:nvPr>
+            <p:ph type="body" idx="1"/>
+          </p:nvPr>
+        </p:nvSpPr>
+        <p:spPr>
+          <a:noFill/>
+          <a:ln/>
+        </p:spPr>
+        <p:txBody>
+          <a:bodyPr/>
+          <a:lstStyle/>
+          <a:p>
+            <a:pPr eaLnBrk="1" hangingPunct="1"/>
+            <a:endParaRPr lang="pt-PT">
+              <a:latin typeface="Arial" pitchFamily="34" charset="0"/>
+            </a:endParaRPr>
+          </a:p>
+        </p:txBody>
+      </p:sp>
+    </p:spTree>
+    <p:extLst>
+      <p:ext uri="{BB962C8B-B14F-4D97-AF65-F5344CB8AC3E}">
+        <p14:creationId xmlns:p14="http://schemas.microsoft.com/office/powerpoint/2010/main" val="3292737562"/>
+      </p:ext>
+    </p:extLst>
+  </p:cSld>
+  <p:clrMapOvr>
+    <a:masterClrMapping/>
+  </p:clrMapOvr>
+</p:notes>
+</file>
+
+<file path=ppt/notesSlides/notesSlide17.xml><?xml version="1.0" encoding="utf-8"?>
+<p:notes xmlns:a="http://schemas.openxmlformats.org/drawingml/2006/main" xmlns:r="http://schemas.openxmlformats.org/officeDocument/2006/relationships" xmlns:p="http://schemas.openxmlformats.org/presentationml/2006/main">
+  <p:cSld>
+    <p:spTree>
+      <p:nvGrpSpPr>
+        <p:cNvPr id="1" name=""/>
+        <p:cNvGrpSpPr/>
+        <p:nvPr/>
+      </p:nvGrpSpPr>
+      <p:grpSpPr>
+        <a:xfrm>
+          <a:off x="0" y="0"/>
+          <a:ext cx="0" cy="0"/>
+          <a:chOff x="0" y="0"/>
+          <a:chExt cx="0" cy="0"/>
+        </a:xfrm>
+      </p:grpSpPr>
+      <p:sp>
+        <p:nvSpPr>
+          <p:cNvPr id="93186" name="Rectangle 7"/>
+          <p:cNvSpPr>
+            <a:spLocks noGrp="1" noChangeArrowheads="1"/>
+          </p:cNvSpPr>
+          <p:nvPr>
+            <p:ph type="sldNum" sz="quarter" idx="5"/>
+          </p:nvPr>
+        </p:nvSpPr>
+        <p:spPr>
+          <a:noFill/>
+        </p:spPr>
+        <p:txBody>
+          <a:bodyPr/>
+          <a:lstStyle/>
+          <a:p>
+            <a:fld id="{497D1F5F-AB60-452E-AA79-64E25350F70B}" type="slidenum">
+              <a:rPr lang="pt-PT" smtClean="0">
+                <a:latin typeface="Arial" pitchFamily="34" charset="0"/>
+              </a:rPr>
+              <a:pPr/>
+              <a:t>18</a:t>
             </a:fld>
             <a:endParaRPr lang="pt-PT">
               <a:latin typeface="Arial" pitchFamily="34" charset="0"/>
@@ -1548,7 +1848,7 @@
     </p:spTree>
     <p:extLst>
       <p:ext uri="{BB962C8B-B14F-4D97-AF65-F5344CB8AC3E}">
-        <p14:creationId xmlns:p14="http://schemas.microsoft.com/office/powerpoint/2010/main" val="430426497"/>
+        <p14:creationId xmlns:p14="http://schemas.microsoft.com/office/powerpoint/2010/main" val="4209790180"/>
       </p:ext>
     </p:extLst>
   </p:cSld>
@@ -1647,7 +1947,7 @@
     </p:spTree>
     <p:extLst>
       <p:ext uri="{BB962C8B-B14F-4D97-AF65-F5344CB8AC3E}">
-        <p14:creationId xmlns:p14="http://schemas.microsoft.com/office/powerpoint/2010/main" val="3424492697"/>
+        <p14:creationId xmlns:p14="http://schemas.microsoft.com/office/powerpoint/2010/main" val="1409873865"/>
       </p:ext>
     </p:extLst>
   </p:cSld>
@@ -1746,7 +2046,7 @@
     </p:spTree>
     <p:extLst>
       <p:ext uri="{BB962C8B-B14F-4D97-AF65-F5344CB8AC3E}">
-        <p14:creationId xmlns:p14="http://schemas.microsoft.com/office/powerpoint/2010/main" val="2498913046"/>
+        <p14:creationId xmlns:p14="http://schemas.microsoft.com/office/powerpoint/2010/main" val="2336618029"/>
       </p:ext>
     </p:extLst>
   </p:cSld>
@@ -1845,7 +2145,7 @@
     </p:spTree>
     <p:extLst>
       <p:ext uri="{BB962C8B-B14F-4D97-AF65-F5344CB8AC3E}">
-        <p14:creationId xmlns:p14="http://schemas.microsoft.com/office/powerpoint/2010/main" val="262480176"/>
+        <p14:creationId xmlns:p14="http://schemas.microsoft.com/office/powerpoint/2010/main" val="1571814249"/>
       </p:ext>
     </p:extLst>
   </p:cSld>
@@ -1944,7 +2244,7 @@
     </p:spTree>
     <p:extLst>
       <p:ext uri="{BB962C8B-B14F-4D97-AF65-F5344CB8AC3E}">
-        <p14:creationId xmlns:p14="http://schemas.microsoft.com/office/powerpoint/2010/main" val="773787922"/>
+        <p14:creationId xmlns:p14="http://schemas.microsoft.com/office/powerpoint/2010/main" val="430426497"/>
       </p:ext>
     </p:extLst>
   </p:cSld>
@@ -2043,7 +2343,7 @@
     </p:spTree>
     <p:extLst>
       <p:ext uri="{BB962C8B-B14F-4D97-AF65-F5344CB8AC3E}">
-        <p14:creationId xmlns:p14="http://schemas.microsoft.com/office/powerpoint/2010/main" val="3090637680"/>
+        <p14:creationId xmlns:p14="http://schemas.microsoft.com/office/powerpoint/2010/main" val="3131953640"/>
       </p:ext>
     </p:extLst>
   </p:cSld>
@@ -2235,7 +2535,7 @@
             <a:fld id="{A4A3E61B-3AB3-490F-90D4-269C8A444AE7}" type="datetimeFigureOut">
               <a:rPr lang="en-US" smtClean="0"/>
               <a:pPr/>
-              <a:t>9/29/2023</a:t>
+              <a:t>10/10/2023</a:t>
             </a:fld>
             <a:endParaRPr lang="en-US"/>
           </a:p>
@@ -2402,7 +2702,7 @@
             <a:fld id="{A4A3E61B-3AB3-490F-90D4-269C8A444AE7}" type="datetimeFigureOut">
               <a:rPr lang="en-US" smtClean="0"/>
               <a:pPr/>
-              <a:t>9/29/2023</a:t>
+              <a:t>10/10/2023</a:t>
             </a:fld>
             <a:endParaRPr lang="en-US"/>
           </a:p>
@@ -2579,7 +2879,7 @@
             <a:fld id="{A4A3E61B-3AB3-490F-90D4-269C8A444AE7}" type="datetimeFigureOut">
               <a:rPr lang="en-US" smtClean="0"/>
               <a:pPr/>
-              <a:t>9/29/2023</a:t>
+              <a:t>10/10/2023</a:t>
             </a:fld>
             <a:endParaRPr lang="en-US"/>
           </a:p>
@@ -2746,7 +3046,7 @@
             <a:fld id="{A4A3E61B-3AB3-490F-90D4-269C8A444AE7}" type="datetimeFigureOut">
               <a:rPr lang="en-US" smtClean="0"/>
               <a:pPr/>
-              <a:t>9/29/2023</a:t>
+              <a:t>10/10/2023</a:t>
             </a:fld>
             <a:endParaRPr lang="en-US"/>
           </a:p>
@@ -2989,7 +3289,7 @@
             <a:fld id="{A4A3E61B-3AB3-490F-90D4-269C8A444AE7}" type="datetimeFigureOut">
               <a:rPr lang="en-US" smtClean="0"/>
               <a:pPr/>
-              <a:t>9/29/2023</a:t>
+              <a:t>10/10/2023</a:t>
             </a:fld>
             <a:endParaRPr lang="en-US"/>
           </a:p>
@@ -3274,7 +3574,7 @@
             <a:fld id="{A4A3E61B-3AB3-490F-90D4-269C8A444AE7}" type="datetimeFigureOut">
               <a:rPr lang="en-US" smtClean="0"/>
               <a:pPr/>
-              <a:t>9/29/2023</a:t>
+              <a:t>10/10/2023</a:t>
             </a:fld>
             <a:endParaRPr lang="en-US"/>
           </a:p>
@@ -3693,7 +3993,7 @@
             <a:fld id="{A4A3E61B-3AB3-490F-90D4-269C8A444AE7}" type="datetimeFigureOut">
               <a:rPr lang="en-US" smtClean="0"/>
               <a:pPr/>
-              <a:t>9/29/2023</a:t>
+              <a:t>10/10/2023</a:t>
             </a:fld>
             <a:endParaRPr lang="en-US"/>
           </a:p>
@@ -3808,7 +4108,7 @@
             <a:fld id="{A4A3E61B-3AB3-490F-90D4-269C8A444AE7}" type="datetimeFigureOut">
               <a:rPr lang="en-US" smtClean="0"/>
               <a:pPr/>
-              <a:t>9/29/2023</a:t>
+              <a:t>10/10/2023</a:t>
             </a:fld>
             <a:endParaRPr lang="en-US"/>
           </a:p>
@@ -3900,7 +4200,7 @@
             <a:fld id="{A4A3E61B-3AB3-490F-90D4-269C8A444AE7}" type="datetimeFigureOut">
               <a:rPr lang="en-US" smtClean="0"/>
               <a:pPr/>
-              <a:t>9/29/2023</a:t>
+              <a:t>10/10/2023</a:t>
             </a:fld>
             <a:endParaRPr lang="en-US"/>
           </a:p>
@@ -4174,7 +4474,7 @@
             <a:fld id="{A4A3E61B-3AB3-490F-90D4-269C8A444AE7}" type="datetimeFigureOut">
               <a:rPr lang="en-US" smtClean="0"/>
               <a:pPr/>
-              <a:t>9/29/2023</a:t>
+              <a:t>10/10/2023</a:t>
             </a:fld>
             <a:endParaRPr lang="en-US"/>
           </a:p>
@@ -4424,7 +4724,7 @@
             <a:fld id="{A4A3E61B-3AB3-490F-90D4-269C8A444AE7}" type="datetimeFigureOut">
               <a:rPr lang="en-US" smtClean="0"/>
               <a:pPr/>
-              <a:t>9/29/2023</a:t>
+              <a:t>10/10/2023</a:t>
             </a:fld>
             <a:endParaRPr lang="en-US"/>
           </a:p>
@@ -4634,7 +4934,7 @@
             <a:fld id="{A4A3E61B-3AB3-490F-90D4-269C8A444AE7}" type="datetimeFigureOut">
               <a:rPr lang="en-US" smtClean="0"/>
               <a:pPr/>
-              <a:t>9/29/2023</a:t>
+              <a:t>10/10/2023</a:t>
             </a:fld>
             <a:endParaRPr lang="en-US"/>
           </a:p>
@@ -6221,7 +6521,19 @@
                 <a:latin typeface="Arial"/>
                 <a:cs typeface="Arial"/>
               </a:rPr>
-              <a:t> Desenvolvimento</a:t>
+              <a:t> Desenvolvimento – Chat </a:t>
+            </a:r>
+            <a:r>
+              <a:rPr lang="pt-PT" sz="2000" b="1" dirty="0" err="1">
+                <a:effectLst>
+                  <a:outerShdw blurRad="38100" dist="38100" dir="2700000" algn="tl">
+                    <a:srgbClr val="C0C0C0"/>
+                  </a:outerShdw>
+                </a:effectLst>
+                <a:latin typeface="Arial"/>
+                <a:cs typeface="Arial"/>
+              </a:rPr>
+              <a:t>Room</a:t>
             </a:r>
             <a:endParaRPr lang="pt-PT" sz="2000" b="1" dirty="0">
               <a:effectLst>
@@ -6966,61 +7278,12 @@
           </a:p>
         </p:txBody>
       </p:sp>
-      <p:sp>
-        <p:nvSpPr>
-          <p:cNvPr id="4" name="CaixaDeTexto 3">
-            <a:extLst>
-              <a:ext uri="{FF2B5EF4-FFF2-40B4-BE49-F238E27FC236}">
-                <a16:creationId xmlns:a16="http://schemas.microsoft.com/office/drawing/2014/main" id="{9F309432-60E3-F37B-2D1A-2034BBBEE7D5}"/>
-              </a:ext>
-            </a:extLst>
-          </p:cNvPr>
-          <p:cNvSpPr txBox="1"/>
-          <p:nvPr/>
-        </p:nvSpPr>
-        <p:spPr>
-          <a:xfrm>
-            <a:off x="609599" y="1490032"/>
-            <a:ext cx="7717971" cy="646331"/>
-          </a:xfrm>
-          <a:prstGeom prst="rect">
-            <a:avLst/>
-          </a:prstGeom>
-          <a:noFill/>
-        </p:spPr>
-        <p:txBody>
-          <a:bodyPr wrap="square" rtlCol="0">
-            <a:spAutoFit/>
-          </a:bodyPr>
-          <a:lstStyle/>
-          <a:p>
-            <a:pPr marL="285750" indent="-285750">
-              <a:buFont typeface="Arial" panose="020B0604020202020204" pitchFamily="34" charset="0"/>
-              <a:buChar char="•"/>
-            </a:pPr>
-            <a:r>
-              <a:rPr lang="pt-PT" dirty="0"/>
-              <a:t>Agora no ficheiro cliente.py, está definido as ações que o cliente pode tomar;</a:t>
-            </a:r>
-          </a:p>
-          <a:p>
-            <a:pPr marL="285750" indent="-285750">
-              <a:buFont typeface="Arial" panose="020B0604020202020204" pitchFamily="34" charset="0"/>
-              <a:buChar char="•"/>
-            </a:pPr>
-            <a:r>
-              <a:rPr lang="pt-PT" dirty="0"/>
-              <a:t>Temos também de definir o IP e a porta ao qual ele entra.</a:t>
-            </a:r>
-          </a:p>
-        </p:txBody>
-      </p:sp>
       <p:pic>
         <p:nvPicPr>
           <p:cNvPr id="8" name="Imagem 7">
             <a:extLst>
               <a:ext uri="{FF2B5EF4-FFF2-40B4-BE49-F238E27FC236}">
-                <a16:creationId xmlns:a16="http://schemas.microsoft.com/office/drawing/2014/main" id="{5EE2C954-A72A-D50F-7795-E7FFC11FD5EE}"/>
+                <a16:creationId xmlns:a16="http://schemas.microsoft.com/office/drawing/2014/main" id="{5E1EBB94-89FA-70F0-343A-19712334DB68}"/>
               </a:ext>
             </a:extLst>
           </p:cNvPr>
@@ -7037,8 +7300,38 @@
         </p:blipFill>
         <p:spPr>
           <a:xfrm>
-            <a:off x="1143000" y="2381503"/>
-            <a:ext cx="6448425" cy="3581400"/>
+            <a:off x="228984" y="1123428"/>
+            <a:ext cx="6748934" cy="5256000"/>
+          </a:xfrm>
+          <a:prstGeom prst="rect">
+            <a:avLst/>
+          </a:prstGeom>
+        </p:spPr>
+      </p:pic>
+      <p:pic>
+        <p:nvPicPr>
+          <p:cNvPr id="11" name="Imagem 10">
+            <a:extLst>
+              <a:ext uri="{FF2B5EF4-FFF2-40B4-BE49-F238E27FC236}">
+                <a16:creationId xmlns:a16="http://schemas.microsoft.com/office/drawing/2014/main" id="{4364BDAC-D76C-FB91-3222-1EC514BC53DB}"/>
+              </a:ext>
+            </a:extLst>
+          </p:cNvPr>
+          <p:cNvPicPr>
+            <a:picLocks noChangeAspect="1"/>
+          </p:cNvPicPr>
+          <p:nvPr/>
+        </p:nvPicPr>
+        <p:blipFill>
+          <a:blip r:embed="rId8"/>
+          <a:stretch>
+            <a:fillRect/>
+          </a:stretch>
+        </p:blipFill>
+        <p:spPr>
+          <a:xfrm>
+            <a:off x="4808088" y="3048000"/>
+            <a:ext cx="4229677" cy="1800000"/>
           </a:xfrm>
           <a:prstGeom prst="rect">
             <a:avLst/>
@@ -7048,7 +7341,7 @@
     </p:spTree>
     <p:extLst>
       <p:ext uri="{BB962C8B-B14F-4D97-AF65-F5344CB8AC3E}">
-        <p14:creationId xmlns:p14="http://schemas.microsoft.com/office/powerpoint/2010/main" val="2287331271"/>
+        <p14:creationId xmlns:p14="http://schemas.microsoft.com/office/powerpoint/2010/main" val="238659866"/>
       </p:ext>
     </p:extLst>
   </p:cSld>
@@ -7221,7 +7514,19 @@
                 <a:latin typeface="Arial"/>
                 <a:cs typeface="Arial"/>
               </a:rPr>
-              <a:t> Desenvolvimento</a:t>
+              <a:t> Desenvolvimento – Chat </a:t>
+            </a:r>
+            <a:r>
+              <a:rPr lang="pt-PT" sz="2000" b="1" dirty="0" err="1">
+                <a:effectLst>
+                  <a:outerShdw blurRad="38100" dist="38100" dir="2700000" algn="tl">
+                    <a:srgbClr val="C0C0C0"/>
+                  </a:outerShdw>
+                </a:effectLst>
+                <a:latin typeface="Arial"/>
+                <a:cs typeface="Arial"/>
+              </a:rPr>
+              <a:t>Room</a:t>
             </a:r>
             <a:endParaRPr lang="pt-PT" sz="2000" b="1" dirty="0">
               <a:effectLst>
@@ -7345,13 +7650,15 @@
           </a:bodyPr>
           <a:lstStyle/>
           <a:p>
-            <a:pPr lvl="0">
+            <a:pPr marL="342900" lvl="0" indent="-342900">
               <a:lnSpc>
                 <a:spcPct val="200000"/>
               </a:lnSpc>
               <a:spcBef>
                 <a:spcPct val="20000"/>
               </a:spcBef>
+              <a:buFont typeface="Arial" panose="020B0604020202020204" pitchFamily="34" charset="0"/>
+              <a:buChar char="•"/>
             </a:pPr>
             <a:endParaRPr lang="pt-PT" sz="2000" dirty="0">
               <a:latin typeface="Arial" pitchFamily="34" charset="0"/>
@@ -7968,10 +8275,10 @@
       </p:sp>
       <p:pic>
         <p:nvPicPr>
-          <p:cNvPr id="6" name="Imagem 5">
+          <p:cNvPr id="8" name="Imagem 7">
             <a:extLst>
               <a:ext uri="{FF2B5EF4-FFF2-40B4-BE49-F238E27FC236}">
-                <a16:creationId xmlns:a16="http://schemas.microsoft.com/office/drawing/2014/main" id="{BA2CE7F3-5BF6-8BF9-5C52-686689677287}"/>
+                <a16:creationId xmlns:a16="http://schemas.microsoft.com/office/drawing/2014/main" id="{B878E7A8-E3B4-AF92-AB30-18EA853ECFB2}"/>
               </a:ext>
             </a:extLst>
           </p:cNvPr>
@@ -7988,8 +8295,8 @@
         </p:blipFill>
         <p:spPr>
           <a:xfrm>
-            <a:off x="1825483" y="1152772"/>
-            <a:ext cx="5378785" cy="5220000"/>
+            <a:off x="2362200" y="1123374"/>
+            <a:ext cx="4034988" cy="5220000"/>
           </a:xfrm>
           <a:prstGeom prst="rect">
             <a:avLst/>
@@ -7999,7 +8306,7 @@
     </p:spTree>
     <p:extLst>
       <p:ext uri="{BB962C8B-B14F-4D97-AF65-F5344CB8AC3E}">
-        <p14:creationId xmlns:p14="http://schemas.microsoft.com/office/powerpoint/2010/main" val="2465566131"/>
+        <p14:creationId xmlns:p14="http://schemas.microsoft.com/office/powerpoint/2010/main" val="9705268"/>
       </p:ext>
     </p:extLst>
   </p:cSld>
@@ -8172,7 +8479,19 @@
                 <a:latin typeface="Arial"/>
                 <a:cs typeface="Arial"/>
               </a:rPr>
-              <a:t> Desenvolvimento</a:t>
+              <a:t> Desenvolvimento – Chat </a:t>
+            </a:r>
+            <a:r>
+              <a:rPr lang="pt-PT" sz="2000" b="1" dirty="0" err="1">
+                <a:effectLst>
+                  <a:outerShdw blurRad="38100" dist="38100" dir="2700000" algn="tl">
+                    <a:srgbClr val="C0C0C0"/>
+                  </a:outerShdw>
+                </a:effectLst>
+                <a:latin typeface="Arial"/>
+                <a:cs typeface="Arial"/>
+              </a:rPr>
+              <a:t>Room</a:t>
             </a:r>
             <a:endParaRPr lang="pt-PT" sz="2000" b="1" dirty="0">
               <a:effectLst>
@@ -8919,10 +9238,10 @@
       </p:sp>
       <p:pic>
         <p:nvPicPr>
-          <p:cNvPr id="6" name="Imagem 5">
+          <p:cNvPr id="8" name="Imagem 7">
             <a:extLst>
               <a:ext uri="{FF2B5EF4-FFF2-40B4-BE49-F238E27FC236}">
-                <a16:creationId xmlns:a16="http://schemas.microsoft.com/office/drawing/2014/main" id="{DF86FA05-CA09-58FB-4A02-DD0ED7E5D239}"/>
+                <a16:creationId xmlns:a16="http://schemas.microsoft.com/office/drawing/2014/main" id="{2C7C0B83-9247-462E-B2E2-10B07A4164CE}"/>
               </a:ext>
             </a:extLst>
           </p:cNvPr>
@@ -8939,8 +9258,8 @@
         </p:blipFill>
         <p:spPr>
           <a:xfrm>
-            <a:off x="1035486" y="1132806"/>
-            <a:ext cx="7053383" cy="5256000"/>
+            <a:off x="1052458" y="1858948"/>
+            <a:ext cx="6810375" cy="3533775"/>
           </a:xfrm>
           <a:prstGeom prst="rect">
             <a:avLst/>
@@ -8950,7 +9269,7 @@
     </p:spTree>
     <p:extLst>
       <p:ext uri="{BB962C8B-B14F-4D97-AF65-F5344CB8AC3E}">
-        <p14:creationId xmlns:p14="http://schemas.microsoft.com/office/powerpoint/2010/main" val="2799322861"/>
+        <p14:creationId xmlns:p14="http://schemas.microsoft.com/office/powerpoint/2010/main" val="2412336071"/>
       </p:ext>
     </p:extLst>
   </p:cSld>
@@ -9123,7 +9442,19 @@
                 <a:latin typeface="Arial"/>
                 <a:cs typeface="Arial"/>
               </a:rPr>
-              <a:t> Desenvolvimento</a:t>
+              <a:t> Desenvolvimento – Chat </a:t>
+            </a:r>
+            <a:r>
+              <a:rPr lang="pt-PT" sz="2000" b="1" dirty="0" err="1">
+                <a:effectLst>
+                  <a:outerShdw blurRad="38100" dist="38100" dir="2700000" algn="tl">
+                    <a:srgbClr val="C0C0C0"/>
+                  </a:outerShdw>
+                </a:effectLst>
+                <a:latin typeface="Arial"/>
+                <a:cs typeface="Arial"/>
+              </a:rPr>
+              <a:t>Room</a:t>
             </a:r>
             <a:endParaRPr lang="pt-PT" sz="2000" b="1" dirty="0">
               <a:effectLst>
@@ -9868,12 +10199,50 @@
           </a:p>
         </p:txBody>
       </p:sp>
+      <p:sp>
+        <p:nvSpPr>
+          <p:cNvPr id="4" name="CaixaDeTexto 3">
+            <a:extLst>
+              <a:ext uri="{FF2B5EF4-FFF2-40B4-BE49-F238E27FC236}">
+                <a16:creationId xmlns:a16="http://schemas.microsoft.com/office/drawing/2014/main" id="{B84E31A3-FD9C-4B81-2CDF-FD7466AAAE82}"/>
+              </a:ext>
+            </a:extLst>
+          </p:cNvPr>
+          <p:cNvSpPr txBox="1"/>
+          <p:nvPr/>
+        </p:nvSpPr>
+        <p:spPr>
+          <a:xfrm>
+            <a:off x="836017" y="1155483"/>
+            <a:ext cx="4843353" cy="646331"/>
+          </a:xfrm>
+          <a:prstGeom prst="rect">
+            <a:avLst/>
+          </a:prstGeom>
+          <a:noFill/>
+        </p:spPr>
+        <p:txBody>
+          <a:bodyPr wrap="square" rtlCol="0">
+            <a:spAutoFit/>
+          </a:bodyPr>
+          <a:lstStyle/>
+          <a:p>
+            <a:r>
+              <a:rPr lang="pt-PT" dirty="0"/>
+              <a:t>Já no cliente.py:</a:t>
+            </a:r>
+          </a:p>
+          <a:p>
+            <a:endParaRPr lang="pt-PT" dirty="0"/>
+          </a:p>
+        </p:txBody>
+      </p:sp>
       <p:pic>
         <p:nvPicPr>
-          <p:cNvPr id="6" name="Imagem 5">
+          <p:cNvPr id="8" name="Imagem 7">
             <a:extLst>
               <a:ext uri="{FF2B5EF4-FFF2-40B4-BE49-F238E27FC236}">
-                <a16:creationId xmlns:a16="http://schemas.microsoft.com/office/drawing/2014/main" id="{3A05DE46-51E5-AC83-B2C9-1984479F028D}"/>
+                <a16:creationId xmlns:a16="http://schemas.microsoft.com/office/drawing/2014/main" id="{6C14F31E-FF97-149F-6373-A927A9709013}"/>
               </a:ext>
             </a:extLst>
           </p:cNvPr>
@@ -9890,8 +10259,8 @@
         </p:blipFill>
         <p:spPr>
           <a:xfrm>
-            <a:off x="2220515" y="1099468"/>
-            <a:ext cx="4431377" cy="5292000"/>
+            <a:off x="1792288" y="1973248"/>
+            <a:ext cx="5495925" cy="3305175"/>
           </a:xfrm>
           <a:prstGeom prst="rect">
             <a:avLst/>
@@ -9901,7 +10270,7 @@
     </p:spTree>
     <p:extLst>
       <p:ext uri="{BB962C8B-B14F-4D97-AF65-F5344CB8AC3E}">
-        <p14:creationId xmlns:p14="http://schemas.microsoft.com/office/powerpoint/2010/main" val="158843099"/>
+        <p14:creationId xmlns:p14="http://schemas.microsoft.com/office/powerpoint/2010/main" val="3036187111"/>
       </p:ext>
     </p:extLst>
   </p:cSld>
@@ -10074,7 +10443,19 @@
                 <a:latin typeface="Arial"/>
                 <a:cs typeface="Arial"/>
               </a:rPr>
-              <a:t> Execução</a:t>
+              <a:t> Desenvolvimento – Chat </a:t>
+            </a:r>
+            <a:r>
+              <a:rPr lang="pt-PT" sz="2000" b="1" dirty="0" err="1">
+                <a:effectLst>
+                  <a:outerShdw blurRad="38100" dist="38100" dir="2700000" algn="tl">
+                    <a:srgbClr val="C0C0C0"/>
+                  </a:outerShdw>
+                </a:effectLst>
+                <a:latin typeface="Arial"/>
+                <a:cs typeface="Arial"/>
+              </a:rPr>
+              <a:t>Room</a:t>
             </a:r>
             <a:endParaRPr lang="pt-PT" sz="2000" b="1" dirty="0">
               <a:effectLst>
@@ -10819,49 +11200,40 @@
           </a:p>
         </p:txBody>
       </p:sp>
-      <p:sp>
-        <p:nvSpPr>
-          <p:cNvPr id="4" name="CaixaDeTexto 3">
+      <p:pic>
+        <p:nvPicPr>
+          <p:cNvPr id="6" name="Imagem 5">
             <a:extLst>
               <a:ext uri="{FF2B5EF4-FFF2-40B4-BE49-F238E27FC236}">
-                <a16:creationId xmlns:a16="http://schemas.microsoft.com/office/drawing/2014/main" id="{AB1B0A7B-4A23-5FA1-4CC1-21C7D83DF8B7}"/>
+                <a16:creationId xmlns:a16="http://schemas.microsoft.com/office/drawing/2014/main" id="{854A6495-609F-670E-24FD-F28CEB234BE1}"/>
               </a:ext>
             </a:extLst>
           </p:cNvPr>
-          <p:cNvSpPr txBox="1"/>
+          <p:cNvPicPr>
+            <a:picLocks noChangeAspect="1"/>
+          </p:cNvPicPr>
           <p:nvPr/>
-        </p:nvSpPr>
+        </p:nvPicPr>
+        <p:blipFill>
+          <a:blip r:embed="rId7"/>
+          <a:stretch>
+            <a:fillRect/>
+          </a:stretch>
+        </p:blipFill>
         <p:spPr>
           <a:xfrm>
-            <a:off x="511104" y="1411246"/>
-            <a:ext cx="6248400" cy="369332"/>
+            <a:off x="1905000" y="1150503"/>
+            <a:ext cx="5035418" cy="5220000"/>
           </a:xfrm>
           <a:prstGeom prst="rect">
             <a:avLst/>
           </a:prstGeom>
-          <a:noFill/>
-        </p:spPr>
-        <p:txBody>
-          <a:bodyPr wrap="square" rtlCol="0">
-            <a:spAutoFit/>
-          </a:bodyPr>
-          <a:lstStyle/>
-          <a:p>
-            <a:pPr marL="285750" indent="-285750">
-              <a:buFont typeface="Arial" panose="020B0604020202020204" pitchFamily="34" charset="0"/>
-              <a:buChar char="•"/>
-            </a:pPr>
-            <a:r>
-              <a:rPr lang="pt-PT" dirty="0"/>
-              <a:t>Iremos agora proceder à execução do programa </a:t>
-            </a:r>
-          </a:p>
-        </p:txBody>
-      </p:sp>
+        </p:spPr>
+      </p:pic>
     </p:spTree>
     <p:extLst>
       <p:ext uri="{BB962C8B-B14F-4D97-AF65-F5344CB8AC3E}">
-        <p14:creationId xmlns:p14="http://schemas.microsoft.com/office/powerpoint/2010/main" val="2542321269"/>
+        <p14:creationId xmlns:p14="http://schemas.microsoft.com/office/powerpoint/2010/main" val="351843233"/>
       </p:ext>
     </p:extLst>
   </p:cSld>
@@ -10890,6 +11262,2993 @@
       </p:grpSpPr>
       <p:sp>
         <p:nvSpPr>
+          <p:cNvPr id="10243" name="Text Box 10"/>
+          <p:cNvSpPr txBox="1">
+            <a:spLocks noChangeArrowheads="1"/>
+          </p:cNvSpPr>
+          <p:nvPr/>
+        </p:nvSpPr>
+        <p:spPr bwMode="auto">
+          <a:xfrm>
+            <a:off x="8288338" y="6296025"/>
+            <a:ext cx="827087" cy="366713"/>
+          </a:xfrm>
+          <a:prstGeom prst="rect">
+            <a:avLst/>
+          </a:prstGeom>
+          <a:noFill/>
+          <a:ln w="9525">
+            <a:noFill/>
+            <a:miter lim="800000"/>
+            <a:headEnd/>
+            <a:tailEnd/>
+          </a:ln>
+        </p:spPr>
+        <p:txBody>
+          <a:bodyPr>
+            <a:spAutoFit/>
+          </a:bodyPr>
+          <a:lstStyle/>
+          <a:p>
+            <a:pPr>
+              <a:spcBef>
+                <a:spcPct val="50000"/>
+              </a:spcBef>
+            </a:pPr>
+            <a:endParaRPr lang="pt-PT"/>
+          </a:p>
+        </p:txBody>
+      </p:sp>
+      <p:sp>
+        <p:nvSpPr>
+          <p:cNvPr id="10244" name="Rectangle 11"/>
+          <p:cNvSpPr>
+            <a:spLocks noChangeArrowheads="1"/>
+          </p:cNvSpPr>
+          <p:nvPr/>
+        </p:nvSpPr>
+        <p:spPr bwMode="auto">
+          <a:xfrm>
+            <a:off x="8327571" y="6496091"/>
+            <a:ext cx="936625" cy="260350"/>
+          </a:xfrm>
+          <a:prstGeom prst="rect">
+            <a:avLst/>
+          </a:prstGeom>
+          <a:noFill/>
+          <a:ln w="9525">
+            <a:noFill/>
+            <a:miter lim="800000"/>
+            <a:headEnd/>
+            <a:tailEnd/>
+          </a:ln>
+        </p:spPr>
+        <p:txBody>
+          <a:bodyPr anchor="ctr"/>
+          <a:lstStyle/>
+          <a:p>
+            <a:pPr algn="ctr"/>
+            <a:r>
+              <a:rPr lang="pt-PT" sz="1000" dirty="0"/>
+              <a:t>- </a:t>
+            </a:r>
+            <a:fld id="{1234D2FF-8FB9-47A1-B8C9-42A5F500BA2F}" type="slidenum">
+              <a:rPr lang="pt-PT" sz="1000"/>
+              <a:pPr algn="ctr"/>
+              <a:t>15</a:t>
+            </a:fld>
+            <a:r>
+              <a:rPr lang="pt-PT" sz="1000" dirty="0"/>
+              <a:t> -</a:t>
+            </a:r>
+          </a:p>
+        </p:txBody>
+      </p:sp>
+      <p:sp>
+        <p:nvSpPr>
+          <p:cNvPr id="9229" name="Text Box 13"/>
+          <p:cNvSpPr txBox="1">
+            <a:spLocks noChangeArrowheads="1"/>
+          </p:cNvSpPr>
+          <p:nvPr/>
+        </p:nvSpPr>
+        <p:spPr bwMode="auto">
+          <a:xfrm>
+            <a:off x="250825" y="546149"/>
+            <a:ext cx="6981825" cy="400050"/>
+          </a:xfrm>
+          <a:prstGeom prst="rect">
+            <a:avLst/>
+          </a:prstGeom>
+          <a:noFill/>
+          <a:ln w="9525">
+            <a:noFill/>
+            <a:miter lim="800000"/>
+            <a:headEnd/>
+            <a:tailEnd/>
+          </a:ln>
+          <a:effectLst/>
+        </p:spPr>
+        <p:txBody>
+          <a:bodyPr>
+            <a:spAutoFit/>
+          </a:bodyPr>
+          <a:lstStyle/>
+          <a:p>
+            <a:pPr>
+              <a:spcBef>
+                <a:spcPct val="50000"/>
+              </a:spcBef>
+              <a:defRPr/>
+            </a:pPr>
+            <a:r>
+              <a:rPr lang="pt-PT" sz="2000" b="1" dirty="0">
+                <a:solidFill>
+                  <a:srgbClr val="C00000"/>
+                </a:solidFill>
+                <a:effectLst>
+                  <a:outerShdw blurRad="38100" dist="38100" dir="2700000" algn="tl">
+                    <a:srgbClr val="C0C0C0"/>
+                  </a:outerShdw>
+                </a:effectLst>
+                <a:latin typeface="Arial"/>
+                <a:cs typeface="Arial"/>
+              </a:rPr>
+              <a:t>■</a:t>
+            </a:r>
+            <a:r>
+              <a:rPr lang="pt-PT" sz="2000" b="1" dirty="0">
+                <a:effectLst>
+                  <a:outerShdw blurRad="38100" dist="38100" dir="2700000" algn="tl">
+                    <a:srgbClr val="C0C0C0"/>
+                  </a:outerShdw>
+                </a:effectLst>
+                <a:latin typeface="Arial"/>
+                <a:cs typeface="Arial"/>
+              </a:rPr>
+              <a:t> Desenvolvimento – Chat </a:t>
+            </a:r>
+            <a:r>
+              <a:rPr lang="pt-PT" sz="2000" b="1" dirty="0" err="1">
+                <a:effectLst>
+                  <a:outerShdw blurRad="38100" dist="38100" dir="2700000" algn="tl">
+                    <a:srgbClr val="C0C0C0"/>
+                  </a:outerShdw>
+                </a:effectLst>
+                <a:latin typeface="Arial"/>
+                <a:cs typeface="Arial"/>
+              </a:rPr>
+              <a:t>Room</a:t>
+            </a:r>
+            <a:endParaRPr lang="pt-PT" sz="2000" b="1" dirty="0">
+              <a:effectLst>
+                <a:outerShdw blurRad="38100" dist="38100" dir="2700000" algn="tl">
+                  <a:srgbClr val="C0C0C0"/>
+                </a:outerShdw>
+              </a:effectLst>
+              <a:latin typeface="Arial" charset="0"/>
+            </a:endParaRPr>
+          </a:p>
+        </p:txBody>
+      </p:sp>
+      <p:sp>
+        <p:nvSpPr>
+          <p:cNvPr id="10247" name="Line 15"/>
+          <p:cNvSpPr>
+            <a:spLocks noChangeShapeType="1"/>
+          </p:cNvSpPr>
+          <p:nvPr/>
+        </p:nvSpPr>
+        <p:spPr bwMode="auto">
+          <a:xfrm>
+            <a:off x="250825" y="0"/>
+            <a:ext cx="0" cy="765175"/>
+          </a:xfrm>
+          <a:prstGeom prst="line">
+            <a:avLst/>
+          </a:prstGeom>
+          <a:noFill/>
+          <a:ln w="25400">
+            <a:solidFill>
+              <a:schemeClr val="tx1"/>
+            </a:solidFill>
+            <a:round/>
+            <a:headEnd/>
+            <a:tailEnd/>
+          </a:ln>
+        </p:spPr>
+        <p:txBody>
+          <a:bodyPr/>
+          <a:lstStyle/>
+          <a:p>
+            <a:endParaRPr lang="pt-PT"/>
+          </a:p>
+        </p:txBody>
+      </p:sp>
+      <p:sp>
+        <p:nvSpPr>
+          <p:cNvPr id="9237" name="Text Box 21"/>
+          <p:cNvSpPr txBox="1">
+            <a:spLocks noChangeArrowheads="1"/>
+          </p:cNvSpPr>
+          <p:nvPr/>
+        </p:nvSpPr>
+        <p:spPr bwMode="auto">
+          <a:xfrm>
+            <a:off x="381001" y="44450"/>
+            <a:ext cx="6138752" cy="276999"/>
+          </a:xfrm>
+          <a:prstGeom prst="rect">
+            <a:avLst/>
+          </a:prstGeom>
+          <a:noFill/>
+          <a:ln w="9525">
+            <a:noFill/>
+            <a:miter lim="800000"/>
+            <a:headEnd/>
+            <a:tailEnd/>
+          </a:ln>
+          <a:effectLst/>
+        </p:spPr>
+        <p:txBody>
+          <a:bodyPr wrap="square">
+            <a:spAutoFit/>
+          </a:bodyPr>
+          <a:lstStyle/>
+          <a:p>
+            <a:pPr>
+              <a:spcBef>
+                <a:spcPct val="50000"/>
+              </a:spcBef>
+              <a:defRPr/>
+            </a:pPr>
+            <a:r>
+              <a:rPr lang="pt-PT" sz="1200" b="1" dirty="0">
+                <a:solidFill>
+                  <a:srgbClr val="FF3300"/>
+                </a:solidFill>
+                <a:effectLst>
+                  <a:outerShdw blurRad="38100" dist="38100" dir="2700000" algn="tl">
+                    <a:srgbClr val="C0C0C0"/>
+                  </a:outerShdw>
+                </a:effectLst>
+                <a:latin typeface="Arial" charset="0"/>
+              </a:rPr>
+              <a:t>INTEGRAÇÃO DE SISTEMAS – TRABALHO PRÁTICO Nº1</a:t>
+            </a:r>
+          </a:p>
+        </p:txBody>
+      </p:sp>
+      <p:sp>
+        <p:nvSpPr>
+          <p:cNvPr id="19" name="Marcador de Posição de Conteúdo 2"/>
+          <p:cNvSpPr txBox="1">
+            <a:spLocks/>
+          </p:cNvSpPr>
+          <p:nvPr/>
+        </p:nvSpPr>
+        <p:spPr>
+          <a:xfrm>
+            <a:off x="457200" y="1156956"/>
+            <a:ext cx="8229600" cy="4937760"/>
+          </a:xfrm>
+          <a:prstGeom prst="rect">
+            <a:avLst/>
+          </a:prstGeom>
+        </p:spPr>
+        <p:txBody>
+          <a:bodyPr vert="horz" lIns="91440" tIns="45720" rIns="91440" bIns="45720" rtlCol="0">
+            <a:normAutofit/>
+          </a:bodyPr>
+          <a:lstStyle/>
+          <a:p>
+            <a:pPr lvl="0">
+              <a:lnSpc>
+                <a:spcPct val="200000"/>
+              </a:lnSpc>
+              <a:spcBef>
+                <a:spcPct val="20000"/>
+              </a:spcBef>
+            </a:pPr>
+            <a:endParaRPr lang="pt-PT" sz="2000" dirty="0">
+              <a:latin typeface="Arial" pitchFamily="34" charset="0"/>
+              <a:cs typeface="Arial" pitchFamily="34" charset="0"/>
+            </a:endParaRPr>
+          </a:p>
+          <a:p>
+            <a:pPr marL="342900" lvl="0" indent="-342900">
+              <a:lnSpc>
+                <a:spcPct val="200000"/>
+              </a:lnSpc>
+              <a:spcBef>
+                <a:spcPct val="20000"/>
+              </a:spcBef>
+              <a:buFont typeface="Arial" panose="020B0604020202020204" pitchFamily="34" charset="0"/>
+              <a:buChar char="•"/>
+            </a:pPr>
+            <a:endParaRPr kumimoji="0" lang="pt-PT" sz="2000" b="0" i="0" u="none" strike="noStrike" kern="1200" cap="none" spc="0" normalizeH="0" baseline="0" noProof="0" dirty="0">
+              <a:ln>
+                <a:noFill/>
+              </a:ln>
+              <a:effectLst/>
+              <a:uLnTx/>
+              <a:uFillTx/>
+              <a:latin typeface="Arial" pitchFamily="34" charset="0"/>
+              <a:cs typeface="Arial" pitchFamily="34" charset="0"/>
+            </a:endParaRPr>
+          </a:p>
+          <a:p>
+            <a:pPr marL="457200" marR="0" lvl="1" indent="0" defTabSz="914400" rtl="0" eaLnBrk="1" fontAlgn="auto" latinLnBrk="0" hangingPunct="1">
+              <a:lnSpc>
+                <a:spcPct val="200000"/>
+              </a:lnSpc>
+              <a:spcBef>
+                <a:spcPct val="20000"/>
+              </a:spcBef>
+              <a:spcAft>
+                <a:spcPts val="0"/>
+              </a:spcAft>
+              <a:buClrTx/>
+              <a:buSzTx/>
+              <a:buFont typeface="Arial" pitchFamily="34" charset="0"/>
+              <a:buNone/>
+              <a:tabLst/>
+              <a:defRPr/>
+            </a:pPr>
+            <a:endParaRPr kumimoji="0" lang="pt-PT" sz="2000" b="0" i="0" u="none" strike="noStrike" kern="1200" cap="none" spc="0" normalizeH="0" baseline="0" noProof="0" dirty="0">
+              <a:ln>
+                <a:noFill/>
+              </a:ln>
+              <a:effectLst/>
+              <a:uLnTx/>
+              <a:uFillTx/>
+              <a:latin typeface="Arial" pitchFamily="34" charset="0"/>
+              <a:cs typeface="Arial" pitchFamily="34" charset="0"/>
+            </a:endParaRPr>
+          </a:p>
+          <a:p>
+            <a:pPr marL="457200" marR="0" lvl="1" indent="0" defTabSz="914400" rtl="0" eaLnBrk="1" fontAlgn="auto" latinLnBrk="0" hangingPunct="1">
+              <a:lnSpc>
+                <a:spcPct val="200000"/>
+              </a:lnSpc>
+              <a:spcBef>
+                <a:spcPct val="20000"/>
+              </a:spcBef>
+              <a:spcAft>
+                <a:spcPts val="0"/>
+              </a:spcAft>
+              <a:buClrTx/>
+              <a:buSzTx/>
+              <a:buFont typeface="Arial" pitchFamily="34" charset="0"/>
+              <a:buNone/>
+              <a:tabLst/>
+              <a:defRPr/>
+            </a:pPr>
+            <a:endParaRPr kumimoji="0" lang="pt-PT" sz="2000" b="0" i="0" u="none" strike="noStrike" kern="1200" cap="none" spc="0" normalizeH="0" baseline="0" noProof="0" dirty="0">
+              <a:ln>
+                <a:noFill/>
+              </a:ln>
+              <a:effectLst/>
+              <a:uLnTx/>
+              <a:uFillTx/>
+              <a:latin typeface="Arial" pitchFamily="34" charset="0"/>
+              <a:cs typeface="Arial" pitchFamily="34" charset="0"/>
+            </a:endParaRPr>
+          </a:p>
+          <a:p>
+            <a:pPr marL="0" marR="0" lvl="0" indent="0" defTabSz="914400" rtl="0" eaLnBrk="1" fontAlgn="auto" latinLnBrk="0" hangingPunct="1">
+              <a:lnSpc>
+                <a:spcPct val="200000"/>
+              </a:lnSpc>
+              <a:spcBef>
+                <a:spcPct val="20000"/>
+              </a:spcBef>
+              <a:spcAft>
+                <a:spcPts val="0"/>
+              </a:spcAft>
+              <a:buClrTx/>
+              <a:buSzTx/>
+              <a:buFont typeface="Arial" pitchFamily="34" charset="0"/>
+              <a:buNone/>
+              <a:tabLst/>
+              <a:defRPr/>
+            </a:pPr>
+            <a:endParaRPr kumimoji="0" lang="pt-PT" sz="2000" b="0" i="0" u="none" strike="noStrike" kern="1200" cap="none" spc="0" normalizeH="0" baseline="0" noProof="0" dirty="0">
+              <a:ln>
+                <a:noFill/>
+              </a:ln>
+              <a:effectLst/>
+              <a:uLnTx/>
+              <a:uFillTx/>
+              <a:latin typeface="Arial" pitchFamily="34" charset="0"/>
+              <a:cs typeface="Arial" pitchFamily="34" charset="0"/>
+            </a:endParaRPr>
+          </a:p>
+          <a:p>
+            <a:pPr marL="0" marR="0" lvl="0" indent="0" defTabSz="914400" rtl="0" eaLnBrk="1" fontAlgn="auto" latinLnBrk="0" hangingPunct="1">
+              <a:lnSpc>
+                <a:spcPct val="200000"/>
+              </a:lnSpc>
+              <a:spcBef>
+                <a:spcPct val="20000"/>
+              </a:spcBef>
+              <a:spcAft>
+                <a:spcPts val="0"/>
+              </a:spcAft>
+              <a:buClrTx/>
+              <a:buSzTx/>
+              <a:buFont typeface="Arial" pitchFamily="34" charset="0"/>
+              <a:buNone/>
+              <a:tabLst/>
+              <a:defRPr/>
+            </a:pPr>
+            <a:endParaRPr kumimoji="0" lang="pt-PT" sz="2000" b="0" i="0" u="none" strike="noStrike" kern="1200" cap="none" spc="0" normalizeH="0" baseline="0" noProof="0" dirty="0">
+              <a:ln>
+                <a:noFill/>
+              </a:ln>
+              <a:effectLst/>
+              <a:uLnTx/>
+              <a:uFillTx/>
+              <a:latin typeface="Arial" pitchFamily="34" charset="0"/>
+              <a:cs typeface="Arial" pitchFamily="34" charset="0"/>
+            </a:endParaRPr>
+          </a:p>
+          <a:p>
+            <a:pPr marL="0" marR="0" lvl="0" indent="0" defTabSz="914400" rtl="0" eaLnBrk="1" fontAlgn="auto" latinLnBrk="0" hangingPunct="1">
+              <a:lnSpc>
+                <a:spcPct val="200000"/>
+              </a:lnSpc>
+              <a:spcBef>
+                <a:spcPct val="20000"/>
+              </a:spcBef>
+              <a:spcAft>
+                <a:spcPts val="0"/>
+              </a:spcAft>
+              <a:buClrTx/>
+              <a:buSzTx/>
+              <a:buFont typeface="Arial" pitchFamily="34" charset="0"/>
+              <a:buNone/>
+              <a:tabLst/>
+              <a:defRPr/>
+            </a:pPr>
+            <a:endParaRPr kumimoji="0" lang="pt-PT" sz="2000" b="0" i="0" u="none" strike="noStrike" kern="1200" cap="none" spc="0" normalizeH="0" baseline="0" noProof="0" dirty="0">
+              <a:ln>
+                <a:noFill/>
+              </a:ln>
+              <a:effectLst/>
+              <a:uLnTx/>
+              <a:uFillTx/>
+              <a:latin typeface="Arial" pitchFamily="34" charset="0"/>
+              <a:cs typeface="Arial" pitchFamily="34" charset="0"/>
+            </a:endParaRPr>
+          </a:p>
+        </p:txBody>
+      </p:sp>
+      <p:pic>
+        <p:nvPicPr>
+          <p:cNvPr id="7" name="Imagem 6">
+            <a:extLst>
+              <a:ext uri="{FF2B5EF4-FFF2-40B4-BE49-F238E27FC236}">
+                <a16:creationId xmlns:a16="http://schemas.microsoft.com/office/drawing/2014/main" id="{54D42837-E70D-4C64-A8A7-E7F751502B92}"/>
+              </a:ext>
+            </a:extLst>
+          </p:cNvPr>
+          <p:cNvPicPr>
+            <a:picLocks noChangeAspect="1"/>
+          </p:cNvPicPr>
+          <p:nvPr/>
+        </p:nvPicPr>
+        <p:blipFill>
+          <a:blip r:embed="rId3"/>
+          <a:stretch>
+            <a:fillRect/>
+          </a:stretch>
+        </p:blipFill>
+        <p:spPr>
+          <a:xfrm>
+            <a:off x="101225" y="904241"/>
+            <a:ext cx="9014192" cy="266482"/>
+          </a:xfrm>
+          <a:prstGeom prst="rect">
+            <a:avLst/>
+          </a:prstGeom>
+        </p:spPr>
+      </p:pic>
+      <p:pic>
+        <p:nvPicPr>
+          <p:cNvPr id="9" name="Imagem 8">
+            <a:extLst>
+              <a:ext uri="{FF2B5EF4-FFF2-40B4-BE49-F238E27FC236}">
+                <a16:creationId xmlns:a16="http://schemas.microsoft.com/office/drawing/2014/main" id="{81982921-1900-46B5-BE82-07BECCD63918}"/>
+              </a:ext>
+            </a:extLst>
+          </p:cNvPr>
+          <p:cNvPicPr>
+            <a:picLocks noChangeAspect="1"/>
+          </p:cNvPicPr>
+          <p:nvPr/>
+        </p:nvPicPr>
+        <p:blipFill>
+          <a:blip r:embed="rId4"/>
+          <a:stretch>
+            <a:fillRect/>
+          </a:stretch>
+        </p:blipFill>
+        <p:spPr>
+          <a:xfrm>
+            <a:off x="0" y="6320212"/>
+            <a:ext cx="9144000" cy="253252"/>
+          </a:xfrm>
+          <a:prstGeom prst="rect">
+            <a:avLst/>
+          </a:prstGeom>
+        </p:spPr>
+      </p:pic>
+      <p:pic>
+        <p:nvPicPr>
+          <p:cNvPr id="13" name="Imagem 12">
+            <a:extLst>
+              <a:ext uri="{FF2B5EF4-FFF2-40B4-BE49-F238E27FC236}">
+                <a16:creationId xmlns:a16="http://schemas.microsoft.com/office/drawing/2014/main" id="{BE263CB9-5E3B-4385-9450-974CDF0F6C7D}"/>
+              </a:ext>
+            </a:extLst>
+          </p:cNvPr>
+          <p:cNvPicPr>
+            <a:picLocks noChangeAspect="1"/>
+          </p:cNvPicPr>
+          <p:nvPr/>
+        </p:nvPicPr>
+        <p:blipFill>
+          <a:blip r:embed="rId5" cstate="print">
+            <a:extLst>
+              <a:ext uri="{28A0092B-C50C-407E-A947-70E740481C1C}">
+                <a14:useLocalDpi xmlns:a14="http://schemas.microsoft.com/office/drawing/2010/main" val="0"/>
+              </a:ext>
+            </a:extLst>
+          </a:blip>
+          <a:stretch>
+            <a:fillRect/>
+          </a:stretch>
+        </p:blipFill>
+        <p:spPr>
+          <a:xfrm>
+            <a:off x="238125" y="6488336"/>
+            <a:ext cx="545959" cy="199802"/>
+          </a:xfrm>
+          <a:prstGeom prst="rect">
+            <a:avLst/>
+          </a:prstGeom>
+        </p:spPr>
+      </p:pic>
+      <p:sp>
+        <p:nvSpPr>
+          <p:cNvPr id="3" name="Rectângulo 19">
+            <a:extLst>
+              <a:ext uri="{FF2B5EF4-FFF2-40B4-BE49-F238E27FC236}">
+                <a16:creationId xmlns:a16="http://schemas.microsoft.com/office/drawing/2014/main" id="{850208AF-C5A5-C009-177D-8C27BB5DCC8B}"/>
+              </a:ext>
+            </a:extLst>
+          </p:cNvPr>
+          <p:cNvSpPr/>
+          <p:nvPr/>
+        </p:nvSpPr>
+        <p:spPr>
+          <a:xfrm>
+            <a:off x="5535613" y="553019"/>
+            <a:ext cx="3505200" cy="261610"/>
+          </a:xfrm>
+          <a:prstGeom prst="rect">
+            <a:avLst/>
+          </a:prstGeom>
+        </p:spPr>
+        <p:txBody>
+          <a:bodyPr wrap="square">
+            <a:spAutoFit/>
+          </a:bodyPr>
+          <a:lstStyle/>
+          <a:p>
+            <a:pPr algn="r"/>
+            <a:r>
+              <a:rPr lang="pt-PT" sz="1100" b="1" cap="all" dirty="0" err="1">
+                <a:highlight>
+                  <a:srgbClr val="FFFF00"/>
+                </a:highlight>
+              </a:rPr>
+              <a:t>Degree</a:t>
+            </a:r>
+            <a:r>
+              <a:rPr lang="pt-PT" sz="1100" b="1" cap="all" dirty="0">
+                <a:highlight>
+                  <a:srgbClr val="FFFF00"/>
+                </a:highlight>
+              </a:rPr>
+              <a:t> IN </a:t>
+            </a:r>
+            <a:r>
+              <a:rPr lang="pt-PT" sz="1100" b="1" cap="all" dirty="0" err="1">
+                <a:highlight>
+                  <a:srgbClr val="FFFF00"/>
+                </a:highlight>
+              </a:rPr>
+              <a:t>Informatics</a:t>
+            </a:r>
+            <a:r>
+              <a:rPr lang="pt-PT" sz="1100" b="1" cap="all" dirty="0">
+                <a:highlight>
+                  <a:srgbClr val="FFFF00"/>
+                </a:highlight>
+              </a:rPr>
+              <a:t> </a:t>
+            </a:r>
+            <a:r>
+              <a:rPr lang="pt-PT" sz="1100" b="1" cap="all" dirty="0" err="1">
+                <a:highlight>
+                  <a:srgbClr val="FFFF00"/>
+                </a:highlight>
+              </a:rPr>
+              <a:t>engineering</a:t>
+            </a:r>
+            <a:endParaRPr lang="pt-PT" sz="1100" dirty="0">
+              <a:highlight>
+                <a:srgbClr val="FFFF00"/>
+              </a:highlight>
+            </a:endParaRPr>
+          </a:p>
+        </p:txBody>
+      </p:sp>
+      <p:pic>
+        <p:nvPicPr>
+          <p:cNvPr id="5" name="Imagem 4">
+            <a:extLst>
+              <a:ext uri="{FF2B5EF4-FFF2-40B4-BE49-F238E27FC236}">
+                <a16:creationId xmlns:a16="http://schemas.microsoft.com/office/drawing/2014/main" id="{4B69841B-4743-42E9-837A-73B87FC5C8CF}"/>
+              </a:ext>
+            </a:extLst>
+          </p:cNvPr>
+          <p:cNvPicPr>
+            <a:picLocks noChangeAspect="1"/>
+          </p:cNvPicPr>
+          <p:nvPr/>
+        </p:nvPicPr>
+        <p:blipFill>
+          <a:blip r:embed="rId6" cstate="print">
+            <a:extLst>
+              <a:ext uri="{28A0092B-C50C-407E-A947-70E740481C1C}">
+                <a14:useLocalDpi xmlns:a14="http://schemas.microsoft.com/office/drawing/2010/main" val="0"/>
+              </a:ext>
+            </a:extLst>
+          </a:blip>
+          <a:stretch>
+            <a:fillRect/>
+          </a:stretch>
+        </p:blipFill>
+        <p:spPr>
+          <a:xfrm>
+            <a:off x="6575316" y="9186"/>
+            <a:ext cx="2575034" cy="639880"/>
+          </a:xfrm>
+          <a:prstGeom prst="rect">
+            <a:avLst/>
+          </a:prstGeom>
+        </p:spPr>
+      </p:pic>
+      <p:sp>
+        <p:nvSpPr>
+          <p:cNvPr id="2" name="Subtítulo 2">
+            <a:extLst>
+              <a:ext uri="{FF2B5EF4-FFF2-40B4-BE49-F238E27FC236}">
+                <a16:creationId xmlns:a16="http://schemas.microsoft.com/office/drawing/2014/main" id="{50369DE4-0D6E-7A10-AF37-333F300DD770}"/>
+              </a:ext>
+            </a:extLst>
+          </p:cNvPr>
+          <p:cNvSpPr txBox="1">
+            <a:spLocks/>
+          </p:cNvSpPr>
+          <p:nvPr/>
+        </p:nvSpPr>
+        <p:spPr>
+          <a:xfrm>
+            <a:off x="836017" y="6524516"/>
+            <a:ext cx="7698382" cy="162409"/>
+          </a:xfrm>
+          <a:prstGeom prst="rect">
+            <a:avLst/>
+          </a:prstGeom>
+        </p:spPr>
+        <p:txBody>
+          <a:bodyPr vert="horz" lIns="68580" tIns="34290" rIns="68580" bIns="34290" rtlCol="0">
+            <a:normAutofit fontScale="92500" lnSpcReduction="20000"/>
+          </a:bodyPr>
+          <a:lstStyle>
+            <a:lvl1pPr marL="0" indent="0" algn="ctr" defTabSz="914400" rtl="0" eaLnBrk="1" latinLnBrk="0" hangingPunct="1">
+              <a:lnSpc>
+                <a:spcPct val="90000"/>
+              </a:lnSpc>
+              <a:spcBef>
+                <a:spcPts val="1000"/>
+              </a:spcBef>
+              <a:buFont typeface="Arial" panose="020B0604020202020204" pitchFamily="34" charset="0"/>
+              <a:buNone/>
+              <a:defRPr sz="2400" kern="1200">
+                <a:solidFill>
+                  <a:schemeClr val="tx1"/>
+                </a:solidFill>
+                <a:latin typeface="+mn-lt"/>
+                <a:ea typeface="+mn-ea"/>
+                <a:cs typeface="+mn-cs"/>
+              </a:defRPr>
+            </a:lvl1pPr>
+            <a:lvl2pPr marL="457200" indent="0" algn="ctr" defTabSz="914400" rtl="0" eaLnBrk="1" latinLnBrk="0" hangingPunct="1">
+              <a:lnSpc>
+                <a:spcPct val="90000"/>
+              </a:lnSpc>
+              <a:spcBef>
+                <a:spcPts val="500"/>
+              </a:spcBef>
+              <a:buFont typeface="Arial" panose="020B0604020202020204" pitchFamily="34" charset="0"/>
+              <a:buNone/>
+              <a:defRPr sz="2000" kern="1200">
+                <a:solidFill>
+                  <a:schemeClr val="tx1"/>
+                </a:solidFill>
+                <a:latin typeface="+mn-lt"/>
+                <a:ea typeface="+mn-ea"/>
+                <a:cs typeface="+mn-cs"/>
+              </a:defRPr>
+            </a:lvl2pPr>
+            <a:lvl3pPr marL="914400" indent="0" algn="ctr" defTabSz="914400" rtl="0" eaLnBrk="1" latinLnBrk="0" hangingPunct="1">
+              <a:lnSpc>
+                <a:spcPct val="90000"/>
+              </a:lnSpc>
+              <a:spcBef>
+                <a:spcPts val="500"/>
+              </a:spcBef>
+              <a:buFont typeface="Arial" panose="020B0604020202020204" pitchFamily="34" charset="0"/>
+              <a:buNone/>
+              <a:defRPr sz="1800" kern="1200">
+                <a:solidFill>
+                  <a:schemeClr val="tx1"/>
+                </a:solidFill>
+                <a:latin typeface="+mn-lt"/>
+                <a:ea typeface="+mn-ea"/>
+                <a:cs typeface="+mn-cs"/>
+              </a:defRPr>
+            </a:lvl3pPr>
+            <a:lvl4pPr marL="1371600" indent="0" algn="ctr" defTabSz="914400" rtl="0" eaLnBrk="1" latinLnBrk="0" hangingPunct="1">
+              <a:lnSpc>
+                <a:spcPct val="90000"/>
+              </a:lnSpc>
+              <a:spcBef>
+                <a:spcPts val="500"/>
+              </a:spcBef>
+              <a:buFont typeface="Arial" panose="020B0604020202020204" pitchFamily="34" charset="0"/>
+              <a:buNone/>
+              <a:defRPr sz="1600" kern="1200">
+                <a:solidFill>
+                  <a:schemeClr val="tx1"/>
+                </a:solidFill>
+                <a:latin typeface="+mn-lt"/>
+                <a:ea typeface="+mn-ea"/>
+                <a:cs typeface="+mn-cs"/>
+              </a:defRPr>
+            </a:lvl4pPr>
+            <a:lvl5pPr marL="1828800" indent="0" algn="ctr" defTabSz="914400" rtl="0" eaLnBrk="1" latinLnBrk="0" hangingPunct="1">
+              <a:lnSpc>
+                <a:spcPct val="90000"/>
+              </a:lnSpc>
+              <a:spcBef>
+                <a:spcPts val="500"/>
+              </a:spcBef>
+              <a:buFont typeface="Arial" panose="020B0604020202020204" pitchFamily="34" charset="0"/>
+              <a:buNone/>
+              <a:defRPr sz="1600" kern="1200">
+                <a:solidFill>
+                  <a:schemeClr val="tx1"/>
+                </a:solidFill>
+                <a:latin typeface="+mn-lt"/>
+                <a:ea typeface="+mn-ea"/>
+                <a:cs typeface="+mn-cs"/>
+              </a:defRPr>
+            </a:lvl5pPr>
+            <a:lvl6pPr marL="2286000" indent="0" algn="ctr" defTabSz="914400" rtl="0" eaLnBrk="1" latinLnBrk="0" hangingPunct="1">
+              <a:lnSpc>
+                <a:spcPct val="90000"/>
+              </a:lnSpc>
+              <a:spcBef>
+                <a:spcPts val="500"/>
+              </a:spcBef>
+              <a:buFont typeface="Arial" panose="020B0604020202020204" pitchFamily="34" charset="0"/>
+              <a:buNone/>
+              <a:defRPr sz="1600" kern="1200">
+                <a:solidFill>
+                  <a:schemeClr val="tx1"/>
+                </a:solidFill>
+                <a:latin typeface="+mn-lt"/>
+                <a:ea typeface="+mn-ea"/>
+                <a:cs typeface="+mn-cs"/>
+              </a:defRPr>
+            </a:lvl6pPr>
+            <a:lvl7pPr marL="2743200" indent="0" algn="ctr" defTabSz="914400" rtl="0" eaLnBrk="1" latinLnBrk="0" hangingPunct="1">
+              <a:lnSpc>
+                <a:spcPct val="90000"/>
+              </a:lnSpc>
+              <a:spcBef>
+                <a:spcPts val="500"/>
+              </a:spcBef>
+              <a:buFont typeface="Arial" panose="020B0604020202020204" pitchFamily="34" charset="0"/>
+              <a:buNone/>
+              <a:defRPr sz="1600" kern="1200">
+                <a:solidFill>
+                  <a:schemeClr val="tx1"/>
+                </a:solidFill>
+                <a:latin typeface="+mn-lt"/>
+                <a:ea typeface="+mn-ea"/>
+                <a:cs typeface="+mn-cs"/>
+              </a:defRPr>
+            </a:lvl7pPr>
+            <a:lvl8pPr marL="3200400" indent="0" algn="ctr" defTabSz="914400" rtl="0" eaLnBrk="1" latinLnBrk="0" hangingPunct="1">
+              <a:lnSpc>
+                <a:spcPct val="90000"/>
+              </a:lnSpc>
+              <a:spcBef>
+                <a:spcPts val="500"/>
+              </a:spcBef>
+              <a:buFont typeface="Arial" panose="020B0604020202020204" pitchFamily="34" charset="0"/>
+              <a:buNone/>
+              <a:defRPr sz="1600" kern="1200">
+                <a:solidFill>
+                  <a:schemeClr val="tx1"/>
+                </a:solidFill>
+                <a:latin typeface="+mn-lt"/>
+                <a:ea typeface="+mn-ea"/>
+                <a:cs typeface="+mn-cs"/>
+              </a:defRPr>
+            </a:lvl8pPr>
+            <a:lvl9pPr marL="3657600" indent="0" algn="ctr" defTabSz="914400" rtl="0" eaLnBrk="1" latinLnBrk="0" hangingPunct="1">
+              <a:lnSpc>
+                <a:spcPct val="90000"/>
+              </a:lnSpc>
+              <a:spcBef>
+                <a:spcPts val="500"/>
+              </a:spcBef>
+              <a:buFont typeface="Arial" panose="020B0604020202020204" pitchFamily="34" charset="0"/>
+              <a:buNone/>
+              <a:defRPr sz="1600" kern="1200">
+                <a:solidFill>
+                  <a:schemeClr val="tx1"/>
+                </a:solidFill>
+                <a:latin typeface="+mn-lt"/>
+                <a:ea typeface="+mn-ea"/>
+                <a:cs typeface="+mn-cs"/>
+              </a:defRPr>
+            </a:lvl9pPr>
+          </a:lstStyle>
+          <a:p>
+            <a:pPr algn="l"/>
+            <a:r>
+              <a:rPr lang="pt-PT" sz="900" dirty="0">
+                <a:latin typeface="Arial" charset="0"/>
+                <a:ea typeface="Arial" charset="0"/>
+                <a:cs typeface="Arial" charset="0"/>
+              </a:rPr>
+              <a:t>@Rafael André | </a:t>
+            </a:r>
+            <a:r>
+              <a:rPr lang="pt-PT" sz="900" b="1" dirty="0">
+                <a:solidFill>
+                  <a:srgbClr val="C00000"/>
+                </a:solidFill>
+                <a:latin typeface="Arial" charset="0"/>
+                <a:ea typeface="Arial" charset="0"/>
+                <a:cs typeface="Arial" charset="0"/>
+              </a:rPr>
+              <a:t>Unidade Curricular: INTEGRAÇÃO DE SISTEMAS </a:t>
+            </a:r>
+            <a:r>
+              <a:rPr lang="pt-PT" sz="900" dirty="0">
+                <a:latin typeface="Arial" charset="0"/>
+                <a:ea typeface="Arial" charset="0"/>
+                <a:cs typeface="Arial" charset="0"/>
+              </a:rPr>
+              <a:t>– Ano Letivo 2023/2024 – </a:t>
+            </a:r>
+            <a:r>
+              <a:rPr lang="pt-PT" sz="900" b="1" dirty="0">
+                <a:latin typeface="Arial" charset="0"/>
+                <a:ea typeface="Arial" charset="0"/>
+                <a:cs typeface="Arial" charset="0"/>
+              </a:rPr>
+              <a:t>Trabalho Prático 1</a:t>
+            </a:r>
+          </a:p>
+        </p:txBody>
+      </p:sp>
+      <p:pic>
+        <p:nvPicPr>
+          <p:cNvPr id="6" name="Imagem 5">
+            <a:extLst>
+              <a:ext uri="{FF2B5EF4-FFF2-40B4-BE49-F238E27FC236}">
+                <a16:creationId xmlns:a16="http://schemas.microsoft.com/office/drawing/2014/main" id="{AC7D9BC8-93B4-70EB-CBD7-FCF8CD5C9718}"/>
+              </a:ext>
+            </a:extLst>
+          </p:cNvPr>
+          <p:cNvPicPr>
+            <a:picLocks noChangeAspect="1"/>
+          </p:cNvPicPr>
+          <p:nvPr/>
+        </p:nvPicPr>
+        <p:blipFill>
+          <a:blip r:embed="rId7"/>
+          <a:stretch>
+            <a:fillRect/>
+          </a:stretch>
+        </p:blipFill>
+        <p:spPr>
+          <a:xfrm>
+            <a:off x="985057" y="1135468"/>
+            <a:ext cx="7029156" cy="5220000"/>
+          </a:xfrm>
+          <a:prstGeom prst="rect">
+            <a:avLst/>
+          </a:prstGeom>
+        </p:spPr>
+      </p:pic>
+    </p:spTree>
+    <p:extLst>
+      <p:ext uri="{BB962C8B-B14F-4D97-AF65-F5344CB8AC3E}">
+        <p14:creationId xmlns:p14="http://schemas.microsoft.com/office/powerpoint/2010/main" val="2941782813"/>
+      </p:ext>
+    </p:extLst>
+  </p:cSld>
+  <p:clrMapOvr>
+    <a:masterClrMapping/>
+  </p:clrMapOvr>
+</p:sld>
+</file>
+
+<file path=ppt/slides/slide16.xml><?xml version="1.0" encoding="utf-8"?>
+<p:sld xmlns:a="http://schemas.openxmlformats.org/drawingml/2006/main" xmlns:r="http://schemas.openxmlformats.org/officeDocument/2006/relationships" xmlns:p="http://schemas.openxmlformats.org/presentationml/2006/main">
+  <p:cSld>
+    <p:spTree>
+      <p:nvGrpSpPr>
+        <p:cNvPr id="1" name=""/>
+        <p:cNvGrpSpPr/>
+        <p:nvPr/>
+      </p:nvGrpSpPr>
+      <p:grpSpPr>
+        <a:xfrm>
+          <a:off x="0" y="0"/>
+          <a:ext cx="0" cy="0"/>
+          <a:chOff x="0" y="0"/>
+          <a:chExt cx="0" cy="0"/>
+        </a:xfrm>
+      </p:grpSpPr>
+      <p:sp>
+        <p:nvSpPr>
+          <p:cNvPr id="10243" name="Text Box 10"/>
+          <p:cNvSpPr txBox="1">
+            <a:spLocks noChangeArrowheads="1"/>
+          </p:cNvSpPr>
+          <p:nvPr/>
+        </p:nvSpPr>
+        <p:spPr bwMode="auto">
+          <a:xfrm>
+            <a:off x="8288338" y="6296025"/>
+            <a:ext cx="827087" cy="366713"/>
+          </a:xfrm>
+          <a:prstGeom prst="rect">
+            <a:avLst/>
+          </a:prstGeom>
+          <a:noFill/>
+          <a:ln w="9525">
+            <a:noFill/>
+            <a:miter lim="800000"/>
+            <a:headEnd/>
+            <a:tailEnd/>
+          </a:ln>
+        </p:spPr>
+        <p:txBody>
+          <a:bodyPr>
+            <a:spAutoFit/>
+          </a:bodyPr>
+          <a:lstStyle/>
+          <a:p>
+            <a:pPr>
+              <a:spcBef>
+                <a:spcPct val="50000"/>
+              </a:spcBef>
+            </a:pPr>
+            <a:endParaRPr lang="pt-PT"/>
+          </a:p>
+        </p:txBody>
+      </p:sp>
+      <p:sp>
+        <p:nvSpPr>
+          <p:cNvPr id="10244" name="Rectangle 11"/>
+          <p:cNvSpPr>
+            <a:spLocks noChangeArrowheads="1"/>
+          </p:cNvSpPr>
+          <p:nvPr/>
+        </p:nvSpPr>
+        <p:spPr bwMode="auto">
+          <a:xfrm>
+            <a:off x="8327571" y="6496091"/>
+            <a:ext cx="936625" cy="260350"/>
+          </a:xfrm>
+          <a:prstGeom prst="rect">
+            <a:avLst/>
+          </a:prstGeom>
+          <a:noFill/>
+          <a:ln w="9525">
+            <a:noFill/>
+            <a:miter lim="800000"/>
+            <a:headEnd/>
+            <a:tailEnd/>
+          </a:ln>
+        </p:spPr>
+        <p:txBody>
+          <a:bodyPr anchor="ctr"/>
+          <a:lstStyle/>
+          <a:p>
+            <a:pPr algn="ctr"/>
+            <a:r>
+              <a:rPr lang="pt-PT" sz="1000" dirty="0"/>
+              <a:t>- </a:t>
+            </a:r>
+            <a:fld id="{1234D2FF-8FB9-47A1-B8C9-42A5F500BA2F}" type="slidenum">
+              <a:rPr lang="pt-PT" sz="1000"/>
+              <a:pPr algn="ctr"/>
+              <a:t>16</a:t>
+            </a:fld>
+            <a:r>
+              <a:rPr lang="pt-PT" sz="1000" dirty="0"/>
+              <a:t> -</a:t>
+            </a:r>
+          </a:p>
+        </p:txBody>
+      </p:sp>
+      <p:sp>
+        <p:nvSpPr>
+          <p:cNvPr id="9229" name="Text Box 13"/>
+          <p:cNvSpPr txBox="1">
+            <a:spLocks noChangeArrowheads="1"/>
+          </p:cNvSpPr>
+          <p:nvPr/>
+        </p:nvSpPr>
+        <p:spPr bwMode="auto">
+          <a:xfrm>
+            <a:off x="250825" y="546149"/>
+            <a:ext cx="6981825" cy="400050"/>
+          </a:xfrm>
+          <a:prstGeom prst="rect">
+            <a:avLst/>
+          </a:prstGeom>
+          <a:noFill/>
+          <a:ln w="9525">
+            <a:noFill/>
+            <a:miter lim="800000"/>
+            <a:headEnd/>
+            <a:tailEnd/>
+          </a:ln>
+          <a:effectLst/>
+        </p:spPr>
+        <p:txBody>
+          <a:bodyPr>
+            <a:spAutoFit/>
+          </a:bodyPr>
+          <a:lstStyle/>
+          <a:p>
+            <a:pPr>
+              <a:spcBef>
+                <a:spcPct val="50000"/>
+              </a:spcBef>
+              <a:defRPr/>
+            </a:pPr>
+            <a:r>
+              <a:rPr lang="pt-PT" sz="2000" b="1" dirty="0">
+                <a:solidFill>
+                  <a:srgbClr val="C00000"/>
+                </a:solidFill>
+                <a:effectLst>
+                  <a:outerShdw blurRad="38100" dist="38100" dir="2700000" algn="tl">
+                    <a:srgbClr val="C0C0C0"/>
+                  </a:outerShdw>
+                </a:effectLst>
+                <a:latin typeface="Arial"/>
+                <a:cs typeface="Arial"/>
+              </a:rPr>
+              <a:t>■</a:t>
+            </a:r>
+            <a:r>
+              <a:rPr lang="pt-PT" sz="2000" b="1" dirty="0">
+                <a:effectLst>
+                  <a:outerShdw blurRad="38100" dist="38100" dir="2700000" algn="tl">
+                    <a:srgbClr val="C0C0C0"/>
+                  </a:outerShdw>
+                </a:effectLst>
+                <a:latin typeface="Arial"/>
+                <a:cs typeface="Arial"/>
+              </a:rPr>
+              <a:t> Desenvolvimento (Execução) – Chat </a:t>
+            </a:r>
+            <a:r>
+              <a:rPr lang="pt-PT" sz="2000" b="1" dirty="0" err="1">
+                <a:effectLst>
+                  <a:outerShdw blurRad="38100" dist="38100" dir="2700000" algn="tl">
+                    <a:srgbClr val="C0C0C0"/>
+                  </a:outerShdw>
+                </a:effectLst>
+                <a:latin typeface="Arial"/>
+                <a:cs typeface="Arial"/>
+              </a:rPr>
+              <a:t>Room</a:t>
+            </a:r>
+            <a:endParaRPr lang="pt-PT" sz="2000" b="1" dirty="0">
+              <a:effectLst>
+                <a:outerShdw blurRad="38100" dist="38100" dir="2700000" algn="tl">
+                  <a:srgbClr val="C0C0C0"/>
+                </a:outerShdw>
+              </a:effectLst>
+              <a:latin typeface="Arial" charset="0"/>
+            </a:endParaRPr>
+          </a:p>
+        </p:txBody>
+      </p:sp>
+      <p:sp>
+        <p:nvSpPr>
+          <p:cNvPr id="10247" name="Line 15"/>
+          <p:cNvSpPr>
+            <a:spLocks noChangeShapeType="1"/>
+          </p:cNvSpPr>
+          <p:nvPr/>
+        </p:nvSpPr>
+        <p:spPr bwMode="auto">
+          <a:xfrm>
+            <a:off x="250825" y="0"/>
+            <a:ext cx="0" cy="765175"/>
+          </a:xfrm>
+          <a:prstGeom prst="line">
+            <a:avLst/>
+          </a:prstGeom>
+          <a:noFill/>
+          <a:ln w="25400">
+            <a:solidFill>
+              <a:schemeClr val="tx1"/>
+            </a:solidFill>
+            <a:round/>
+            <a:headEnd/>
+            <a:tailEnd/>
+          </a:ln>
+        </p:spPr>
+        <p:txBody>
+          <a:bodyPr/>
+          <a:lstStyle/>
+          <a:p>
+            <a:endParaRPr lang="pt-PT"/>
+          </a:p>
+        </p:txBody>
+      </p:sp>
+      <p:sp>
+        <p:nvSpPr>
+          <p:cNvPr id="9237" name="Text Box 21"/>
+          <p:cNvSpPr txBox="1">
+            <a:spLocks noChangeArrowheads="1"/>
+          </p:cNvSpPr>
+          <p:nvPr/>
+        </p:nvSpPr>
+        <p:spPr bwMode="auto">
+          <a:xfrm>
+            <a:off x="381001" y="44450"/>
+            <a:ext cx="6138752" cy="276999"/>
+          </a:xfrm>
+          <a:prstGeom prst="rect">
+            <a:avLst/>
+          </a:prstGeom>
+          <a:noFill/>
+          <a:ln w="9525">
+            <a:noFill/>
+            <a:miter lim="800000"/>
+            <a:headEnd/>
+            <a:tailEnd/>
+          </a:ln>
+          <a:effectLst/>
+        </p:spPr>
+        <p:txBody>
+          <a:bodyPr wrap="square">
+            <a:spAutoFit/>
+          </a:bodyPr>
+          <a:lstStyle/>
+          <a:p>
+            <a:pPr>
+              <a:spcBef>
+                <a:spcPct val="50000"/>
+              </a:spcBef>
+              <a:defRPr/>
+            </a:pPr>
+            <a:r>
+              <a:rPr lang="pt-PT" sz="1200" b="1" dirty="0">
+                <a:solidFill>
+                  <a:srgbClr val="FF3300"/>
+                </a:solidFill>
+                <a:effectLst>
+                  <a:outerShdw blurRad="38100" dist="38100" dir="2700000" algn="tl">
+                    <a:srgbClr val="C0C0C0"/>
+                  </a:outerShdw>
+                </a:effectLst>
+                <a:latin typeface="Arial" charset="0"/>
+              </a:rPr>
+              <a:t>INTEGRAÇÃO DE SISTEMAS – TRABALHO PRÁTICO Nº1</a:t>
+            </a:r>
+          </a:p>
+        </p:txBody>
+      </p:sp>
+      <p:sp>
+        <p:nvSpPr>
+          <p:cNvPr id="19" name="Marcador de Posição de Conteúdo 2"/>
+          <p:cNvSpPr txBox="1">
+            <a:spLocks/>
+          </p:cNvSpPr>
+          <p:nvPr/>
+        </p:nvSpPr>
+        <p:spPr>
+          <a:xfrm>
+            <a:off x="457200" y="1156956"/>
+            <a:ext cx="8229600" cy="4937760"/>
+          </a:xfrm>
+          <a:prstGeom prst="rect">
+            <a:avLst/>
+          </a:prstGeom>
+        </p:spPr>
+        <p:txBody>
+          <a:bodyPr vert="horz" lIns="91440" tIns="45720" rIns="91440" bIns="45720" rtlCol="0">
+            <a:normAutofit/>
+          </a:bodyPr>
+          <a:lstStyle/>
+          <a:p>
+            <a:pPr lvl="0">
+              <a:lnSpc>
+                <a:spcPct val="200000"/>
+              </a:lnSpc>
+              <a:spcBef>
+                <a:spcPct val="20000"/>
+              </a:spcBef>
+            </a:pPr>
+            <a:endParaRPr lang="pt-PT" sz="2000" dirty="0">
+              <a:latin typeface="Arial" pitchFamily="34" charset="0"/>
+              <a:cs typeface="Arial" pitchFamily="34" charset="0"/>
+            </a:endParaRPr>
+          </a:p>
+          <a:p>
+            <a:pPr marL="342900" lvl="0" indent="-342900">
+              <a:lnSpc>
+                <a:spcPct val="200000"/>
+              </a:lnSpc>
+              <a:spcBef>
+                <a:spcPct val="20000"/>
+              </a:spcBef>
+              <a:buFont typeface="Arial" panose="020B0604020202020204" pitchFamily="34" charset="0"/>
+              <a:buChar char="•"/>
+            </a:pPr>
+            <a:endParaRPr kumimoji="0" lang="pt-PT" sz="2000" b="0" i="0" u="none" strike="noStrike" kern="1200" cap="none" spc="0" normalizeH="0" baseline="0" noProof="0" dirty="0">
+              <a:ln>
+                <a:noFill/>
+              </a:ln>
+              <a:effectLst/>
+              <a:uLnTx/>
+              <a:uFillTx/>
+              <a:latin typeface="Arial" pitchFamily="34" charset="0"/>
+              <a:cs typeface="Arial" pitchFamily="34" charset="0"/>
+            </a:endParaRPr>
+          </a:p>
+          <a:p>
+            <a:pPr marL="457200" marR="0" lvl="1" indent="0" defTabSz="914400" rtl="0" eaLnBrk="1" fontAlgn="auto" latinLnBrk="0" hangingPunct="1">
+              <a:lnSpc>
+                <a:spcPct val="200000"/>
+              </a:lnSpc>
+              <a:spcBef>
+                <a:spcPct val="20000"/>
+              </a:spcBef>
+              <a:spcAft>
+                <a:spcPts val="0"/>
+              </a:spcAft>
+              <a:buClrTx/>
+              <a:buSzTx/>
+              <a:buFont typeface="Arial" pitchFamily="34" charset="0"/>
+              <a:buNone/>
+              <a:tabLst/>
+              <a:defRPr/>
+            </a:pPr>
+            <a:endParaRPr kumimoji="0" lang="pt-PT" sz="2000" b="0" i="0" u="none" strike="noStrike" kern="1200" cap="none" spc="0" normalizeH="0" baseline="0" noProof="0" dirty="0">
+              <a:ln>
+                <a:noFill/>
+              </a:ln>
+              <a:effectLst/>
+              <a:uLnTx/>
+              <a:uFillTx/>
+              <a:latin typeface="Arial" pitchFamily="34" charset="0"/>
+              <a:cs typeface="Arial" pitchFamily="34" charset="0"/>
+            </a:endParaRPr>
+          </a:p>
+          <a:p>
+            <a:pPr marL="457200" marR="0" lvl="1" indent="0" defTabSz="914400" rtl="0" eaLnBrk="1" fontAlgn="auto" latinLnBrk="0" hangingPunct="1">
+              <a:lnSpc>
+                <a:spcPct val="200000"/>
+              </a:lnSpc>
+              <a:spcBef>
+                <a:spcPct val="20000"/>
+              </a:spcBef>
+              <a:spcAft>
+                <a:spcPts val="0"/>
+              </a:spcAft>
+              <a:buClrTx/>
+              <a:buSzTx/>
+              <a:buFont typeface="Arial" pitchFamily="34" charset="0"/>
+              <a:buNone/>
+              <a:tabLst/>
+              <a:defRPr/>
+            </a:pPr>
+            <a:endParaRPr kumimoji="0" lang="pt-PT" sz="2000" b="0" i="0" u="none" strike="noStrike" kern="1200" cap="none" spc="0" normalizeH="0" baseline="0" noProof="0" dirty="0">
+              <a:ln>
+                <a:noFill/>
+              </a:ln>
+              <a:effectLst/>
+              <a:uLnTx/>
+              <a:uFillTx/>
+              <a:latin typeface="Arial" pitchFamily="34" charset="0"/>
+              <a:cs typeface="Arial" pitchFamily="34" charset="0"/>
+            </a:endParaRPr>
+          </a:p>
+          <a:p>
+            <a:pPr marL="0" marR="0" lvl="0" indent="0" defTabSz="914400" rtl="0" eaLnBrk="1" fontAlgn="auto" latinLnBrk="0" hangingPunct="1">
+              <a:lnSpc>
+                <a:spcPct val="200000"/>
+              </a:lnSpc>
+              <a:spcBef>
+                <a:spcPct val="20000"/>
+              </a:spcBef>
+              <a:spcAft>
+                <a:spcPts val="0"/>
+              </a:spcAft>
+              <a:buClrTx/>
+              <a:buSzTx/>
+              <a:buFont typeface="Arial" pitchFamily="34" charset="0"/>
+              <a:buNone/>
+              <a:tabLst/>
+              <a:defRPr/>
+            </a:pPr>
+            <a:endParaRPr kumimoji="0" lang="pt-PT" sz="2000" b="0" i="0" u="none" strike="noStrike" kern="1200" cap="none" spc="0" normalizeH="0" baseline="0" noProof="0" dirty="0">
+              <a:ln>
+                <a:noFill/>
+              </a:ln>
+              <a:effectLst/>
+              <a:uLnTx/>
+              <a:uFillTx/>
+              <a:latin typeface="Arial" pitchFamily="34" charset="0"/>
+              <a:cs typeface="Arial" pitchFamily="34" charset="0"/>
+            </a:endParaRPr>
+          </a:p>
+          <a:p>
+            <a:pPr marL="0" marR="0" lvl="0" indent="0" defTabSz="914400" rtl="0" eaLnBrk="1" fontAlgn="auto" latinLnBrk="0" hangingPunct="1">
+              <a:lnSpc>
+                <a:spcPct val="200000"/>
+              </a:lnSpc>
+              <a:spcBef>
+                <a:spcPct val="20000"/>
+              </a:spcBef>
+              <a:spcAft>
+                <a:spcPts val="0"/>
+              </a:spcAft>
+              <a:buClrTx/>
+              <a:buSzTx/>
+              <a:buFont typeface="Arial" pitchFamily="34" charset="0"/>
+              <a:buNone/>
+              <a:tabLst/>
+              <a:defRPr/>
+            </a:pPr>
+            <a:endParaRPr kumimoji="0" lang="pt-PT" sz="2000" b="0" i="0" u="none" strike="noStrike" kern="1200" cap="none" spc="0" normalizeH="0" baseline="0" noProof="0" dirty="0">
+              <a:ln>
+                <a:noFill/>
+              </a:ln>
+              <a:effectLst/>
+              <a:uLnTx/>
+              <a:uFillTx/>
+              <a:latin typeface="Arial" pitchFamily="34" charset="0"/>
+              <a:cs typeface="Arial" pitchFamily="34" charset="0"/>
+            </a:endParaRPr>
+          </a:p>
+          <a:p>
+            <a:pPr marL="0" marR="0" lvl="0" indent="0" defTabSz="914400" rtl="0" eaLnBrk="1" fontAlgn="auto" latinLnBrk="0" hangingPunct="1">
+              <a:lnSpc>
+                <a:spcPct val="200000"/>
+              </a:lnSpc>
+              <a:spcBef>
+                <a:spcPct val="20000"/>
+              </a:spcBef>
+              <a:spcAft>
+                <a:spcPts val="0"/>
+              </a:spcAft>
+              <a:buClrTx/>
+              <a:buSzTx/>
+              <a:buFont typeface="Arial" pitchFamily="34" charset="0"/>
+              <a:buNone/>
+              <a:tabLst/>
+              <a:defRPr/>
+            </a:pPr>
+            <a:endParaRPr kumimoji="0" lang="pt-PT" sz="2000" b="0" i="0" u="none" strike="noStrike" kern="1200" cap="none" spc="0" normalizeH="0" baseline="0" noProof="0" dirty="0">
+              <a:ln>
+                <a:noFill/>
+              </a:ln>
+              <a:effectLst/>
+              <a:uLnTx/>
+              <a:uFillTx/>
+              <a:latin typeface="Arial" pitchFamily="34" charset="0"/>
+              <a:cs typeface="Arial" pitchFamily="34" charset="0"/>
+            </a:endParaRPr>
+          </a:p>
+        </p:txBody>
+      </p:sp>
+      <p:pic>
+        <p:nvPicPr>
+          <p:cNvPr id="7" name="Imagem 6">
+            <a:extLst>
+              <a:ext uri="{FF2B5EF4-FFF2-40B4-BE49-F238E27FC236}">
+                <a16:creationId xmlns:a16="http://schemas.microsoft.com/office/drawing/2014/main" id="{54D42837-E70D-4C64-A8A7-E7F751502B92}"/>
+              </a:ext>
+            </a:extLst>
+          </p:cNvPr>
+          <p:cNvPicPr>
+            <a:picLocks noChangeAspect="1"/>
+          </p:cNvPicPr>
+          <p:nvPr/>
+        </p:nvPicPr>
+        <p:blipFill>
+          <a:blip r:embed="rId3"/>
+          <a:stretch>
+            <a:fillRect/>
+          </a:stretch>
+        </p:blipFill>
+        <p:spPr>
+          <a:xfrm>
+            <a:off x="101225" y="904241"/>
+            <a:ext cx="9014192" cy="266482"/>
+          </a:xfrm>
+          <a:prstGeom prst="rect">
+            <a:avLst/>
+          </a:prstGeom>
+        </p:spPr>
+      </p:pic>
+      <p:pic>
+        <p:nvPicPr>
+          <p:cNvPr id="9" name="Imagem 8">
+            <a:extLst>
+              <a:ext uri="{FF2B5EF4-FFF2-40B4-BE49-F238E27FC236}">
+                <a16:creationId xmlns:a16="http://schemas.microsoft.com/office/drawing/2014/main" id="{81982921-1900-46B5-BE82-07BECCD63918}"/>
+              </a:ext>
+            </a:extLst>
+          </p:cNvPr>
+          <p:cNvPicPr>
+            <a:picLocks noChangeAspect="1"/>
+          </p:cNvPicPr>
+          <p:nvPr/>
+        </p:nvPicPr>
+        <p:blipFill>
+          <a:blip r:embed="rId4"/>
+          <a:stretch>
+            <a:fillRect/>
+          </a:stretch>
+        </p:blipFill>
+        <p:spPr>
+          <a:xfrm>
+            <a:off x="0" y="6320212"/>
+            <a:ext cx="9144000" cy="253252"/>
+          </a:xfrm>
+          <a:prstGeom prst="rect">
+            <a:avLst/>
+          </a:prstGeom>
+        </p:spPr>
+      </p:pic>
+      <p:pic>
+        <p:nvPicPr>
+          <p:cNvPr id="13" name="Imagem 12">
+            <a:extLst>
+              <a:ext uri="{FF2B5EF4-FFF2-40B4-BE49-F238E27FC236}">
+                <a16:creationId xmlns:a16="http://schemas.microsoft.com/office/drawing/2014/main" id="{BE263CB9-5E3B-4385-9450-974CDF0F6C7D}"/>
+              </a:ext>
+            </a:extLst>
+          </p:cNvPr>
+          <p:cNvPicPr>
+            <a:picLocks noChangeAspect="1"/>
+          </p:cNvPicPr>
+          <p:nvPr/>
+        </p:nvPicPr>
+        <p:blipFill>
+          <a:blip r:embed="rId5" cstate="print">
+            <a:extLst>
+              <a:ext uri="{28A0092B-C50C-407E-A947-70E740481C1C}">
+                <a14:useLocalDpi xmlns:a14="http://schemas.microsoft.com/office/drawing/2010/main" val="0"/>
+              </a:ext>
+            </a:extLst>
+          </a:blip>
+          <a:stretch>
+            <a:fillRect/>
+          </a:stretch>
+        </p:blipFill>
+        <p:spPr>
+          <a:xfrm>
+            <a:off x="238125" y="6488336"/>
+            <a:ext cx="545959" cy="199802"/>
+          </a:xfrm>
+          <a:prstGeom prst="rect">
+            <a:avLst/>
+          </a:prstGeom>
+        </p:spPr>
+      </p:pic>
+      <p:sp>
+        <p:nvSpPr>
+          <p:cNvPr id="3" name="Rectângulo 19">
+            <a:extLst>
+              <a:ext uri="{FF2B5EF4-FFF2-40B4-BE49-F238E27FC236}">
+                <a16:creationId xmlns:a16="http://schemas.microsoft.com/office/drawing/2014/main" id="{850208AF-C5A5-C009-177D-8C27BB5DCC8B}"/>
+              </a:ext>
+            </a:extLst>
+          </p:cNvPr>
+          <p:cNvSpPr/>
+          <p:nvPr/>
+        </p:nvSpPr>
+        <p:spPr>
+          <a:xfrm>
+            <a:off x="5535613" y="553019"/>
+            <a:ext cx="3505200" cy="261610"/>
+          </a:xfrm>
+          <a:prstGeom prst="rect">
+            <a:avLst/>
+          </a:prstGeom>
+        </p:spPr>
+        <p:txBody>
+          <a:bodyPr wrap="square">
+            <a:spAutoFit/>
+          </a:bodyPr>
+          <a:lstStyle/>
+          <a:p>
+            <a:pPr algn="r"/>
+            <a:r>
+              <a:rPr lang="pt-PT" sz="1100" b="1" cap="all" dirty="0" err="1">
+                <a:highlight>
+                  <a:srgbClr val="FFFF00"/>
+                </a:highlight>
+              </a:rPr>
+              <a:t>Degree</a:t>
+            </a:r>
+            <a:r>
+              <a:rPr lang="pt-PT" sz="1100" b="1" cap="all" dirty="0">
+                <a:highlight>
+                  <a:srgbClr val="FFFF00"/>
+                </a:highlight>
+              </a:rPr>
+              <a:t> IN </a:t>
+            </a:r>
+            <a:r>
+              <a:rPr lang="pt-PT" sz="1100" b="1" cap="all" dirty="0" err="1">
+                <a:highlight>
+                  <a:srgbClr val="FFFF00"/>
+                </a:highlight>
+              </a:rPr>
+              <a:t>Informatics</a:t>
+            </a:r>
+            <a:r>
+              <a:rPr lang="pt-PT" sz="1100" b="1" cap="all" dirty="0">
+                <a:highlight>
+                  <a:srgbClr val="FFFF00"/>
+                </a:highlight>
+              </a:rPr>
+              <a:t> </a:t>
+            </a:r>
+            <a:r>
+              <a:rPr lang="pt-PT" sz="1100" b="1" cap="all" dirty="0" err="1">
+                <a:highlight>
+                  <a:srgbClr val="FFFF00"/>
+                </a:highlight>
+              </a:rPr>
+              <a:t>engineering</a:t>
+            </a:r>
+            <a:endParaRPr lang="pt-PT" sz="1100" dirty="0">
+              <a:highlight>
+                <a:srgbClr val="FFFF00"/>
+              </a:highlight>
+            </a:endParaRPr>
+          </a:p>
+        </p:txBody>
+      </p:sp>
+      <p:pic>
+        <p:nvPicPr>
+          <p:cNvPr id="5" name="Imagem 4">
+            <a:extLst>
+              <a:ext uri="{FF2B5EF4-FFF2-40B4-BE49-F238E27FC236}">
+                <a16:creationId xmlns:a16="http://schemas.microsoft.com/office/drawing/2014/main" id="{4B69841B-4743-42E9-837A-73B87FC5C8CF}"/>
+              </a:ext>
+            </a:extLst>
+          </p:cNvPr>
+          <p:cNvPicPr>
+            <a:picLocks noChangeAspect="1"/>
+          </p:cNvPicPr>
+          <p:nvPr/>
+        </p:nvPicPr>
+        <p:blipFill>
+          <a:blip r:embed="rId6" cstate="print">
+            <a:extLst>
+              <a:ext uri="{28A0092B-C50C-407E-A947-70E740481C1C}">
+                <a14:useLocalDpi xmlns:a14="http://schemas.microsoft.com/office/drawing/2010/main" val="0"/>
+              </a:ext>
+            </a:extLst>
+          </a:blip>
+          <a:stretch>
+            <a:fillRect/>
+          </a:stretch>
+        </p:blipFill>
+        <p:spPr>
+          <a:xfrm>
+            <a:off x="6575316" y="9186"/>
+            <a:ext cx="2575034" cy="639880"/>
+          </a:xfrm>
+          <a:prstGeom prst="rect">
+            <a:avLst/>
+          </a:prstGeom>
+        </p:spPr>
+      </p:pic>
+      <p:sp>
+        <p:nvSpPr>
+          <p:cNvPr id="2" name="Subtítulo 2">
+            <a:extLst>
+              <a:ext uri="{FF2B5EF4-FFF2-40B4-BE49-F238E27FC236}">
+                <a16:creationId xmlns:a16="http://schemas.microsoft.com/office/drawing/2014/main" id="{50369DE4-0D6E-7A10-AF37-333F300DD770}"/>
+              </a:ext>
+            </a:extLst>
+          </p:cNvPr>
+          <p:cNvSpPr txBox="1">
+            <a:spLocks/>
+          </p:cNvSpPr>
+          <p:nvPr/>
+        </p:nvSpPr>
+        <p:spPr>
+          <a:xfrm>
+            <a:off x="836017" y="6524516"/>
+            <a:ext cx="7698382" cy="162409"/>
+          </a:xfrm>
+          <a:prstGeom prst="rect">
+            <a:avLst/>
+          </a:prstGeom>
+        </p:spPr>
+        <p:txBody>
+          <a:bodyPr vert="horz" lIns="68580" tIns="34290" rIns="68580" bIns="34290" rtlCol="0">
+            <a:normAutofit fontScale="92500" lnSpcReduction="20000"/>
+          </a:bodyPr>
+          <a:lstStyle>
+            <a:lvl1pPr marL="0" indent="0" algn="ctr" defTabSz="914400" rtl="0" eaLnBrk="1" latinLnBrk="0" hangingPunct="1">
+              <a:lnSpc>
+                <a:spcPct val="90000"/>
+              </a:lnSpc>
+              <a:spcBef>
+                <a:spcPts val="1000"/>
+              </a:spcBef>
+              <a:buFont typeface="Arial" panose="020B0604020202020204" pitchFamily="34" charset="0"/>
+              <a:buNone/>
+              <a:defRPr sz="2400" kern="1200">
+                <a:solidFill>
+                  <a:schemeClr val="tx1"/>
+                </a:solidFill>
+                <a:latin typeface="+mn-lt"/>
+                <a:ea typeface="+mn-ea"/>
+                <a:cs typeface="+mn-cs"/>
+              </a:defRPr>
+            </a:lvl1pPr>
+            <a:lvl2pPr marL="457200" indent="0" algn="ctr" defTabSz="914400" rtl="0" eaLnBrk="1" latinLnBrk="0" hangingPunct="1">
+              <a:lnSpc>
+                <a:spcPct val="90000"/>
+              </a:lnSpc>
+              <a:spcBef>
+                <a:spcPts val="500"/>
+              </a:spcBef>
+              <a:buFont typeface="Arial" panose="020B0604020202020204" pitchFamily="34" charset="0"/>
+              <a:buNone/>
+              <a:defRPr sz="2000" kern="1200">
+                <a:solidFill>
+                  <a:schemeClr val="tx1"/>
+                </a:solidFill>
+                <a:latin typeface="+mn-lt"/>
+                <a:ea typeface="+mn-ea"/>
+                <a:cs typeface="+mn-cs"/>
+              </a:defRPr>
+            </a:lvl2pPr>
+            <a:lvl3pPr marL="914400" indent="0" algn="ctr" defTabSz="914400" rtl="0" eaLnBrk="1" latinLnBrk="0" hangingPunct="1">
+              <a:lnSpc>
+                <a:spcPct val="90000"/>
+              </a:lnSpc>
+              <a:spcBef>
+                <a:spcPts val="500"/>
+              </a:spcBef>
+              <a:buFont typeface="Arial" panose="020B0604020202020204" pitchFamily="34" charset="0"/>
+              <a:buNone/>
+              <a:defRPr sz="1800" kern="1200">
+                <a:solidFill>
+                  <a:schemeClr val="tx1"/>
+                </a:solidFill>
+                <a:latin typeface="+mn-lt"/>
+                <a:ea typeface="+mn-ea"/>
+                <a:cs typeface="+mn-cs"/>
+              </a:defRPr>
+            </a:lvl3pPr>
+            <a:lvl4pPr marL="1371600" indent="0" algn="ctr" defTabSz="914400" rtl="0" eaLnBrk="1" latinLnBrk="0" hangingPunct="1">
+              <a:lnSpc>
+                <a:spcPct val="90000"/>
+              </a:lnSpc>
+              <a:spcBef>
+                <a:spcPts val="500"/>
+              </a:spcBef>
+              <a:buFont typeface="Arial" panose="020B0604020202020204" pitchFamily="34" charset="0"/>
+              <a:buNone/>
+              <a:defRPr sz="1600" kern="1200">
+                <a:solidFill>
+                  <a:schemeClr val="tx1"/>
+                </a:solidFill>
+                <a:latin typeface="+mn-lt"/>
+                <a:ea typeface="+mn-ea"/>
+                <a:cs typeface="+mn-cs"/>
+              </a:defRPr>
+            </a:lvl4pPr>
+            <a:lvl5pPr marL="1828800" indent="0" algn="ctr" defTabSz="914400" rtl="0" eaLnBrk="1" latinLnBrk="0" hangingPunct="1">
+              <a:lnSpc>
+                <a:spcPct val="90000"/>
+              </a:lnSpc>
+              <a:spcBef>
+                <a:spcPts val="500"/>
+              </a:spcBef>
+              <a:buFont typeface="Arial" panose="020B0604020202020204" pitchFamily="34" charset="0"/>
+              <a:buNone/>
+              <a:defRPr sz="1600" kern="1200">
+                <a:solidFill>
+                  <a:schemeClr val="tx1"/>
+                </a:solidFill>
+                <a:latin typeface="+mn-lt"/>
+                <a:ea typeface="+mn-ea"/>
+                <a:cs typeface="+mn-cs"/>
+              </a:defRPr>
+            </a:lvl5pPr>
+            <a:lvl6pPr marL="2286000" indent="0" algn="ctr" defTabSz="914400" rtl="0" eaLnBrk="1" latinLnBrk="0" hangingPunct="1">
+              <a:lnSpc>
+                <a:spcPct val="90000"/>
+              </a:lnSpc>
+              <a:spcBef>
+                <a:spcPts val="500"/>
+              </a:spcBef>
+              <a:buFont typeface="Arial" panose="020B0604020202020204" pitchFamily="34" charset="0"/>
+              <a:buNone/>
+              <a:defRPr sz="1600" kern="1200">
+                <a:solidFill>
+                  <a:schemeClr val="tx1"/>
+                </a:solidFill>
+                <a:latin typeface="+mn-lt"/>
+                <a:ea typeface="+mn-ea"/>
+                <a:cs typeface="+mn-cs"/>
+              </a:defRPr>
+            </a:lvl6pPr>
+            <a:lvl7pPr marL="2743200" indent="0" algn="ctr" defTabSz="914400" rtl="0" eaLnBrk="1" latinLnBrk="0" hangingPunct="1">
+              <a:lnSpc>
+                <a:spcPct val="90000"/>
+              </a:lnSpc>
+              <a:spcBef>
+                <a:spcPts val="500"/>
+              </a:spcBef>
+              <a:buFont typeface="Arial" panose="020B0604020202020204" pitchFamily="34" charset="0"/>
+              <a:buNone/>
+              <a:defRPr sz="1600" kern="1200">
+                <a:solidFill>
+                  <a:schemeClr val="tx1"/>
+                </a:solidFill>
+                <a:latin typeface="+mn-lt"/>
+                <a:ea typeface="+mn-ea"/>
+                <a:cs typeface="+mn-cs"/>
+              </a:defRPr>
+            </a:lvl7pPr>
+            <a:lvl8pPr marL="3200400" indent="0" algn="ctr" defTabSz="914400" rtl="0" eaLnBrk="1" latinLnBrk="0" hangingPunct="1">
+              <a:lnSpc>
+                <a:spcPct val="90000"/>
+              </a:lnSpc>
+              <a:spcBef>
+                <a:spcPts val="500"/>
+              </a:spcBef>
+              <a:buFont typeface="Arial" panose="020B0604020202020204" pitchFamily="34" charset="0"/>
+              <a:buNone/>
+              <a:defRPr sz="1600" kern="1200">
+                <a:solidFill>
+                  <a:schemeClr val="tx1"/>
+                </a:solidFill>
+                <a:latin typeface="+mn-lt"/>
+                <a:ea typeface="+mn-ea"/>
+                <a:cs typeface="+mn-cs"/>
+              </a:defRPr>
+            </a:lvl8pPr>
+            <a:lvl9pPr marL="3657600" indent="0" algn="ctr" defTabSz="914400" rtl="0" eaLnBrk="1" latinLnBrk="0" hangingPunct="1">
+              <a:lnSpc>
+                <a:spcPct val="90000"/>
+              </a:lnSpc>
+              <a:spcBef>
+                <a:spcPts val="500"/>
+              </a:spcBef>
+              <a:buFont typeface="Arial" panose="020B0604020202020204" pitchFamily="34" charset="0"/>
+              <a:buNone/>
+              <a:defRPr sz="1600" kern="1200">
+                <a:solidFill>
+                  <a:schemeClr val="tx1"/>
+                </a:solidFill>
+                <a:latin typeface="+mn-lt"/>
+                <a:ea typeface="+mn-ea"/>
+                <a:cs typeface="+mn-cs"/>
+              </a:defRPr>
+            </a:lvl9pPr>
+          </a:lstStyle>
+          <a:p>
+            <a:pPr algn="l"/>
+            <a:r>
+              <a:rPr lang="pt-PT" sz="900" dirty="0">
+                <a:latin typeface="Arial" charset="0"/>
+                <a:ea typeface="Arial" charset="0"/>
+                <a:cs typeface="Arial" charset="0"/>
+              </a:rPr>
+              <a:t>@Rafael André | </a:t>
+            </a:r>
+            <a:r>
+              <a:rPr lang="pt-PT" sz="900" b="1" dirty="0">
+                <a:solidFill>
+                  <a:srgbClr val="C00000"/>
+                </a:solidFill>
+                <a:latin typeface="Arial" charset="0"/>
+                <a:ea typeface="Arial" charset="0"/>
+                <a:cs typeface="Arial" charset="0"/>
+              </a:rPr>
+              <a:t>Unidade Curricular: INTEGRAÇÃO DE SISTEMAS </a:t>
+            </a:r>
+            <a:r>
+              <a:rPr lang="pt-PT" sz="900" dirty="0">
+                <a:latin typeface="Arial" charset="0"/>
+                <a:ea typeface="Arial" charset="0"/>
+                <a:cs typeface="Arial" charset="0"/>
+              </a:rPr>
+              <a:t>– Ano Letivo 2023/2024 – </a:t>
+            </a:r>
+            <a:r>
+              <a:rPr lang="pt-PT" sz="900" b="1" dirty="0">
+                <a:latin typeface="Arial" charset="0"/>
+                <a:ea typeface="Arial" charset="0"/>
+                <a:cs typeface="Arial" charset="0"/>
+              </a:rPr>
+              <a:t>Trabalho Prático 1</a:t>
+            </a:r>
+          </a:p>
+        </p:txBody>
+      </p:sp>
+      <p:pic>
+        <p:nvPicPr>
+          <p:cNvPr id="6" name="Imagem 5">
+            <a:extLst>
+              <a:ext uri="{FF2B5EF4-FFF2-40B4-BE49-F238E27FC236}">
+                <a16:creationId xmlns:a16="http://schemas.microsoft.com/office/drawing/2014/main" id="{D79358F7-4464-A2A6-ED95-FBF8E5DB3E42}"/>
+              </a:ext>
+            </a:extLst>
+          </p:cNvPr>
+          <p:cNvPicPr>
+            <a:picLocks noChangeAspect="1"/>
+          </p:cNvPicPr>
+          <p:nvPr/>
+        </p:nvPicPr>
+        <p:blipFill>
+          <a:blip r:embed="rId7"/>
+          <a:stretch>
+            <a:fillRect/>
+          </a:stretch>
+        </p:blipFill>
+        <p:spPr>
+          <a:xfrm>
+            <a:off x="3468665" y="1847424"/>
+            <a:ext cx="2209800" cy="1257300"/>
+          </a:xfrm>
+          <a:prstGeom prst="rect">
+            <a:avLst/>
+          </a:prstGeom>
+        </p:spPr>
+      </p:pic>
+      <p:pic>
+        <p:nvPicPr>
+          <p:cNvPr id="10" name="Imagem 9">
+            <a:extLst>
+              <a:ext uri="{FF2B5EF4-FFF2-40B4-BE49-F238E27FC236}">
+                <a16:creationId xmlns:a16="http://schemas.microsoft.com/office/drawing/2014/main" id="{B8DBFD28-E410-DABE-FCEC-792A5BFA1F18}"/>
+              </a:ext>
+            </a:extLst>
+          </p:cNvPr>
+          <p:cNvPicPr>
+            <a:picLocks noChangeAspect="1"/>
+          </p:cNvPicPr>
+          <p:nvPr/>
+        </p:nvPicPr>
+        <p:blipFill>
+          <a:blip r:embed="rId8"/>
+          <a:stretch>
+            <a:fillRect/>
+          </a:stretch>
+        </p:blipFill>
+        <p:spPr>
+          <a:xfrm>
+            <a:off x="190140" y="3513736"/>
+            <a:ext cx="8836362" cy="2016000"/>
+          </a:xfrm>
+          <a:prstGeom prst="rect">
+            <a:avLst/>
+          </a:prstGeom>
+        </p:spPr>
+      </p:pic>
+      <p:pic>
+        <p:nvPicPr>
+          <p:cNvPr id="12" name="Imagem 11">
+            <a:extLst>
+              <a:ext uri="{FF2B5EF4-FFF2-40B4-BE49-F238E27FC236}">
+                <a16:creationId xmlns:a16="http://schemas.microsoft.com/office/drawing/2014/main" id="{97A48D73-D3A9-63E7-C832-084CD2053297}"/>
+              </a:ext>
+            </a:extLst>
+          </p:cNvPr>
+          <p:cNvPicPr>
+            <a:picLocks noChangeAspect="1"/>
+          </p:cNvPicPr>
+          <p:nvPr/>
+        </p:nvPicPr>
+        <p:blipFill>
+          <a:blip r:embed="rId9"/>
+          <a:stretch>
+            <a:fillRect/>
+          </a:stretch>
+        </p:blipFill>
+        <p:spPr>
+          <a:xfrm>
+            <a:off x="3766121" y="5641418"/>
+            <a:ext cx="1362075" cy="542925"/>
+          </a:xfrm>
+          <a:prstGeom prst="rect">
+            <a:avLst/>
+          </a:prstGeom>
+        </p:spPr>
+      </p:pic>
+    </p:spTree>
+    <p:extLst>
+      <p:ext uri="{BB962C8B-B14F-4D97-AF65-F5344CB8AC3E}">
+        <p14:creationId xmlns:p14="http://schemas.microsoft.com/office/powerpoint/2010/main" val="134839449"/>
+      </p:ext>
+    </p:extLst>
+  </p:cSld>
+  <p:clrMapOvr>
+    <a:masterClrMapping/>
+  </p:clrMapOvr>
+</p:sld>
+</file>
+
+<file path=ppt/slides/slide17.xml><?xml version="1.0" encoding="utf-8"?>
+<p:sld xmlns:a="http://schemas.openxmlformats.org/drawingml/2006/main" xmlns:r="http://schemas.openxmlformats.org/officeDocument/2006/relationships" xmlns:p="http://schemas.openxmlformats.org/presentationml/2006/main">
+  <p:cSld>
+    <p:spTree>
+      <p:nvGrpSpPr>
+        <p:cNvPr id="1" name=""/>
+        <p:cNvGrpSpPr/>
+        <p:nvPr/>
+      </p:nvGrpSpPr>
+      <p:grpSpPr>
+        <a:xfrm>
+          <a:off x="0" y="0"/>
+          <a:ext cx="0" cy="0"/>
+          <a:chOff x="0" y="0"/>
+          <a:chExt cx="0" cy="0"/>
+        </a:xfrm>
+      </p:grpSpPr>
+      <p:sp>
+        <p:nvSpPr>
+          <p:cNvPr id="10243" name="Text Box 10"/>
+          <p:cNvSpPr txBox="1">
+            <a:spLocks noChangeArrowheads="1"/>
+          </p:cNvSpPr>
+          <p:nvPr/>
+        </p:nvSpPr>
+        <p:spPr bwMode="auto">
+          <a:xfrm>
+            <a:off x="8288338" y="6296025"/>
+            <a:ext cx="827087" cy="366713"/>
+          </a:xfrm>
+          <a:prstGeom prst="rect">
+            <a:avLst/>
+          </a:prstGeom>
+          <a:noFill/>
+          <a:ln w="9525">
+            <a:noFill/>
+            <a:miter lim="800000"/>
+            <a:headEnd/>
+            <a:tailEnd/>
+          </a:ln>
+        </p:spPr>
+        <p:txBody>
+          <a:bodyPr>
+            <a:spAutoFit/>
+          </a:bodyPr>
+          <a:lstStyle/>
+          <a:p>
+            <a:pPr>
+              <a:spcBef>
+                <a:spcPct val="50000"/>
+              </a:spcBef>
+            </a:pPr>
+            <a:endParaRPr lang="pt-PT"/>
+          </a:p>
+        </p:txBody>
+      </p:sp>
+      <p:sp>
+        <p:nvSpPr>
+          <p:cNvPr id="10244" name="Rectangle 11"/>
+          <p:cNvSpPr>
+            <a:spLocks noChangeArrowheads="1"/>
+          </p:cNvSpPr>
+          <p:nvPr/>
+        </p:nvSpPr>
+        <p:spPr bwMode="auto">
+          <a:xfrm>
+            <a:off x="8327571" y="6496091"/>
+            <a:ext cx="936625" cy="260350"/>
+          </a:xfrm>
+          <a:prstGeom prst="rect">
+            <a:avLst/>
+          </a:prstGeom>
+          <a:noFill/>
+          <a:ln w="9525">
+            <a:noFill/>
+            <a:miter lim="800000"/>
+            <a:headEnd/>
+            <a:tailEnd/>
+          </a:ln>
+        </p:spPr>
+        <p:txBody>
+          <a:bodyPr anchor="ctr"/>
+          <a:lstStyle/>
+          <a:p>
+            <a:pPr algn="ctr"/>
+            <a:r>
+              <a:rPr lang="pt-PT" sz="1000" dirty="0"/>
+              <a:t>- </a:t>
+            </a:r>
+            <a:fld id="{1234D2FF-8FB9-47A1-B8C9-42A5F500BA2F}" type="slidenum">
+              <a:rPr lang="pt-PT" sz="1000"/>
+              <a:pPr algn="ctr"/>
+              <a:t>17</a:t>
+            </a:fld>
+            <a:r>
+              <a:rPr lang="pt-PT" sz="1000" dirty="0"/>
+              <a:t> -</a:t>
+            </a:r>
+          </a:p>
+        </p:txBody>
+      </p:sp>
+      <p:sp>
+        <p:nvSpPr>
+          <p:cNvPr id="9229" name="Text Box 13"/>
+          <p:cNvSpPr txBox="1">
+            <a:spLocks noChangeArrowheads="1"/>
+          </p:cNvSpPr>
+          <p:nvPr/>
+        </p:nvSpPr>
+        <p:spPr bwMode="auto">
+          <a:xfrm>
+            <a:off x="250825" y="546149"/>
+            <a:ext cx="6981825" cy="400050"/>
+          </a:xfrm>
+          <a:prstGeom prst="rect">
+            <a:avLst/>
+          </a:prstGeom>
+          <a:noFill/>
+          <a:ln w="9525">
+            <a:noFill/>
+            <a:miter lim="800000"/>
+            <a:headEnd/>
+            <a:tailEnd/>
+          </a:ln>
+          <a:effectLst/>
+        </p:spPr>
+        <p:txBody>
+          <a:bodyPr>
+            <a:spAutoFit/>
+          </a:bodyPr>
+          <a:lstStyle/>
+          <a:p>
+            <a:pPr>
+              <a:spcBef>
+                <a:spcPct val="50000"/>
+              </a:spcBef>
+              <a:defRPr/>
+            </a:pPr>
+            <a:r>
+              <a:rPr lang="pt-PT" sz="2000" b="1" dirty="0">
+                <a:solidFill>
+                  <a:srgbClr val="C00000"/>
+                </a:solidFill>
+                <a:effectLst>
+                  <a:outerShdw blurRad="38100" dist="38100" dir="2700000" algn="tl">
+                    <a:srgbClr val="C0C0C0"/>
+                  </a:outerShdw>
+                </a:effectLst>
+                <a:latin typeface="Arial"/>
+                <a:cs typeface="Arial"/>
+              </a:rPr>
+              <a:t>■</a:t>
+            </a:r>
+            <a:r>
+              <a:rPr lang="pt-PT" sz="2000" b="1" dirty="0">
+                <a:effectLst>
+                  <a:outerShdw blurRad="38100" dist="38100" dir="2700000" algn="tl">
+                    <a:srgbClr val="C0C0C0"/>
+                  </a:outerShdw>
+                </a:effectLst>
+                <a:latin typeface="Arial"/>
+                <a:cs typeface="Arial"/>
+              </a:rPr>
+              <a:t> Desenvolvimento (Execução) – Chat </a:t>
+            </a:r>
+            <a:r>
+              <a:rPr lang="pt-PT" sz="2000" b="1" dirty="0" err="1">
+                <a:effectLst>
+                  <a:outerShdw blurRad="38100" dist="38100" dir="2700000" algn="tl">
+                    <a:srgbClr val="C0C0C0"/>
+                  </a:outerShdw>
+                </a:effectLst>
+                <a:latin typeface="Arial"/>
+                <a:cs typeface="Arial"/>
+              </a:rPr>
+              <a:t>Room</a:t>
+            </a:r>
+            <a:endParaRPr lang="pt-PT" sz="2000" b="1" dirty="0">
+              <a:effectLst>
+                <a:outerShdw blurRad="38100" dist="38100" dir="2700000" algn="tl">
+                  <a:srgbClr val="C0C0C0"/>
+                </a:outerShdw>
+              </a:effectLst>
+              <a:latin typeface="Arial" charset="0"/>
+            </a:endParaRPr>
+          </a:p>
+        </p:txBody>
+      </p:sp>
+      <p:sp>
+        <p:nvSpPr>
+          <p:cNvPr id="10247" name="Line 15"/>
+          <p:cNvSpPr>
+            <a:spLocks noChangeShapeType="1"/>
+          </p:cNvSpPr>
+          <p:nvPr/>
+        </p:nvSpPr>
+        <p:spPr bwMode="auto">
+          <a:xfrm>
+            <a:off x="250825" y="0"/>
+            <a:ext cx="0" cy="765175"/>
+          </a:xfrm>
+          <a:prstGeom prst="line">
+            <a:avLst/>
+          </a:prstGeom>
+          <a:noFill/>
+          <a:ln w="25400">
+            <a:solidFill>
+              <a:schemeClr val="tx1"/>
+            </a:solidFill>
+            <a:round/>
+            <a:headEnd/>
+            <a:tailEnd/>
+          </a:ln>
+        </p:spPr>
+        <p:txBody>
+          <a:bodyPr/>
+          <a:lstStyle/>
+          <a:p>
+            <a:endParaRPr lang="pt-PT"/>
+          </a:p>
+        </p:txBody>
+      </p:sp>
+      <p:sp>
+        <p:nvSpPr>
+          <p:cNvPr id="9237" name="Text Box 21"/>
+          <p:cNvSpPr txBox="1">
+            <a:spLocks noChangeArrowheads="1"/>
+          </p:cNvSpPr>
+          <p:nvPr/>
+        </p:nvSpPr>
+        <p:spPr bwMode="auto">
+          <a:xfrm>
+            <a:off x="381001" y="44450"/>
+            <a:ext cx="6138752" cy="276999"/>
+          </a:xfrm>
+          <a:prstGeom prst="rect">
+            <a:avLst/>
+          </a:prstGeom>
+          <a:noFill/>
+          <a:ln w="9525">
+            <a:noFill/>
+            <a:miter lim="800000"/>
+            <a:headEnd/>
+            <a:tailEnd/>
+          </a:ln>
+          <a:effectLst/>
+        </p:spPr>
+        <p:txBody>
+          <a:bodyPr wrap="square">
+            <a:spAutoFit/>
+          </a:bodyPr>
+          <a:lstStyle/>
+          <a:p>
+            <a:pPr>
+              <a:spcBef>
+                <a:spcPct val="50000"/>
+              </a:spcBef>
+              <a:defRPr/>
+            </a:pPr>
+            <a:r>
+              <a:rPr lang="pt-PT" sz="1200" b="1" dirty="0">
+                <a:solidFill>
+                  <a:srgbClr val="FF3300"/>
+                </a:solidFill>
+                <a:effectLst>
+                  <a:outerShdw blurRad="38100" dist="38100" dir="2700000" algn="tl">
+                    <a:srgbClr val="C0C0C0"/>
+                  </a:outerShdw>
+                </a:effectLst>
+                <a:latin typeface="Arial" charset="0"/>
+              </a:rPr>
+              <a:t>INTEGRAÇÃO DE SISTEMAS – TRABALHO PRÁTICO Nº1</a:t>
+            </a:r>
+          </a:p>
+        </p:txBody>
+      </p:sp>
+      <p:sp>
+        <p:nvSpPr>
+          <p:cNvPr id="19" name="Marcador de Posição de Conteúdo 2"/>
+          <p:cNvSpPr txBox="1">
+            <a:spLocks/>
+          </p:cNvSpPr>
+          <p:nvPr/>
+        </p:nvSpPr>
+        <p:spPr>
+          <a:xfrm>
+            <a:off x="457200" y="1156956"/>
+            <a:ext cx="8229600" cy="4937760"/>
+          </a:xfrm>
+          <a:prstGeom prst="rect">
+            <a:avLst/>
+          </a:prstGeom>
+        </p:spPr>
+        <p:txBody>
+          <a:bodyPr vert="horz" lIns="91440" tIns="45720" rIns="91440" bIns="45720" rtlCol="0">
+            <a:normAutofit/>
+          </a:bodyPr>
+          <a:lstStyle/>
+          <a:p>
+            <a:pPr lvl="0">
+              <a:lnSpc>
+                <a:spcPct val="200000"/>
+              </a:lnSpc>
+              <a:spcBef>
+                <a:spcPct val="20000"/>
+              </a:spcBef>
+            </a:pPr>
+            <a:endParaRPr lang="pt-PT" sz="2000" dirty="0">
+              <a:latin typeface="Arial" pitchFamily="34" charset="0"/>
+              <a:cs typeface="Arial" pitchFamily="34" charset="0"/>
+            </a:endParaRPr>
+          </a:p>
+          <a:p>
+            <a:pPr marL="342900" lvl="0" indent="-342900">
+              <a:lnSpc>
+                <a:spcPct val="200000"/>
+              </a:lnSpc>
+              <a:spcBef>
+                <a:spcPct val="20000"/>
+              </a:spcBef>
+              <a:buFont typeface="Arial" panose="020B0604020202020204" pitchFamily="34" charset="0"/>
+              <a:buChar char="•"/>
+            </a:pPr>
+            <a:endParaRPr kumimoji="0" lang="pt-PT" sz="2000" b="0" i="0" u="none" strike="noStrike" kern="1200" cap="none" spc="0" normalizeH="0" baseline="0" noProof="0" dirty="0">
+              <a:ln>
+                <a:noFill/>
+              </a:ln>
+              <a:effectLst/>
+              <a:uLnTx/>
+              <a:uFillTx/>
+              <a:latin typeface="Arial" pitchFamily="34" charset="0"/>
+              <a:cs typeface="Arial" pitchFamily="34" charset="0"/>
+            </a:endParaRPr>
+          </a:p>
+          <a:p>
+            <a:pPr marL="457200" marR="0" lvl="1" indent="0" defTabSz="914400" rtl="0" eaLnBrk="1" fontAlgn="auto" latinLnBrk="0" hangingPunct="1">
+              <a:lnSpc>
+                <a:spcPct val="200000"/>
+              </a:lnSpc>
+              <a:spcBef>
+                <a:spcPct val="20000"/>
+              </a:spcBef>
+              <a:spcAft>
+                <a:spcPts val="0"/>
+              </a:spcAft>
+              <a:buClrTx/>
+              <a:buSzTx/>
+              <a:buFont typeface="Arial" pitchFamily="34" charset="0"/>
+              <a:buNone/>
+              <a:tabLst/>
+              <a:defRPr/>
+            </a:pPr>
+            <a:endParaRPr kumimoji="0" lang="pt-PT" sz="2000" b="0" i="0" u="none" strike="noStrike" kern="1200" cap="none" spc="0" normalizeH="0" baseline="0" noProof="0" dirty="0">
+              <a:ln>
+                <a:noFill/>
+              </a:ln>
+              <a:effectLst/>
+              <a:uLnTx/>
+              <a:uFillTx/>
+              <a:latin typeface="Arial" pitchFamily="34" charset="0"/>
+              <a:cs typeface="Arial" pitchFamily="34" charset="0"/>
+            </a:endParaRPr>
+          </a:p>
+          <a:p>
+            <a:pPr marL="457200" marR="0" lvl="1" indent="0" defTabSz="914400" rtl="0" eaLnBrk="1" fontAlgn="auto" latinLnBrk="0" hangingPunct="1">
+              <a:lnSpc>
+                <a:spcPct val="200000"/>
+              </a:lnSpc>
+              <a:spcBef>
+                <a:spcPct val="20000"/>
+              </a:spcBef>
+              <a:spcAft>
+                <a:spcPts val="0"/>
+              </a:spcAft>
+              <a:buClrTx/>
+              <a:buSzTx/>
+              <a:buFont typeface="Arial" pitchFamily="34" charset="0"/>
+              <a:buNone/>
+              <a:tabLst/>
+              <a:defRPr/>
+            </a:pPr>
+            <a:endParaRPr kumimoji="0" lang="pt-PT" sz="2000" b="0" i="0" u="none" strike="noStrike" kern="1200" cap="none" spc="0" normalizeH="0" baseline="0" noProof="0" dirty="0">
+              <a:ln>
+                <a:noFill/>
+              </a:ln>
+              <a:effectLst/>
+              <a:uLnTx/>
+              <a:uFillTx/>
+              <a:latin typeface="Arial" pitchFamily="34" charset="0"/>
+              <a:cs typeface="Arial" pitchFamily="34" charset="0"/>
+            </a:endParaRPr>
+          </a:p>
+          <a:p>
+            <a:pPr marL="0" marR="0" lvl="0" indent="0" defTabSz="914400" rtl="0" eaLnBrk="1" fontAlgn="auto" latinLnBrk="0" hangingPunct="1">
+              <a:lnSpc>
+                <a:spcPct val="200000"/>
+              </a:lnSpc>
+              <a:spcBef>
+                <a:spcPct val="20000"/>
+              </a:spcBef>
+              <a:spcAft>
+                <a:spcPts val="0"/>
+              </a:spcAft>
+              <a:buClrTx/>
+              <a:buSzTx/>
+              <a:buFont typeface="Arial" pitchFamily="34" charset="0"/>
+              <a:buNone/>
+              <a:tabLst/>
+              <a:defRPr/>
+            </a:pPr>
+            <a:endParaRPr kumimoji="0" lang="pt-PT" sz="2000" b="0" i="0" u="none" strike="noStrike" kern="1200" cap="none" spc="0" normalizeH="0" baseline="0" noProof="0" dirty="0">
+              <a:ln>
+                <a:noFill/>
+              </a:ln>
+              <a:effectLst/>
+              <a:uLnTx/>
+              <a:uFillTx/>
+              <a:latin typeface="Arial" pitchFamily="34" charset="0"/>
+              <a:cs typeface="Arial" pitchFamily="34" charset="0"/>
+            </a:endParaRPr>
+          </a:p>
+          <a:p>
+            <a:pPr marL="0" marR="0" lvl="0" indent="0" defTabSz="914400" rtl="0" eaLnBrk="1" fontAlgn="auto" latinLnBrk="0" hangingPunct="1">
+              <a:lnSpc>
+                <a:spcPct val="200000"/>
+              </a:lnSpc>
+              <a:spcBef>
+                <a:spcPct val="20000"/>
+              </a:spcBef>
+              <a:spcAft>
+                <a:spcPts val="0"/>
+              </a:spcAft>
+              <a:buClrTx/>
+              <a:buSzTx/>
+              <a:buFont typeface="Arial" pitchFamily="34" charset="0"/>
+              <a:buNone/>
+              <a:tabLst/>
+              <a:defRPr/>
+            </a:pPr>
+            <a:endParaRPr kumimoji="0" lang="pt-PT" sz="2000" b="0" i="0" u="none" strike="noStrike" kern="1200" cap="none" spc="0" normalizeH="0" baseline="0" noProof="0" dirty="0">
+              <a:ln>
+                <a:noFill/>
+              </a:ln>
+              <a:effectLst/>
+              <a:uLnTx/>
+              <a:uFillTx/>
+              <a:latin typeface="Arial" pitchFamily="34" charset="0"/>
+              <a:cs typeface="Arial" pitchFamily="34" charset="0"/>
+            </a:endParaRPr>
+          </a:p>
+          <a:p>
+            <a:pPr marL="0" marR="0" lvl="0" indent="0" defTabSz="914400" rtl="0" eaLnBrk="1" fontAlgn="auto" latinLnBrk="0" hangingPunct="1">
+              <a:lnSpc>
+                <a:spcPct val="200000"/>
+              </a:lnSpc>
+              <a:spcBef>
+                <a:spcPct val="20000"/>
+              </a:spcBef>
+              <a:spcAft>
+                <a:spcPts val="0"/>
+              </a:spcAft>
+              <a:buClrTx/>
+              <a:buSzTx/>
+              <a:buFont typeface="Arial" pitchFamily="34" charset="0"/>
+              <a:buNone/>
+              <a:tabLst/>
+              <a:defRPr/>
+            </a:pPr>
+            <a:endParaRPr kumimoji="0" lang="pt-PT" sz="2000" b="0" i="0" u="none" strike="noStrike" kern="1200" cap="none" spc="0" normalizeH="0" baseline="0" noProof="0" dirty="0">
+              <a:ln>
+                <a:noFill/>
+              </a:ln>
+              <a:effectLst/>
+              <a:uLnTx/>
+              <a:uFillTx/>
+              <a:latin typeface="Arial" pitchFamily="34" charset="0"/>
+              <a:cs typeface="Arial" pitchFamily="34" charset="0"/>
+            </a:endParaRPr>
+          </a:p>
+        </p:txBody>
+      </p:sp>
+      <p:pic>
+        <p:nvPicPr>
+          <p:cNvPr id="7" name="Imagem 6">
+            <a:extLst>
+              <a:ext uri="{FF2B5EF4-FFF2-40B4-BE49-F238E27FC236}">
+                <a16:creationId xmlns:a16="http://schemas.microsoft.com/office/drawing/2014/main" id="{54D42837-E70D-4C64-A8A7-E7F751502B92}"/>
+              </a:ext>
+            </a:extLst>
+          </p:cNvPr>
+          <p:cNvPicPr>
+            <a:picLocks noChangeAspect="1"/>
+          </p:cNvPicPr>
+          <p:nvPr/>
+        </p:nvPicPr>
+        <p:blipFill>
+          <a:blip r:embed="rId3"/>
+          <a:stretch>
+            <a:fillRect/>
+          </a:stretch>
+        </p:blipFill>
+        <p:spPr>
+          <a:xfrm>
+            <a:off x="101225" y="904241"/>
+            <a:ext cx="9014192" cy="266482"/>
+          </a:xfrm>
+          <a:prstGeom prst="rect">
+            <a:avLst/>
+          </a:prstGeom>
+        </p:spPr>
+      </p:pic>
+      <p:pic>
+        <p:nvPicPr>
+          <p:cNvPr id="9" name="Imagem 8">
+            <a:extLst>
+              <a:ext uri="{FF2B5EF4-FFF2-40B4-BE49-F238E27FC236}">
+                <a16:creationId xmlns:a16="http://schemas.microsoft.com/office/drawing/2014/main" id="{81982921-1900-46B5-BE82-07BECCD63918}"/>
+              </a:ext>
+            </a:extLst>
+          </p:cNvPr>
+          <p:cNvPicPr>
+            <a:picLocks noChangeAspect="1"/>
+          </p:cNvPicPr>
+          <p:nvPr/>
+        </p:nvPicPr>
+        <p:blipFill>
+          <a:blip r:embed="rId4"/>
+          <a:stretch>
+            <a:fillRect/>
+          </a:stretch>
+        </p:blipFill>
+        <p:spPr>
+          <a:xfrm>
+            <a:off x="0" y="6320212"/>
+            <a:ext cx="9144000" cy="253252"/>
+          </a:xfrm>
+          <a:prstGeom prst="rect">
+            <a:avLst/>
+          </a:prstGeom>
+        </p:spPr>
+      </p:pic>
+      <p:pic>
+        <p:nvPicPr>
+          <p:cNvPr id="13" name="Imagem 12">
+            <a:extLst>
+              <a:ext uri="{FF2B5EF4-FFF2-40B4-BE49-F238E27FC236}">
+                <a16:creationId xmlns:a16="http://schemas.microsoft.com/office/drawing/2014/main" id="{BE263CB9-5E3B-4385-9450-974CDF0F6C7D}"/>
+              </a:ext>
+            </a:extLst>
+          </p:cNvPr>
+          <p:cNvPicPr>
+            <a:picLocks noChangeAspect="1"/>
+          </p:cNvPicPr>
+          <p:nvPr/>
+        </p:nvPicPr>
+        <p:blipFill>
+          <a:blip r:embed="rId5" cstate="print">
+            <a:extLst>
+              <a:ext uri="{28A0092B-C50C-407E-A947-70E740481C1C}">
+                <a14:useLocalDpi xmlns:a14="http://schemas.microsoft.com/office/drawing/2010/main" val="0"/>
+              </a:ext>
+            </a:extLst>
+          </a:blip>
+          <a:stretch>
+            <a:fillRect/>
+          </a:stretch>
+        </p:blipFill>
+        <p:spPr>
+          <a:xfrm>
+            <a:off x="238125" y="6488336"/>
+            <a:ext cx="545959" cy="199802"/>
+          </a:xfrm>
+          <a:prstGeom prst="rect">
+            <a:avLst/>
+          </a:prstGeom>
+        </p:spPr>
+      </p:pic>
+      <p:sp>
+        <p:nvSpPr>
+          <p:cNvPr id="3" name="Rectângulo 19">
+            <a:extLst>
+              <a:ext uri="{FF2B5EF4-FFF2-40B4-BE49-F238E27FC236}">
+                <a16:creationId xmlns:a16="http://schemas.microsoft.com/office/drawing/2014/main" id="{850208AF-C5A5-C009-177D-8C27BB5DCC8B}"/>
+              </a:ext>
+            </a:extLst>
+          </p:cNvPr>
+          <p:cNvSpPr/>
+          <p:nvPr/>
+        </p:nvSpPr>
+        <p:spPr>
+          <a:xfrm>
+            <a:off x="5535613" y="553019"/>
+            <a:ext cx="3505200" cy="261610"/>
+          </a:xfrm>
+          <a:prstGeom prst="rect">
+            <a:avLst/>
+          </a:prstGeom>
+        </p:spPr>
+        <p:txBody>
+          <a:bodyPr wrap="square">
+            <a:spAutoFit/>
+          </a:bodyPr>
+          <a:lstStyle/>
+          <a:p>
+            <a:pPr algn="r"/>
+            <a:r>
+              <a:rPr lang="pt-PT" sz="1100" b="1" cap="all" dirty="0" err="1">
+                <a:highlight>
+                  <a:srgbClr val="FFFF00"/>
+                </a:highlight>
+              </a:rPr>
+              <a:t>Degree</a:t>
+            </a:r>
+            <a:r>
+              <a:rPr lang="pt-PT" sz="1100" b="1" cap="all" dirty="0">
+                <a:highlight>
+                  <a:srgbClr val="FFFF00"/>
+                </a:highlight>
+              </a:rPr>
+              <a:t> IN </a:t>
+            </a:r>
+            <a:r>
+              <a:rPr lang="pt-PT" sz="1100" b="1" cap="all" dirty="0" err="1">
+                <a:highlight>
+                  <a:srgbClr val="FFFF00"/>
+                </a:highlight>
+              </a:rPr>
+              <a:t>Informatics</a:t>
+            </a:r>
+            <a:r>
+              <a:rPr lang="pt-PT" sz="1100" b="1" cap="all" dirty="0">
+                <a:highlight>
+                  <a:srgbClr val="FFFF00"/>
+                </a:highlight>
+              </a:rPr>
+              <a:t> </a:t>
+            </a:r>
+            <a:r>
+              <a:rPr lang="pt-PT" sz="1100" b="1" cap="all" dirty="0" err="1">
+                <a:highlight>
+                  <a:srgbClr val="FFFF00"/>
+                </a:highlight>
+              </a:rPr>
+              <a:t>engineering</a:t>
+            </a:r>
+            <a:endParaRPr lang="pt-PT" sz="1100" dirty="0">
+              <a:highlight>
+                <a:srgbClr val="FFFF00"/>
+              </a:highlight>
+            </a:endParaRPr>
+          </a:p>
+        </p:txBody>
+      </p:sp>
+      <p:pic>
+        <p:nvPicPr>
+          <p:cNvPr id="5" name="Imagem 4">
+            <a:extLst>
+              <a:ext uri="{FF2B5EF4-FFF2-40B4-BE49-F238E27FC236}">
+                <a16:creationId xmlns:a16="http://schemas.microsoft.com/office/drawing/2014/main" id="{4B69841B-4743-42E9-837A-73B87FC5C8CF}"/>
+              </a:ext>
+            </a:extLst>
+          </p:cNvPr>
+          <p:cNvPicPr>
+            <a:picLocks noChangeAspect="1"/>
+          </p:cNvPicPr>
+          <p:nvPr/>
+        </p:nvPicPr>
+        <p:blipFill>
+          <a:blip r:embed="rId6" cstate="print">
+            <a:extLst>
+              <a:ext uri="{28A0092B-C50C-407E-A947-70E740481C1C}">
+                <a14:useLocalDpi xmlns:a14="http://schemas.microsoft.com/office/drawing/2010/main" val="0"/>
+              </a:ext>
+            </a:extLst>
+          </a:blip>
+          <a:stretch>
+            <a:fillRect/>
+          </a:stretch>
+        </p:blipFill>
+        <p:spPr>
+          <a:xfrm>
+            <a:off x="6575316" y="9186"/>
+            <a:ext cx="2575034" cy="639880"/>
+          </a:xfrm>
+          <a:prstGeom prst="rect">
+            <a:avLst/>
+          </a:prstGeom>
+        </p:spPr>
+      </p:pic>
+      <p:sp>
+        <p:nvSpPr>
+          <p:cNvPr id="2" name="Subtítulo 2">
+            <a:extLst>
+              <a:ext uri="{FF2B5EF4-FFF2-40B4-BE49-F238E27FC236}">
+                <a16:creationId xmlns:a16="http://schemas.microsoft.com/office/drawing/2014/main" id="{50369DE4-0D6E-7A10-AF37-333F300DD770}"/>
+              </a:ext>
+            </a:extLst>
+          </p:cNvPr>
+          <p:cNvSpPr txBox="1">
+            <a:spLocks/>
+          </p:cNvSpPr>
+          <p:nvPr/>
+        </p:nvSpPr>
+        <p:spPr>
+          <a:xfrm>
+            <a:off x="836017" y="6524516"/>
+            <a:ext cx="7698382" cy="162409"/>
+          </a:xfrm>
+          <a:prstGeom prst="rect">
+            <a:avLst/>
+          </a:prstGeom>
+        </p:spPr>
+        <p:txBody>
+          <a:bodyPr vert="horz" lIns="68580" tIns="34290" rIns="68580" bIns="34290" rtlCol="0">
+            <a:normAutofit fontScale="92500" lnSpcReduction="20000"/>
+          </a:bodyPr>
+          <a:lstStyle>
+            <a:lvl1pPr marL="0" indent="0" algn="ctr" defTabSz="914400" rtl="0" eaLnBrk="1" latinLnBrk="0" hangingPunct="1">
+              <a:lnSpc>
+                <a:spcPct val="90000"/>
+              </a:lnSpc>
+              <a:spcBef>
+                <a:spcPts val="1000"/>
+              </a:spcBef>
+              <a:buFont typeface="Arial" panose="020B0604020202020204" pitchFamily="34" charset="0"/>
+              <a:buNone/>
+              <a:defRPr sz="2400" kern="1200">
+                <a:solidFill>
+                  <a:schemeClr val="tx1"/>
+                </a:solidFill>
+                <a:latin typeface="+mn-lt"/>
+                <a:ea typeface="+mn-ea"/>
+                <a:cs typeface="+mn-cs"/>
+              </a:defRPr>
+            </a:lvl1pPr>
+            <a:lvl2pPr marL="457200" indent="0" algn="ctr" defTabSz="914400" rtl="0" eaLnBrk="1" latinLnBrk="0" hangingPunct="1">
+              <a:lnSpc>
+                <a:spcPct val="90000"/>
+              </a:lnSpc>
+              <a:spcBef>
+                <a:spcPts val="500"/>
+              </a:spcBef>
+              <a:buFont typeface="Arial" panose="020B0604020202020204" pitchFamily="34" charset="0"/>
+              <a:buNone/>
+              <a:defRPr sz="2000" kern="1200">
+                <a:solidFill>
+                  <a:schemeClr val="tx1"/>
+                </a:solidFill>
+                <a:latin typeface="+mn-lt"/>
+                <a:ea typeface="+mn-ea"/>
+                <a:cs typeface="+mn-cs"/>
+              </a:defRPr>
+            </a:lvl2pPr>
+            <a:lvl3pPr marL="914400" indent="0" algn="ctr" defTabSz="914400" rtl="0" eaLnBrk="1" latinLnBrk="0" hangingPunct="1">
+              <a:lnSpc>
+                <a:spcPct val="90000"/>
+              </a:lnSpc>
+              <a:spcBef>
+                <a:spcPts val="500"/>
+              </a:spcBef>
+              <a:buFont typeface="Arial" panose="020B0604020202020204" pitchFamily="34" charset="0"/>
+              <a:buNone/>
+              <a:defRPr sz="1800" kern="1200">
+                <a:solidFill>
+                  <a:schemeClr val="tx1"/>
+                </a:solidFill>
+                <a:latin typeface="+mn-lt"/>
+                <a:ea typeface="+mn-ea"/>
+                <a:cs typeface="+mn-cs"/>
+              </a:defRPr>
+            </a:lvl3pPr>
+            <a:lvl4pPr marL="1371600" indent="0" algn="ctr" defTabSz="914400" rtl="0" eaLnBrk="1" latinLnBrk="0" hangingPunct="1">
+              <a:lnSpc>
+                <a:spcPct val="90000"/>
+              </a:lnSpc>
+              <a:spcBef>
+                <a:spcPts val="500"/>
+              </a:spcBef>
+              <a:buFont typeface="Arial" panose="020B0604020202020204" pitchFamily="34" charset="0"/>
+              <a:buNone/>
+              <a:defRPr sz="1600" kern="1200">
+                <a:solidFill>
+                  <a:schemeClr val="tx1"/>
+                </a:solidFill>
+                <a:latin typeface="+mn-lt"/>
+                <a:ea typeface="+mn-ea"/>
+                <a:cs typeface="+mn-cs"/>
+              </a:defRPr>
+            </a:lvl4pPr>
+            <a:lvl5pPr marL="1828800" indent="0" algn="ctr" defTabSz="914400" rtl="0" eaLnBrk="1" latinLnBrk="0" hangingPunct="1">
+              <a:lnSpc>
+                <a:spcPct val="90000"/>
+              </a:lnSpc>
+              <a:spcBef>
+                <a:spcPts val="500"/>
+              </a:spcBef>
+              <a:buFont typeface="Arial" panose="020B0604020202020204" pitchFamily="34" charset="0"/>
+              <a:buNone/>
+              <a:defRPr sz="1600" kern="1200">
+                <a:solidFill>
+                  <a:schemeClr val="tx1"/>
+                </a:solidFill>
+                <a:latin typeface="+mn-lt"/>
+                <a:ea typeface="+mn-ea"/>
+                <a:cs typeface="+mn-cs"/>
+              </a:defRPr>
+            </a:lvl5pPr>
+            <a:lvl6pPr marL="2286000" indent="0" algn="ctr" defTabSz="914400" rtl="0" eaLnBrk="1" latinLnBrk="0" hangingPunct="1">
+              <a:lnSpc>
+                <a:spcPct val="90000"/>
+              </a:lnSpc>
+              <a:spcBef>
+                <a:spcPts val="500"/>
+              </a:spcBef>
+              <a:buFont typeface="Arial" panose="020B0604020202020204" pitchFamily="34" charset="0"/>
+              <a:buNone/>
+              <a:defRPr sz="1600" kern="1200">
+                <a:solidFill>
+                  <a:schemeClr val="tx1"/>
+                </a:solidFill>
+                <a:latin typeface="+mn-lt"/>
+                <a:ea typeface="+mn-ea"/>
+                <a:cs typeface="+mn-cs"/>
+              </a:defRPr>
+            </a:lvl6pPr>
+            <a:lvl7pPr marL="2743200" indent="0" algn="ctr" defTabSz="914400" rtl="0" eaLnBrk="1" latinLnBrk="0" hangingPunct="1">
+              <a:lnSpc>
+                <a:spcPct val="90000"/>
+              </a:lnSpc>
+              <a:spcBef>
+                <a:spcPts val="500"/>
+              </a:spcBef>
+              <a:buFont typeface="Arial" panose="020B0604020202020204" pitchFamily="34" charset="0"/>
+              <a:buNone/>
+              <a:defRPr sz="1600" kern="1200">
+                <a:solidFill>
+                  <a:schemeClr val="tx1"/>
+                </a:solidFill>
+                <a:latin typeface="+mn-lt"/>
+                <a:ea typeface="+mn-ea"/>
+                <a:cs typeface="+mn-cs"/>
+              </a:defRPr>
+            </a:lvl7pPr>
+            <a:lvl8pPr marL="3200400" indent="0" algn="ctr" defTabSz="914400" rtl="0" eaLnBrk="1" latinLnBrk="0" hangingPunct="1">
+              <a:lnSpc>
+                <a:spcPct val="90000"/>
+              </a:lnSpc>
+              <a:spcBef>
+                <a:spcPts val="500"/>
+              </a:spcBef>
+              <a:buFont typeface="Arial" panose="020B0604020202020204" pitchFamily="34" charset="0"/>
+              <a:buNone/>
+              <a:defRPr sz="1600" kern="1200">
+                <a:solidFill>
+                  <a:schemeClr val="tx1"/>
+                </a:solidFill>
+                <a:latin typeface="+mn-lt"/>
+                <a:ea typeface="+mn-ea"/>
+                <a:cs typeface="+mn-cs"/>
+              </a:defRPr>
+            </a:lvl8pPr>
+            <a:lvl9pPr marL="3657600" indent="0" algn="ctr" defTabSz="914400" rtl="0" eaLnBrk="1" latinLnBrk="0" hangingPunct="1">
+              <a:lnSpc>
+                <a:spcPct val="90000"/>
+              </a:lnSpc>
+              <a:spcBef>
+                <a:spcPts val="500"/>
+              </a:spcBef>
+              <a:buFont typeface="Arial" panose="020B0604020202020204" pitchFamily="34" charset="0"/>
+              <a:buNone/>
+              <a:defRPr sz="1600" kern="1200">
+                <a:solidFill>
+                  <a:schemeClr val="tx1"/>
+                </a:solidFill>
+                <a:latin typeface="+mn-lt"/>
+                <a:ea typeface="+mn-ea"/>
+                <a:cs typeface="+mn-cs"/>
+              </a:defRPr>
+            </a:lvl9pPr>
+          </a:lstStyle>
+          <a:p>
+            <a:pPr algn="l"/>
+            <a:r>
+              <a:rPr lang="pt-PT" sz="900" dirty="0">
+                <a:latin typeface="Arial" charset="0"/>
+                <a:ea typeface="Arial" charset="0"/>
+                <a:cs typeface="Arial" charset="0"/>
+              </a:rPr>
+              <a:t>@Rafael André | </a:t>
+            </a:r>
+            <a:r>
+              <a:rPr lang="pt-PT" sz="900" b="1" dirty="0">
+                <a:solidFill>
+                  <a:srgbClr val="C00000"/>
+                </a:solidFill>
+                <a:latin typeface="Arial" charset="0"/>
+                <a:ea typeface="Arial" charset="0"/>
+                <a:cs typeface="Arial" charset="0"/>
+              </a:rPr>
+              <a:t>Unidade Curricular: INTEGRAÇÃO DE SISTEMAS </a:t>
+            </a:r>
+            <a:r>
+              <a:rPr lang="pt-PT" sz="900" dirty="0">
+                <a:latin typeface="Arial" charset="0"/>
+                <a:ea typeface="Arial" charset="0"/>
+                <a:cs typeface="Arial" charset="0"/>
+              </a:rPr>
+              <a:t>– Ano Letivo 2023/2024 – </a:t>
+            </a:r>
+            <a:r>
+              <a:rPr lang="pt-PT" sz="900" b="1" dirty="0">
+                <a:latin typeface="Arial" charset="0"/>
+                <a:ea typeface="Arial" charset="0"/>
+                <a:cs typeface="Arial" charset="0"/>
+              </a:rPr>
+              <a:t>Trabalho Prático 1</a:t>
+            </a:r>
+          </a:p>
+        </p:txBody>
+      </p:sp>
+      <p:sp>
+        <p:nvSpPr>
+          <p:cNvPr id="4" name="CaixaDeTexto 3">
+            <a:extLst>
+              <a:ext uri="{FF2B5EF4-FFF2-40B4-BE49-F238E27FC236}">
+                <a16:creationId xmlns:a16="http://schemas.microsoft.com/office/drawing/2014/main" id="{D76BB0A7-305E-CAF6-7803-D1E8EDDC4213}"/>
+              </a:ext>
+            </a:extLst>
+          </p:cNvPr>
+          <p:cNvSpPr txBox="1"/>
+          <p:nvPr/>
+        </p:nvSpPr>
+        <p:spPr>
+          <a:xfrm>
+            <a:off x="3200400" y="1304291"/>
+            <a:ext cx="4843353" cy="646331"/>
+          </a:xfrm>
+          <a:prstGeom prst="rect">
+            <a:avLst/>
+          </a:prstGeom>
+          <a:noFill/>
+        </p:spPr>
+        <p:txBody>
+          <a:bodyPr wrap="square" rtlCol="0">
+            <a:spAutoFit/>
+          </a:bodyPr>
+          <a:lstStyle/>
+          <a:p>
+            <a:r>
+              <a:rPr lang="pt-PT" dirty="0"/>
+              <a:t>Terminal do servidor</a:t>
+            </a:r>
+          </a:p>
+          <a:p>
+            <a:endParaRPr lang="pt-PT" dirty="0"/>
+          </a:p>
+        </p:txBody>
+      </p:sp>
+      <p:pic>
+        <p:nvPicPr>
+          <p:cNvPr id="11" name="Imagem 10">
+            <a:extLst>
+              <a:ext uri="{FF2B5EF4-FFF2-40B4-BE49-F238E27FC236}">
+                <a16:creationId xmlns:a16="http://schemas.microsoft.com/office/drawing/2014/main" id="{5C400FD4-26E3-7B92-D7EF-3597B0209ECE}"/>
+              </a:ext>
+            </a:extLst>
+          </p:cNvPr>
+          <p:cNvPicPr>
+            <a:picLocks noChangeAspect="1"/>
+          </p:cNvPicPr>
+          <p:nvPr/>
+        </p:nvPicPr>
+        <p:blipFill>
+          <a:blip r:embed="rId7"/>
+          <a:stretch>
+            <a:fillRect/>
+          </a:stretch>
+        </p:blipFill>
+        <p:spPr>
+          <a:xfrm>
+            <a:off x="1744441" y="2260943"/>
+            <a:ext cx="5655117" cy="2520000"/>
+          </a:xfrm>
+          <a:prstGeom prst="rect">
+            <a:avLst/>
+          </a:prstGeom>
+        </p:spPr>
+      </p:pic>
+    </p:spTree>
+    <p:extLst>
+      <p:ext uri="{BB962C8B-B14F-4D97-AF65-F5344CB8AC3E}">
+        <p14:creationId xmlns:p14="http://schemas.microsoft.com/office/powerpoint/2010/main" val="3772580526"/>
+      </p:ext>
+    </p:extLst>
+  </p:cSld>
+  <p:clrMapOvr>
+    <a:masterClrMapping/>
+  </p:clrMapOvr>
+</p:sld>
+</file>
+
+<file path=ppt/slides/slide18.xml><?xml version="1.0" encoding="utf-8"?>
+<p:sld xmlns:a="http://schemas.openxmlformats.org/drawingml/2006/main" xmlns:r="http://schemas.openxmlformats.org/officeDocument/2006/relationships" xmlns:p="http://schemas.openxmlformats.org/presentationml/2006/main">
+  <p:cSld>
+    <p:spTree>
+      <p:nvGrpSpPr>
+        <p:cNvPr id="1" name=""/>
+        <p:cNvGrpSpPr/>
+        <p:nvPr/>
+      </p:nvGrpSpPr>
+      <p:grpSpPr>
+        <a:xfrm>
+          <a:off x="0" y="0"/>
+          <a:ext cx="0" cy="0"/>
+          <a:chOff x="0" y="0"/>
+          <a:chExt cx="0" cy="0"/>
+        </a:xfrm>
+      </p:grpSpPr>
+      <p:sp>
+        <p:nvSpPr>
           <p:cNvPr id="9229" name="Text Box 13"/>
           <p:cNvSpPr txBox="1">
             <a:spLocks noChangeArrowheads="1"/>
@@ -11122,20 +14481,6 @@
               <a:defRPr/>
             </a:pPr>
             <a:r>
-              <a:rPr kumimoji="0" lang="en-US" sz="2400" b="1" i="1" u="none" strike="noStrike" kern="1200" cap="none" spc="0" normalizeH="0" baseline="0" noProof="0" dirty="0" err="1">
-                <a:ln>
-                  <a:noFill/>
-                </a:ln>
-                <a:effectLst/>
-                <a:uLnTx/>
-                <a:uFillTx/>
-                <a:latin typeface="Arial" panose="020B0604020202020204" pitchFamily="34" charset="0"/>
-                <a:cs typeface="Arial" panose="020B0604020202020204" pitchFamily="34" charset="0"/>
-                <a:hlinkClick r:id="rId3"/>
-              </a:rPr>
-              <a:t>Ficheiro</a:t>
-            </a:r>
-            <a:r>
               <a:rPr kumimoji="0" lang="en-US" sz="2400" b="1" i="1" u="none" strike="noStrike" kern="1200" cap="none" spc="0" normalizeH="0" baseline="0" noProof="0" dirty="0">
                 <a:ln>
                   <a:noFill/>
@@ -11147,7 +14492,7 @@
                 <a:cs typeface="Arial" panose="020B0604020202020204" pitchFamily="34" charset="0"/>
                 <a:hlinkClick r:id="rId3"/>
               </a:rPr>
-              <a:t> server.py</a:t>
+              <a:t>Tutorial 1</a:t>
             </a:r>
             <a:r>
               <a:rPr kumimoji="0" lang="en-US" sz="2400" b="1" i="1" u="none" strike="noStrike" kern="1200" cap="none" spc="0" normalizeH="0" baseline="0" noProof="0" dirty="0">
@@ -11175,20 +14520,6 @@
               <a:buChar char="•"/>
               <a:defRPr/>
             </a:pPr>
-            <a:r>
-              <a:rPr kumimoji="0" lang="en-US" sz="2400" b="1" i="1" u="none" strike="noStrike" kern="1200" cap="none" spc="0" normalizeH="0" baseline="0" noProof="0" dirty="0" err="1">
-                <a:ln>
-                  <a:noFill/>
-                </a:ln>
-                <a:effectLst/>
-                <a:uLnTx/>
-                <a:uFillTx/>
-                <a:latin typeface="Arial" panose="020B0604020202020204" pitchFamily="34" charset="0"/>
-                <a:cs typeface="Arial" panose="020B0604020202020204" pitchFamily="34" charset="0"/>
-                <a:hlinkClick r:id="rId4"/>
-              </a:rPr>
-              <a:t>Ficheiro</a:t>
-            </a:r>
             <a:r>
               <a:rPr kumimoji="0" lang="en-US" sz="2400" b="1" i="1" u="none" strike="noStrike" kern="1200" cap="none" spc="0" normalizeH="0" baseline="0" noProof="0" dirty="0">
                 <a:ln>
@@ -11200,86 +14531,6 @@
                 <a:latin typeface="Arial" panose="020B0604020202020204" pitchFamily="34" charset="0"/>
                 <a:cs typeface="Arial" panose="020B0604020202020204" pitchFamily="34" charset="0"/>
                 <a:hlinkClick r:id="rId4"/>
-              </a:rPr>
-              <a:t> cliente.py</a:t>
-            </a:r>
-            <a:r>
-              <a:rPr kumimoji="0" lang="en-US" sz="2400" b="1" i="1" u="none" strike="noStrike" kern="1200" cap="none" spc="0" normalizeH="0" baseline="0" noProof="0" dirty="0">
-                <a:ln>
-                  <a:noFill/>
-                </a:ln>
-                <a:effectLst/>
-                <a:uLnTx/>
-                <a:uFillTx/>
-                <a:latin typeface="Arial" panose="020B0604020202020204" pitchFamily="34" charset="0"/>
-                <a:cs typeface="Arial" panose="020B0604020202020204" pitchFamily="34" charset="0"/>
-              </a:rPr>
-              <a:t>;</a:t>
-            </a:r>
-          </a:p>
-          <a:p>
-            <a:pPr marL="285750" indent="-285750">
-              <a:lnSpc>
-                <a:spcPct val="200000"/>
-              </a:lnSpc>
-              <a:spcBef>
-                <a:spcPct val="20000"/>
-              </a:spcBef>
-              <a:buFont typeface="Arial" panose="020B0604020202020204" pitchFamily="34" charset="0"/>
-              <a:buChar char="•"/>
-              <a:defRPr/>
-            </a:pPr>
-            <a:r>
-              <a:rPr kumimoji="0" lang="en-US" sz="2400" b="1" i="1" u="none" strike="noStrike" kern="1200" cap="none" spc="0" normalizeH="0" baseline="0" noProof="0" dirty="0">
-                <a:ln>
-                  <a:noFill/>
-                </a:ln>
-                <a:effectLst/>
-                <a:uLnTx/>
-                <a:uFillTx/>
-                <a:latin typeface="Arial" panose="020B0604020202020204" pitchFamily="34" charset="0"/>
-                <a:cs typeface="Arial" panose="020B0604020202020204" pitchFamily="34" charset="0"/>
-                <a:hlinkClick r:id="rId5"/>
-              </a:rPr>
-              <a:t>Tutorial 1</a:t>
-            </a:r>
-            <a:r>
-              <a:rPr kumimoji="0" lang="en-US" sz="2400" b="1" i="1" u="none" strike="noStrike" kern="1200" cap="none" spc="0" normalizeH="0" baseline="0" noProof="0" dirty="0">
-                <a:ln>
-                  <a:noFill/>
-                </a:ln>
-                <a:effectLst/>
-                <a:uLnTx/>
-                <a:uFillTx/>
-                <a:latin typeface="Arial" panose="020B0604020202020204" pitchFamily="34" charset="0"/>
-                <a:cs typeface="Arial" panose="020B0604020202020204" pitchFamily="34" charset="0"/>
-              </a:rPr>
-              <a:t>;</a:t>
-            </a:r>
-          </a:p>
-          <a:p>
-            <a:pPr marL="285750" indent="-285750">
-              <a:lnSpc>
-                <a:spcPct val="200000"/>
-              </a:lnSpc>
-              <a:spcBef>
-                <a:spcPct val="20000"/>
-              </a:spcBef>
-              <a:buFont typeface="Arial" panose="020B0604020202020204" pitchFamily="34" charset="0"/>
-              <a:buChar char="•"/>
-              <a:defRPr/>
-            </a:pPr>
-            <a:r>
-              <a:rPr kumimoji="0" lang="en-US" sz="2400" b="1" i="1" u="none" strike="noStrike" kern="1200" cap="none" spc="0" normalizeH="0" baseline="0" noProof="0" dirty="0">
-                <a:ln>
-                  <a:noFill/>
-                </a:ln>
-                <a:effectLst/>
-                <a:uLnTx/>
-                <a:uFillTx/>
-                <a:latin typeface="Arial" panose="020B0604020202020204" pitchFamily="34" charset="0"/>
-                <a:cs typeface="Arial" panose="020B0604020202020204" pitchFamily="34" charset="0"/>
-                <a:hlinkClick r:id="rId6"/>
               </a:rPr>
               <a:t>Tutorial 2</a:t>
             </a:r>
@@ -11348,7 +14599,7 @@
           <p:nvPr/>
         </p:nvPicPr>
         <p:blipFill>
-          <a:blip r:embed="rId7"/>
+          <a:blip r:embed="rId5"/>
           <a:stretch>
             <a:fillRect/>
           </a:stretch>
@@ -11445,6 +14696,168 @@
             <a:extLst>
               <a:ext uri="{FF2B5EF4-FFF2-40B4-BE49-F238E27FC236}">
                 <a16:creationId xmlns:a16="http://schemas.microsoft.com/office/drawing/2014/main" id="{BC0DA002-1D3A-41DC-B132-1A198053902D}"/>
+              </a:ext>
+            </a:extLst>
+          </p:cNvPr>
+          <p:cNvPicPr>
+            <a:picLocks noChangeAspect="1"/>
+          </p:cNvPicPr>
+          <p:nvPr/>
+        </p:nvPicPr>
+        <p:blipFill>
+          <a:blip r:embed="rId6" cstate="print">
+            <a:extLst>
+              <a:ext uri="{28A0092B-C50C-407E-A947-70E740481C1C}">
+                <a14:useLocalDpi xmlns:a14="http://schemas.microsoft.com/office/drawing/2010/main" val="0"/>
+              </a:ext>
+            </a:extLst>
+          </a:blip>
+          <a:stretch>
+            <a:fillRect/>
+          </a:stretch>
+        </p:blipFill>
+        <p:spPr>
+          <a:xfrm>
+            <a:off x="6575316" y="9186"/>
+            <a:ext cx="2575034" cy="639880"/>
+          </a:xfrm>
+          <a:prstGeom prst="rect">
+            <a:avLst/>
+          </a:prstGeom>
+        </p:spPr>
+      </p:pic>
+      <p:sp>
+        <p:nvSpPr>
+          <p:cNvPr id="2" name="Text Box 10">
+            <a:extLst>
+              <a:ext uri="{FF2B5EF4-FFF2-40B4-BE49-F238E27FC236}">
+                <a16:creationId xmlns:a16="http://schemas.microsoft.com/office/drawing/2014/main" id="{1204D73C-759C-3E01-1E9B-19D68FC71E2A}"/>
+              </a:ext>
+            </a:extLst>
+          </p:cNvPr>
+          <p:cNvSpPr txBox="1">
+            <a:spLocks noChangeArrowheads="1"/>
+          </p:cNvSpPr>
+          <p:nvPr/>
+        </p:nvSpPr>
+        <p:spPr bwMode="auto">
+          <a:xfrm>
+            <a:off x="8288338" y="6296025"/>
+            <a:ext cx="827087" cy="366713"/>
+          </a:xfrm>
+          <a:prstGeom prst="rect">
+            <a:avLst/>
+          </a:prstGeom>
+          <a:noFill/>
+          <a:ln w="9525">
+            <a:noFill/>
+            <a:miter lim="800000"/>
+            <a:headEnd/>
+            <a:tailEnd/>
+          </a:ln>
+        </p:spPr>
+        <p:txBody>
+          <a:bodyPr>
+            <a:spAutoFit/>
+          </a:bodyPr>
+          <a:lstStyle/>
+          <a:p>
+            <a:pPr>
+              <a:spcBef>
+                <a:spcPct val="50000"/>
+              </a:spcBef>
+            </a:pPr>
+            <a:endParaRPr lang="pt-PT"/>
+          </a:p>
+        </p:txBody>
+      </p:sp>
+      <p:sp>
+        <p:nvSpPr>
+          <p:cNvPr id="3" name="Rectangle 11">
+            <a:extLst>
+              <a:ext uri="{FF2B5EF4-FFF2-40B4-BE49-F238E27FC236}">
+                <a16:creationId xmlns:a16="http://schemas.microsoft.com/office/drawing/2014/main" id="{66F8E842-06BB-5B20-ECE1-C729A90ED05D}"/>
+              </a:ext>
+            </a:extLst>
+          </p:cNvPr>
+          <p:cNvSpPr>
+            <a:spLocks noChangeArrowheads="1"/>
+          </p:cNvSpPr>
+          <p:nvPr/>
+        </p:nvSpPr>
+        <p:spPr bwMode="auto">
+          <a:xfrm>
+            <a:off x="8327571" y="6496091"/>
+            <a:ext cx="936625" cy="260350"/>
+          </a:xfrm>
+          <a:prstGeom prst="rect">
+            <a:avLst/>
+          </a:prstGeom>
+          <a:noFill/>
+          <a:ln w="9525">
+            <a:noFill/>
+            <a:miter lim="800000"/>
+            <a:headEnd/>
+            <a:tailEnd/>
+          </a:ln>
+        </p:spPr>
+        <p:txBody>
+          <a:bodyPr anchor="ctr"/>
+          <a:lstStyle/>
+          <a:p>
+            <a:pPr algn="ctr"/>
+            <a:r>
+              <a:rPr lang="pt-PT" sz="1000" dirty="0"/>
+              <a:t>- </a:t>
+            </a:r>
+            <a:fld id="{1234D2FF-8FB9-47A1-B8C9-42A5F500BA2F}" type="slidenum">
+              <a:rPr lang="pt-PT" sz="1000"/>
+              <a:pPr algn="ctr"/>
+              <a:t>18</a:t>
+            </a:fld>
+            <a:r>
+              <a:rPr lang="pt-PT" sz="1000" dirty="0"/>
+              <a:t> -</a:t>
+            </a:r>
+          </a:p>
+        </p:txBody>
+      </p:sp>
+      <p:pic>
+        <p:nvPicPr>
+          <p:cNvPr id="4" name="Imagem 3">
+            <a:extLst>
+              <a:ext uri="{FF2B5EF4-FFF2-40B4-BE49-F238E27FC236}">
+                <a16:creationId xmlns:a16="http://schemas.microsoft.com/office/drawing/2014/main" id="{8E16A8DF-702E-2F9F-FC6A-BBE9CEF5C36F}"/>
+              </a:ext>
+            </a:extLst>
+          </p:cNvPr>
+          <p:cNvPicPr>
+            <a:picLocks noChangeAspect="1"/>
+          </p:cNvPicPr>
+          <p:nvPr/>
+        </p:nvPicPr>
+        <p:blipFill>
+          <a:blip r:embed="rId7"/>
+          <a:stretch>
+            <a:fillRect/>
+          </a:stretch>
+        </p:blipFill>
+        <p:spPr>
+          <a:xfrm>
+            <a:off x="0" y="6320212"/>
+            <a:ext cx="9144000" cy="253252"/>
+          </a:xfrm>
+          <a:prstGeom prst="rect">
+            <a:avLst/>
+          </a:prstGeom>
+        </p:spPr>
+      </p:pic>
+      <p:pic>
+        <p:nvPicPr>
+          <p:cNvPr id="5" name="Imagem 4">
+            <a:extLst>
+              <a:ext uri="{FF2B5EF4-FFF2-40B4-BE49-F238E27FC236}">
+                <a16:creationId xmlns:a16="http://schemas.microsoft.com/office/drawing/2014/main" id="{6678794F-9054-EA7B-B1E0-DF67F1547B87}"/>
               </a:ext>
             </a:extLst>
           </p:cNvPr>
@@ -11467,168 +14880,6 @@
         </p:blipFill>
         <p:spPr>
           <a:xfrm>
-            <a:off x="6575316" y="9186"/>
-            <a:ext cx="2575034" cy="639880"/>
-          </a:xfrm>
-          <a:prstGeom prst="rect">
-            <a:avLst/>
-          </a:prstGeom>
-        </p:spPr>
-      </p:pic>
-      <p:sp>
-        <p:nvSpPr>
-          <p:cNvPr id="2" name="Text Box 10">
-            <a:extLst>
-              <a:ext uri="{FF2B5EF4-FFF2-40B4-BE49-F238E27FC236}">
-                <a16:creationId xmlns:a16="http://schemas.microsoft.com/office/drawing/2014/main" id="{1204D73C-759C-3E01-1E9B-19D68FC71E2A}"/>
-              </a:ext>
-            </a:extLst>
-          </p:cNvPr>
-          <p:cNvSpPr txBox="1">
-            <a:spLocks noChangeArrowheads="1"/>
-          </p:cNvSpPr>
-          <p:nvPr/>
-        </p:nvSpPr>
-        <p:spPr bwMode="auto">
-          <a:xfrm>
-            <a:off x="8288338" y="6296025"/>
-            <a:ext cx="827087" cy="366713"/>
-          </a:xfrm>
-          <a:prstGeom prst="rect">
-            <a:avLst/>
-          </a:prstGeom>
-          <a:noFill/>
-          <a:ln w="9525">
-            <a:noFill/>
-            <a:miter lim="800000"/>
-            <a:headEnd/>
-            <a:tailEnd/>
-          </a:ln>
-        </p:spPr>
-        <p:txBody>
-          <a:bodyPr>
-            <a:spAutoFit/>
-          </a:bodyPr>
-          <a:lstStyle/>
-          <a:p>
-            <a:pPr>
-              <a:spcBef>
-                <a:spcPct val="50000"/>
-              </a:spcBef>
-            </a:pPr>
-            <a:endParaRPr lang="pt-PT"/>
-          </a:p>
-        </p:txBody>
-      </p:sp>
-      <p:sp>
-        <p:nvSpPr>
-          <p:cNvPr id="3" name="Rectangle 11">
-            <a:extLst>
-              <a:ext uri="{FF2B5EF4-FFF2-40B4-BE49-F238E27FC236}">
-                <a16:creationId xmlns:a16="http://schemas.microsoft.com/office/drawing/2014/main" id="{66F8E842-06BB-5B20-ECE1-C729A90ED05D}"/>
-              </a:ext>
-            </a:extLst>
-          </p:cNvPr>
-          <p:cNvSpPr>
-            <a:spLocks noChangeArrowheads="1"/>
-          </p:cNvSpPr>
-          <p:nvPr/>
-        </p:nvSpPr>
-        <p:spPr bwMode="auto">
-          <a:xfrm>
-            <a:off x="8327571" y="6496091"/>
-            <a:ext cx="936625" cy="260350"/>
-          </a:xfrm>
-          <a:prstGeom prst="rect">
-            <a:avLst/>
-          </a:prstGeom>
-          <a:noFill/>
-          <a:ln w="9525">
-            <a:noFill/>
-            <a:miter lim="800000"/>
-            <a:headEnd/>
-            <a:tailEnd/>
-          </a:ln>
-        </p:spPr>
-        <p:txBody>
-          <a:bodyPr anchor="ctr"/>
-          <a:lstStyle/>
-          <a:p>
-            <a:pPr algn="ctr"/>
-            <a:r>
-              <a:rPr lang="pt-PT" sz="1000" dirty="0"/>
-              <a:t>- </a:t>
-            </a:r>
-            <a:fld id="{1234D2FF-8FB9-47A1-B8C9-42A5F500BA2F}" type="slidenum">
-              <a:rPr lang="pt-PT" sz="1000"/>
-              <a:pPr algn="ctr"/>
-              <a:t>15</a:t>
-            </a:fld>
-            <a:r>
-              <a:rPr lang="pt-PT" sz="1000" dirty="0"/>
-              <a:t> -</a:t>
-            </a:r>
-          </a:p>
-        </p:txBody>
-      </p:sp>
-      <p:pic>
-        <p:nvPicPr>
-          <p:cNvPr id="4" name="Imagem 3">
-            <a:extLst>
-              <a:ext uri="{FF2B5EF4-FFF2-40B4-BE49-F238E27FC236}">
-                <a16:creationId xmlns:a16="http://schemas.microsoft.com/office/drawing/2014/main" id="{8E16A8DF-702E-2F9F-FC6A-BBE9CEF5C36F}"/>
-              </a:ext>
-            </a:extLst>
-          </p:cNvPr>
-          <p:cNvPicPr>
-            <a:picLocks noChangeAspect="1"/>
-          </p:cNvPicPr>
-          <p:nvPr/>
-        </p:nvPicPr>
-        <p:blipFill>
-          <a:blip r:embed="rId9"/>
-          <a:stretch>
-            <a:fillRect/>
-          </a:stretch>
-        </p:blipFill>
-        <p:spPr>
-          <a:xfrm>
-            <a:off x="0" y="6320212"/>
-            <a:ext cx="9144000" cy="253252"/>
-          </a:xfrm>
-          <a:prstGeom prst="rect">
-            <a:avLst/>
-          </a:prstGeom>
-        </p:spPr>
-      </p:pic>
-      <p:pic>
-        <p:nvPicPr>
-          <p:cNvPr id="5" name="Imagem 4">
-            <a:extLst>
-              <a:ext uri="{FF2B5EF4-FFF2-40B4-BE49-F238E27FC236}">
-                <a16:creationId xmlns:a16="http://schemas.microsoft.com/office/drawing/2014/main" id="{6678794F-9054-EA7B-B1E0-DF67F1547B87}"/>
-              </a:ext>
-            </a:extLst>
-          </p:cNvPr>
-          <p:cNvPicPr>
-            <a:picLocks noChangeAspect="1"/>
-          </p:cNvPicPr>
-          <p:nvPr/>
-        </p:nvPicPr>
-        <p:blipFill>
-          <a:blip r:embed="rId10" cstate="print">
-            <a:extLst>
-              <a:ext uri="{28A0092B-C50C-407E-A947-70E740481C1C}">
-                <a14:useLocalDpi xmlns:a14="http://schemas.microsoft.com/office/drawing/2010/main" val="0"/>
-              </a:ext>
-            </a:extLst>
-          </a:blip>
-          <a:stretch>
-            <a:fillRect/>
-          </a:stretch>
-        </p:blipFill>
-        <p:spPr>
-          <a:xfrm>
             <a:off x="238125" y="6488336"/>
             <a:ext cx="545959" cy="199802"/>
           </a:xfrm>
@@ -11988,7 +15239,7 @@
 </p:sld>
 </file>
 
-<file path=ppt/slides/slide16.xml><?xml version="1.0" encoding="utf-8"?>
+<file path=ppt/slides/slide19.xml><?xml version="1.0" encoding="utf-8"?>
 <p:sld xmlns:a="http://schemas.openxmlformats.org/drawingml/2006/main" xmlns:r="http://schemas.openxmlformats.org/officeDocument/2006/relationships" xmlns:p="http://schemas.openxmlformats.org/presentationml/2006/main">
   <p:cSld>
     <p:spTree>
@@ -12405,7 +15656,7 @@
         </p:spPr>
         <p:txBody>
           <a:bodyPr vert="horz" lIns="91440" tIns="45720" rIns="91440" bIns="45720" rtlCol="0">
-            <a:normAutofit fontScale="92500"/>
+            <a:normAutofit fontScale="85000" lnSpcReduction="10000"/>
           </a:bodyPr>
           <a:lstStyle/>
           <a:p>
@@ -12534,7 +15785,21 @@
                 <a:latin typeface="Arial" pitchFamily="34" charset="0"/>
                 <a:cs typeface="Arial" pitchFamily="34" charset="0"/>
               </a:rPr>
-              <a:t>, onde existe a possibilidade de estabelecer ligação a um servidor, e conversar com outras pessoas que estejam no servidor.</a:t>
+              <a:t>, onde existe a possibilidade de estabelecer ligação a um servidor, e conversar com outras pessoas que estejam no servidor e uma </a:t>
+            </a:r>
+            <a:r>
+              <a:rPr lang="pt-PT" sz="2000" i="1" dirty="0">
+                <a:latin typeface="Arial" pitchFamily="34" charset="0"/>
+                <a:cs typeface="Arial" pitchFamily="34" charset="0"/>
+              </a:rPr>
+              <a:t>calculadora</a:t>
+            </a:r>
+            <a:r>
+              <a:rPr lang="pt-PT" sz="2000" dirty="0">
+                <a:latin typeface="Arial" pitchFamily="34" charset="0"/>
+                <a:cs typeface="Arial" pitchFamily="34" charset="0"/>
+              </a:rPr>
+              <a:t>, que permite ao utilizador inserir uma expressão matemática, e o servidor processa a expressão devolvendo o valor ao cliente.</a:t>
             </a:r>
           </a:p>
           <a:p>
@@ -14411,7 +17676,7 @@
                 <a:latin typeface="Arial"/>
                 <a:cs typeface="Arial"/>
               </a:rPr>
-              <a:t> Desenvolvimento</a:t>
+              <a:t> Desenvolvimento - Calculadora</a:t>
             </a:r>
             <a:endParaRPr lang="pt-PT" sz="2000" b="1" dirty="0">
               <a:effectLst>
@@ -14556,7 +17821,7 @@
                 <a:latin typeface="Arial" pitchFamily="34" charset="0"/>
                 <a:cs typeface="Arial" pitchFamily="34" charset="0"/>
               </a:rPr>
-              <a:t>Primeiramente, teremos de criar o servidor, para isso teremos de definir um IP e uma porta, isto para a conexão ao servidor. </a:t>
+              <a:t>Primeiramente, teremos de criar o servidor.</a:t>
             </a:r>
           </a:p>
           <a:p>
@@ -15185,10 +18450,10 @@
       </p:sp>
       <p:pic>
         <p:nvPicPr>
-          <p:cNvPr id="6" name="Imagem 5">
+          <p:cNvPr id="11" name="Imagem 10">
             <a:extLst>
               <a:ext uri="{FF2B5EF4-FFF2-40B4-BE49-F238E27FC236}">
-                <a16:creationId xmlns:a16="http://schemas.microsoft.com/office/drawing/2014/main" id="{1A5CC915-DC4F-81D0-8531-293436FC2C17}"/>
+                <a16:creationId xmlns:a16="http://schemas.microsoft.com/office/drawing/2014/main" id="{9948FEA6-1F51-67D8-ADCD-7EA2E6896711}"/>
               </a:ext>
             </a:extLst>
           </p:cNvPr>
@@ -15205,8 +18470,8 @@
         </p:blipFill>
         <p:spPr>
           <a:xfrm>
-            <a:off x="3401180" y="3283374"/>
-            <a:ext cx="2414282" cy="900000"/>
+            <a:off x="2514600" y="1766938"/>
+            <a:ext cx="3939170" cy="4464000"/>
           </a:xfrm>
           <a:prstGeom prst="rect">
             <a:avLst/>
@@ -15389,7 +18654,7 @@
                 <a:latin typeface="Arial"/>
                 <a:cs typeface="Arial"/>
               </a:rPr>
-              <a:t> Desenvolvimento</a:t>
+              <a:t> Desenvolvimento - Calculadora</a:t>
             </a:r>
             <a:endParaRPr lang="pt-PT" sz="2000" b="1" dirty="0">
               <a:effectLst>
@@ -15513,55 +18778,24 @@
           </a:bodyPr>
           <a:lstStyle/>
           <a:p>
-            <a:pPr marL="342900" lvl="0" indent="-342900">
+            <a:pPr lvl="0">
               <a:lnSpc>
                 <a:spcPct val="200000"/>
               </a:lnSpc>
               <a:spcBef>
                 <a:spcPct val="20000"/>
               </a:spcBef>
-              <a:buFont typeface="Arial" panose="020B0604020202020204" pitchFamily="34" charset="0"/>
-              <a:buChar char="•"/>
             </a:pPr>
-            <a:r>
-              <a:rPr kumimoji="0" lang="pt-PT" sz="2000" b="0" i="0" u="none" strike="noStrike" kern="1200" cap="none" spc="0" normalizeH="0" baseline="0" noProof="0" dirty="0">
-                <a:ln>
-                  <a:noFill/>
-                </a:ln>
-                <a:effectLst/>
-                <a:uLnTx/>
-                <a:uFillTx/>
-                <a:latin typeface="Arial" pitchFamily="34" charset="0"/>
-                <a:cs typeface="Arial" pitchFamily="34" charset="0"/>
-              </a:rPr>
-              <a:t>De seguida, tem de se criar o </a:t>
-            </a:r>
-            <a:r>
-              <a:rPr kumimoji="0" lang="pt-PT" sz="2000" b="0" i="0" u="none" strike="noStrike" kern="1200" cap="none" spc="0" normalizeH="0" baseline="0" noProof="0" dirty="0" err="1">
-                <a:ln>
-                  <a:noFill/>
-                </a:ln>
-                <a:effectLst/>
-                <a:uLnTx/>
-                <a:uFillTx/>
-                <a:latin typeface="Arial" pitchFamily="34" charset="0"/>
-                <a:cs typeface="Arial" pitchFamily="34" charset="0"/>
-              </a:rPr>
-              <a:t>socket</a:t>
-            </a:r>
-            <a:r>
-              <a:rPr kumimoji="0" lang="pt-PT" sz="2000" b="0" i="0" u="none" strike="noStrike" kern="1200" cap="none" spc="0" normalizeH="0" baseline="0" noProof="0" dirty="0">
-                <a:ln>
-                  <a:noFill/>
-                </a:ln>
-                <a:effectLst/>
-                <a:uLnTx/>
-                <a:uFillTx/>
-                <a:latin typeface="Arial" pitchFamily="34" charset="0"/>
-                <a:cs typeface="Arial" pitchFamily="34" charset="0"/>
-              </a:rPr>
-              <a:t>, para isso, é necessário fazer o seguinte na imagem abaixo. </a:t>
-            </a:r>
+            <a:endParaRPr kumimoji="0" lang="pt-PT" sz="2000" b="0" i="0" u="none" strike="noStrike" kern="1200" cap="none" spc="0" normalizeH="0" baseline="0" noProof="0" dirty="0">
+              <a:ln>
+                <a:noFill/>
+              </a:ln>
+              <a:effectLst/>
+              <a:uLnTx/>
+              <a:uFillTx/>
+              <a:latin typeface="Arial" pitchFamily="34" charset="0"/>
+              <a:cs typeface="Arial" pitchFamily="34" charset="0"/>
+            </a:endParaRPr>
           </a:p>
           <a:p>
             <a:pPr marL="342900" lvl="0" indent="-342900">
@@ -16189,10 +19423,10 @@
       </p:sp>
       <p:pic>
         <p:nvPicPr>
-          <p:cNvPr id="4" name="Imagem 3">
+          <p:cNvPr id="6" name="Imagem 5">
             <a:extLst>
               <a:ext uri="{FF2B5EF4-FFF2-40B4-BE49-F238E27FC236}">
-                <a16:creationId xmlns:a16="http://schemas.microsoft.com/office/drawing/2014/main" id="{A5C02186-FB2E-06A3-A5E1-FC1ED193896E}"/>
+                <a16:creationId xmlns:a16="http://schemas.microsoft.com/office/drawing/2014/main" id="{1839D604-F307-124E-75AA-ED99B152AD32}"/>
               </a:ext>
             </a:extLst>
           </p:cNvPr>
@@ -16209,8 +19443,8 @@
         </p:blipFill>
         <p:spPr>
           <a:xfrm>
-            <a:off x="1343025" y="2733260"/>
-            <a:ext cx="6457950" cy="2524125"/>
+            <a:off x="1295400" y="1296911"/>
+            <a:ext cx="6190962" cy="5112000"/>
           </a:xfrm>
           <a:prstGeom prst="rect">
             <a:avLst/>
@@ -16220,7 +19454,7 @@
     </p:spTree>
     <p:extLst>
       <p:ext uri="{BB962C8B-B14F-4D97-AF65-F5344CB8AC3E}">
-        <p14:creationId xmlns:p14="http://schemas.microsoft.com/office/powerpoint/2010/main" val="394573326"/>
+        <p14:creationId xmlns:p14="http://schemas.microsoft.com/office/powerpoint/2010/main" val="3259040619"/>
       </p:ext>
     </p:extLst>
   </p:cSld>
@@ -16393,7 +19627,7 @@
                 <a:latin typeface="Arial"/>
                 <a:cs typeface="Arial"/>
               </a:rPr>
-              <a:t> Desenvolvimento</a:t>
+              <a:t> Desenvolvimento - Calculadora</a:t>
             </a:r>
             <a:endParaRPr lang="pt-PT" sz="2000" b="1" dirty="0">
               <a:effectLst>
@@ -16524,6 +19758,28 @@
               <a:spcBef>
                 <a:spcPct val="20000"/>
               </a:spcBef>
+            </a:pPr>
+            <a:endParaRPr kumimoji="0" lang="pt-PT" sz="2000" b="0" i="0" u="none" strike="noStrike" kern="1200" cap="none" spc="0" normalizeH="0" baseline="0" noProof="0" dirty="0">
+              <a:ln>
+                <a:noFill/>
+              </a:ln>
+              <a:effectLst/>
+              <a:uLnTx/>
+              <a:uFillTx/>
+              <a:latin typeface="Arial" pitchFamily="34" charset="0"/>
+              <a:cs typeface="Arial" pitchFamily="34" charset="0"/>
+            </a:endParaRPr>
+          </a:p>
+          <a:p>
+            <a:pPr marL="342900" lvl="0" indent="-342900">
+              <a:lnSpc>
+                <a:spcPct val="200000"/>
+              </a:lnSpc>
+              <a:spcBef>
+                <a:spcPct val="20000"/>
+              </a:spcBef>
+              <a:buFont typeface="Arial" panose="020B0604020202020204" pitchFamily="34" charset="0"/>
+              <a:buChar char="•"/>
             </a:pPr>
             <a:endParaRPr lang="pt-PT" sz="2000" dirty="0">
               <a:latin typeface="Arial" pitchFamily="34" charset="0"/>
@@ -17138,12 +20394,51 @@
           </a:p>
         </p:txBody>
       </p:sp>
+      <p:sp>
+        <p:nvSpPr>
+          <p:cNvPr id="4" name="CaixaDeTexto 3">
+            <a:extLst>
+              <a:ext uri="{FF2B5EF4-FFF2-40B4-BE49-F238E27FC236}">
+                <a16:creationId xmlns:a16="http://schemas.microsoft.com/office/drawing/2014/main" id="{1482FAF9-0391-B924-0009-ECEFFE93D668}"/>
+              </a:ext>
+            </a:extLst>
+          </p:cNvPr>
+          <p:cNvSpPr txBox="1"/>
+          <p:nvPr/>
+        </p:nvSpPr>
+        <p:spPr>
+          <a:xfrm>
+            <a:off x="836017" y="1325005"/>
+            <a:ext cx="3554413" cy="369332"/>
+          </a:xfrm>
+          <a:prstGeom prst="rect">
+            <a:avLst/>
+          </a:prstGeom>
+          <a:noFill/>
+        </p:spPr>
+        <p:txBody>
+          <a:bodyPr wrap="square" rtlCol="0">
+            <a:spAutoFit/>
+          </a:bodyPr>
+          <a:lstStyle/>
+          <a:p>
+            <a:pPr marL="285750" indent="-285750">
+              <a:buFont typeface="Arial" panose="020B0604020202020204" pitchFamily="34" charset="0"/>
+              <a:buChar char="•"/>
+            </a:pPr>
+            <a:r>
+              <a:rPr lang="pt-PT" dirty="0"/>
+              <a:t>Já no ficheiro calc.py:</a:t>
+            </a:r>
+          </a:p>
+        </p:txBody>
+      </p:sp>
       <p:pic>
         <p:nvPicPr>
           <p:cNvPr id="8" name="Imagem 7">
             <a:extLst>
               <a:ext uri="{FF2B5EF4-FFF2-40B4-BE49-F238E27FC236}">
-                <a16:creationId xmlns:a16="http://schemas.microsoft.com/office/drawing/2014/main" id="{7B6CED81-A16D-86DB-47FB-17CE9285DD2E}"/>
+                <a16:creationId xmlns:a16="http://schemas.microsoft.com/office/drawing/2014/main" id="{2DA08B8F-ACC3-28A6-285C-412278259A36}"/>
               </a:ext>
             </a:extLst>
           </p:cNvPr>
@@ -17160,8 +20455,8 @@
         </p:blipFill>
         <p:spPr>
           <a:xfrm>
-            <a:off x="623887" y="1900237"/>
-            <a:ext cx="7896225" cy="3057525"/>
+            <a:off x="1961542" y="1703000"/>
+            <a:ext cx="4784175" cy="4680000"/>
           </a:xfrm>
           <a:prstGeom prst="rect">
             <a:avLst/>
@@ -17171,7 +20466,7 @@
     </p:spTree>
     <p:extLst>
       <p:ext uri="{BB962C8B-B14F-4D97-AF65-F5344CB8AC3E}">
-        <p14:creationId xmlns:p14="http://schemas.microsoft.com/office/powerpoint/2010/main" val="2873997183"/>
+        <p14:creationId xmlns:p14="http://schemas.microsoft.com/office/powerpoint/2010/main" val="1356100186"/>
       </p:ext>
     </p:extLst>
   </p:cSld>
@@ -17344,7 +20639,7 @@
                 <a:latin typeface="Arial"/>
                 <a:cs typeface="Arial"/>
               </a:rPr>
-              <a:t> Desenvolvimento</a:t>
+              <a:t> Desenvolvimento - Calculadora</a:t>
             </a:r>
             <a:endParaRPr lang="pt-PT" sz="2000" b="1" dirty="0">
               <a:effectLst>
@@ -17475,6 +20770,28 @@
               <a:spcBef>
                 <a:spcPct val="20000"/>
               </a:spcBef>
+            </a:pPr>
+            <a:endParaRPr kumimoji="0" lang="pt-PT" sz="2000" b="0" i="0" u="none" strike="noStrike" kern="1200" cap="none" spc="0" normalizeH="0" baseline="0" noProof="0" dirty="0">
+              <a:ln>
+                <a:noFill/>
+              </a:ln>
+              <a:effectLst/>
+              <a:uLnTx/>
+              <a:uFillTx/>
+              <a:latin typeface="Arial" pitchFamily="34" charset="0"/>
+              <a:cs typeface="Arial" pitchFamily="34" charset="0"/>
+            </a:endParaRPr>
+          </a:p>
+          <a:p>
+            <a:pPr marL="342900" lvl="0" indent="-342900">
+              <a:lnSpc>
+                <a:spcPct val="200000"/>
+              </a:lnSpc>
+              <a:spcBef>
+                <a:spcPct val="20000"/>
+              </a:spcBef>
+              <a:buFont typeface="Arial" panose="020B0604020202020204" pitchFamily="34" charset="0"/>
+              <a:buChar char="•"/>
             </a:pPr>
             <a:endParaRPr lang="pt-PT" sz="2000" dirty="0">
               <a:latin typeface="Arial" pitchFamily="34" charset="0"/>
@@ -18094,7 +21411,7 @@
           <p:cNvPr id="6" name="Imagem 5">
             <a:extLst>
               <a:ext uri="{FF2B5EF4-FFF2-40B4-BE49-F238E27FC236}">
-                <a16:creationId xmlns:a16="http://schemas.microsoft.com/office/drawing/2014/main" id="{5DE13EE1-8092-E9B6-A5CE-55D558937446}"/>
+                <a16:creationId xmlns:a16="http://schemas.microsoft.com/office/drawing/2014/main" id="{18B33800-479A-A012-05BC-65C4020C9658}"/>
               </a:ext>
             </a:extLst>
           </p:cNvPr>
@@ -18111,8 +21428,8 @@
         </p:blipFill>
         <p:spPr>
           <a:xfrm>
-            <a:off x="443827" y="1275007"/>
-            <a:ext cx="8256345" cy="4752000"/>
+            <a:off x="763001" y="1189662"/>
+            <a:ext cx="7690640" cy="5184000"/>
           </a:xfrm>
           <a:prstGeom prst="rect">
             <a:avLst/>
@@ -18122,7 +21439,7 @@
     </p:spTree>
     <p:extLst>
       <p:ext uri="{BB962C8B-B14F-4D97-AF65-F5344CB8AC3E}">
-        <p14:creationId xmlns:p14="http://schemas.microsoft.com/office/powerpoint/2010/main" val="1909755374"/>
+        <p14:creationId xmlns:p14="http://schemas.microsoft.com/office/powerpoint/2010/main" val="3544907017"/>
       </p:ext>
     </p:extLst>
   </p:cSld>
@@ -18295,7 +21612,7 @@
                 <a:latin typeface="Arial"/>
                 <a:cs typeface="Arial"/>
               </a:rPr>
-              <a:t> Desenvolvimento</a:t>
+              <a:t> Desenvolvimento (Execução) - Calculadora</a:t>
             </a:r>
             <a:endParaRPr lang="pt-PT" sz="2000" b="1" dirty="0">
               <a:effectLst>
@@ -18426,6 +21743,28 @@
               <a:spcBef>
                 <a:spcPct val="20000"/>
               </a:spcBef>
+            </a:pPr>
+            <a:endParaRPr kumimoji="0" lang="pt-PT" sz="2000" b="0" i="0" u="none" strike="noStrike" kern="1200" cap="none" spc="0" normalizeH="0" baseline="0" noProof="0" dirty="0">
+              <a:ln>
+                <a:noFill/>
+              </a:ln>
+              <a:effectLst/>
+              <a:uLnTx/>
+              <a:uFillTx/>
+              <a:latin typeface="Arial" pitchFamily="34" charset="0"/>
+              <a:cs typeface="Arial" pitchFamily="34" charset="0"/>
+            </a:endParaRPr>
+          </a:p>
+          <a:p>
+            <a:pPr marL="342900" lvl="0" indent="-342900">
+              <a:lnSpc>
+                <a:spcPct val="200000"/>
+              </a:lnSpc>
+              <a:spcBef>
+                <a:spcPct val="20000"/>
+              </a:spcBef>
+              <a:buFont typeface="Arial" panose="020B0604020202020204" pitchFamily="34" charset="0"/>
+              <a:buChar char="•"/>
             </a:pPr>
             <a:endParaRPr lang="pt-PT" sz="2000" dirty="0">
               <a:latin typeface="Arial" pitchFamily="34" charset="0"/>
@@ -19042,10 +22381,10 @@
       </p:sp>
       <p:pic>
         <p:nvPicPr>
-          <p:cNvPr id="6" name="Imagem 5">
+          <p:cNvPr id="8" name="Imagem 7">
             <a:extLst>
               <a:ext uri="{FF2B5EF4-FFF2-40B4-BE49-F238E27FC236}">
-                <a16:creationId xmlns:a16="http://schemas.microsoft.com/office/drawing/2014/main" id="{45DDF48D-7760-02F5-488E-E79BE7C099BD}"/>
+                <a16:creationId xmlns:a16="http://schemas.microsoft.com/office/drawing/2014/main" id="{4602BE4D-DF7F-F58E-DA03-554AD3CBB8EC}"/>
               </a:ext>
             </a:extLst>
           </p:cNvPr>
@@ -19062,18 +22401,143 @@
         </p:blipFill>
         <p:spPr>
           <a:xfrm>
-            <a:off x="914400" y="1167675"/>
-            <a:ext cx="6882824" cy="5184000"/>
+            <a:off x="1369885" y="1248491"/>
+            <a:ext cx="5391150" cy="1314450"/>
           </a:xfrm>
           <a:prstGeom prst="rect">
             <a:avLst/>
           </a:prstGeom>
         </p:spPr>
       </p:pic>
+      <p:pic>
+        <p:nvPicPr>
+          <p:cNvPr id="11" name="Imagem 10">
+            <a:extLst>
+              <a:ext uri="{FF2B5EF4-FFF2-40B4-BE49-F238E27FC236}">
+                <a16:creationId xmlns:a16="http://schemas.microsoft.com/office/drawing/2014/main" id="{10AB7E9E-8F23-1CE9-1938-5458A6A71F44}"/>
+              </a:ext>
+            </a:extLst>
+          </p:cNvPr>
+          <p:cNvPicPr>
+            <a:picLocks noChangeAspect="1"/>
+          </p:cNvPicPr>
+          <p:nvPr/>
+        </p:nvPicPr>
+        <p:blipFill>
+          <a:blip r:embed="rId8"/>
+          <a:stretch>
+            <a:fillRect/>
+          </a:stretch>
+        </p:blipFill>
+        <p:spPr>
+          <a:xfrm>
+            <a:off x="2298573" y="2653380"/>
+            <a:ext cx="3533775" cy="723900"/>
+          </a:xfrm>
+          <a:prstGeom prst="rect">
+            <a:avLst/>
+          </a:prstGeom>
+        </p:spPr>
+      </p:pic>
+      <p:pic>
+        <p:nvPicPr>
+          <p:cNvPr id="14" name="Imagem 13">
+            <a:extLst>
+              <a:ext uri="{FF2B5EF4-FFF2-40B4-BE49-F238E27FC236}">
+                <a16:creationId xmlns:a16="http://schemas.microsoft.com/office/drawing/2014/main" id="{BBDA8723-06CD-4BC6-9A67-2FF18649FBCC}"/>
+              </a:ext>
+            </a:extLst>
+          </p:cNvPr>
+          <p:cNvPicPr>
+            <a:picLocks noChangeAspect="1"/>
+          </p:cNvPicPr>
+          <p:nvPr/>
+        </p:nvPicPr>
+        <p:blipFill>
+          <a:blip r:embed="rId9"/>
+          <a:stretch>
+            <a:fillRect/>
+          </a:stretch>
+        </p:blipFill>
+        <p:spPr>
+          <a:xfrm>
+            <a:off x="3079624" y="3545442"/>
+            <a:ext cx="1971675" cy="400050"/>
+          </a:xfrm>
+          <a:prstGeom prst="rect">
+            <a:avLst/>
+          </a:prstGeom>
+        </p:spPr>
+      </p:pic>
+      <p:pic>
+        <p:nvPicPr>
+          <p:cNvPr id="16" name="Imagem 15">
+            <a:extLst>
+              <a:ext uri="{FF2B5EF4-FFF2-40B4-BE49-F238E27FC236}">
+                <a16:creationId xmlns:a16="http://schemas.microsoft.com/office/drawing/2014/main" id="{67D53DC4-EAA8-856A-4088-5F24C40B4B47}"/>
+              </a:ext>
+            </a:extLst>
+          </p:cNvPr>
+          <p:cNvPicPr>
+            <a:picLocks noChangeAspect="1"/>
+          </p:cNvPicPr>
+          <p:nvPr/>
+        </p:nvPicPr>
+        <p:blipFill>
+          <a:blip r:embed="rId10"/>
+          <a:stretch>
+            <a:fillRect/>
+          </a:stretch>
+        </p:blipFill>
+        <p:spPr>
+          <a:xfrm>
+            <a:off x="2112771" y="4985008"/>
+            <a:ext cx="4991100" cy="695325"/>
+          </a:xfrm>
+          <a:prstGeom prst="rect">
+            <a:avLst/>
+          </a:prstGeom>
+        </p:spPr>
+      </p:pic>
+      <p:sp>
+        <p:nvSpPr>
+          <p:cNvPr id="17" name="CaixaDeTexto 16">
+            <a:extLst>
+              <a:ext uri="{FF2B5EF4-FFF2-40B4-BE49-F238E27FC236}">
+                <a16:creationId xmlns:a16="http://schemas.microsoft.com/office/drawing/2014/main" id="{820034B5-7AC9-5EB0-1874-17D82FB9D035}"/>
+              </a:ext>
+            </a:extLst>
+          </p:cNvPr>
+          <p:cNvSpPr txBox="1"/>
+          <p:nvPr/>
+        </p:nvSpPr>
+        <p:spPr>
+          <a:xfrm>
+            <a:off x="3886200" y="4362961"/>
+            <a:ext cx="3679716" cy="369332"/>
+          </a:xfrm>
+          <a:prstGeom prst="rect">
+            <a:avLst/>
+          </a:prstGeom>
+          <a:noFill/>
+        </p:spPr>
+        <p:txBody>
+          <a:bodyPr wrap="square" rtlCol="0">
+            <a:spAutoFit/>
+          </a:bodyPr>
+          <a:lstStyle/>
+          <a:p>
+            <a:r>
+              <a:rPr lang="pt-PT" dirty="0"/>
+              <a:t>Servidor</a:t>
+            </a:r>
+          </a:p>
+        </p:txBody>
+      </p:sp>
     </p:spTree>
     <p:extLst>
       <p:ext uri="{BB962C8B-B14F-4D97-AF65-F5344CB8AC3E}">
-        <p14:creationId xmlns:p14="http://schemas.microsoft.com/office/powerpoint/2010/main" val="2583277160"/>
+        <p14:creationId xmlns:p14="http://schemas.microsoft.com/office/powerpoint/2010/main" val="1229497524"/>
       </p:ext>
     </p:extLst>
   </p:cSld>
@@ -19246,7 +22710,19 @@
                 <a:latin typeface="Arial"/>
                 <a:cs typeface="Arial"/>
               </a:rPr>
-              <a:t> Desenvolvimento</a:t>
+              <a:t> Desenvolvimento – Chat </a:t>
+            </a:r>
+            <a:r>
+              <a:rPr lang="pt-PT" sz="2000" b="1" dirty="0" err="1">
+                <a:effectLst>
+                  <a:outerShdw blurRad="38100" dist="38100" dir="2700000" algn="tl">
+                    <a:srgbClr val="C0C0C0"/>
+                  </a:outerShdw>
+                </a:effectLst>
+                <a:latin typeface="Arial"/>
+                <a:cs typeface="Arial"/>
+              </a:rPr>
+              <a:t>Room</a:t>
             </a:r>
             <a:endParaRPr lang="pt-PT" sz="2000" b="1" dirty="0">
               <a:effectLst>
@@ -19370,13 +22846,66 @@
           </a:bodyPr>
           <a:lstStyle/>
           <a:p>
-            <a:pPr lvl="0">
+            <a:pPr marL="342900" lvl="0" indent="-342900">
               <a:lnSpc>
                 <a:spcPct val="200000"/>
               </a:lnSpc>
               <a:spcBef>
                 <a:spcPct val="20000"/>
               </a:spcBef>
+              <a:buFont typeface="Arial" panose="020B0604020202020204" pitchFamily="34" charset="0"/>
+              <a:buChar char="•"/>
+            </a:pPr>
+            <a:r>
+              <a:rPr kumimoji="0" lang="pt-PT" sz="2000" b="0" i="0" u="none" strike="noStrike" kern="1200" cap="none" spc="0" normalizeH="0" baseline="0" noProof="0" dirty="0">
+                <a:ln>
+                  <a:noFill/>
+                </a:ln>
+                <a:effectLst/>
+                <a:uLnTx/>
+                <a:uFillTx/>
+                <a:latin typeface="Arial" pitchFamily="34" charset="0"/>
+                <a:cs typeface="Arial" pitchFamily="34" charset="0"/>
+              </a:rPr>
+              <a:t>De seguida, o chat </a:t>
+            </a:r>
+            <a:r>
+              <a:rPr kumimoji="0" lang="pt-PT" sz="2000" b="0" i="0" u="none" strike="noStrike" kern="1200" cap="none" spc="0" normalizeH="0" baseline="0" noProof="0" dirty="0" err="1">
+                <a:ln>
+                  <a:noFill/>
+                </a:ln>
+                <a:effectLst/>
+                <a:uLnTx/>
+                <a:uFillTx/>
+                <a:latin typeface="Arial" pitchFamily="34" charset="0"/>
+                <a:cs typeface="Arial" pitchFamily="34" charset="0"/>
+              </a:rPr>
+              <a:t>room</a:t>
+            </a:r>
+            <a:r>
+              <a:rPr kumimoji="0" lang="pt-PT" sz="2000" b="0" i="0" u="none" strike="noStrike" kern="1200" cap="none" spc="0" normalizeH="0" baseline="0" noProof="0" dirty="0">
+                <a:ln>
+                  <a:noFill/>
+                </a:ln>
+                <a:effectLst/>
+                <a:uLnTx/>
+                <a:uFillTx/>
+                <a:latin typeface="Arial" pitchFamily="34" charset="0"/>
+                <a:cs typeface="Arial" pitchFamily="34" charset="0"/>
+              </a:rPr>
+              <a:t>, que é bem mais complexo que o primeiro exercício. </a:t>
+            </a:r>
+          </a:p>
+          <a:p>
+            <a:pPr marL="342900" lvl="0" indent="-342900">
+              <a:lnSpc>
+                <a:spcPct val="200000"/>
+              </a:lnSpc>
+              <a:spcBef>
+                <a:spcPct val="20000"/>
+              </a:spcBef>
+              <a:buFont typeface="Arial" panose="020B0604020202020204" pitchFamily="34" charset="0"/>
+              <a:buChar char="•"/>
             </a:pPr>
             <a:endParaRPr lang="pt-PT" sz="2000" dirty="0">
               <a:latin typeface="Arial" pitchFamily="34" charset="0"/>
@@ -19996,7 +23525,7 @@
           <p:cNvPr id="6" name="Imagem 5">
             <a:extLst>
               <a:ext uri="{FF2B5EF4-FFF2-40B4-BE49-F238E27FC236}">
-                <a16:creationId xmlns:a16="http://schemas.microsoft.com/office/drawing/2014/main" id="{5FF284FF-EDAB-A479-B220-ABA77A88B348}"/>
+                <a16:creationId xmlns:a16="http://schemas.microsoft.com/office/drawing/2014/main" id="{E8653C02-494F-7D33-FD10-5E82E603C429}"/>
               </a:ext>
             </a:extLst>
           </p:cNvPr>
@@ -20013,8 +23542,8 @@
         </p:blipFill>
         <p:spPr>
           <a:xfrm>
-            <a:off x="295275" y="2452687"/>
-            <a:ext cx="8553450" cy="1952625"/>
+            <a:off x="2062502" y="1966696"/>
+            <a:ext cx="5091638" cy="4284000"/>
           </a:xfrm>
           <a:prstGeom prst="rect">
             <a:avLst/>
@@ -20024,7 +23553,7 @@
     </p:spTree>
     <p:extLst>
       <p:ext uri="{BB962C8B-B14F-4D97-AF65-F5344CB8AC3E}">
-        <p14:creationId xmlns:p14="http://schemas.microsoft.com/office/powerpoint/2010/main" val="720780720"/>
+        <p14:creationId xmlns:p14="http://schemas.microsoft.com/office/powerpoint/2010/main" val="394573326"/>
       </p:ext>
     </p:extLst>
   </p:cSld>
